--- a/Slides/5 - NumericVariables.pptx
+++ b/Slides/5 - NumericVariables.pptx
@@ -490,7 +490,7 @@
               <a:rPr lang="en-US" smtClean="0">
                 <a:latin typeface="Segoe UI" pitchFamily="34" charset="0"/>
               </a:rPr>
-              <a:t>6/9/2019 7:29 AM</a:t>
+              <a:t>6/9/2019 4:19 PM</a:t>
             </a:fld>
             <a:endParaRPr lang="en-US">
               <a:latin typeface="Segoe UI" pitchFamily="34" charset="0"/>
@@ -768,7 +768,7 @@
           <a:p>
             <a:fld id="{38EEC551-8CDA-4EB6-89BB-2A86C9F091C8}" type="datetime8">
               <a:rPr lang="en-US" smtClean="0"/>
-              <a:t>6/9/2019 10:27 AM</a:t>
+              <a:t>6/9/2019 4:19 PM</a:t>
             </a:fld>
             <a:endParaRPr lang="en-US"/>
           </a:p>
@@ -1102,7 +1102,7 @@
           <a:p>
             <a:fld id="{6108602D-D426-4C00-B215-BFA18C076426}" type="datetime8">
               <a:rPr lang="en-US" smtClean="0"/>
-              <a:t>6/9/2019 10:27 AM</a:t>
+              <a:t>6/9/2019 4:19 PM</a:t>
             </a:fld>
             <a:endParaRPr lang="en-US"/>
           </a:p>
@@ -1267,7 +1267,7 @@
           <a:p>
             <a:fld id="{6108602D-D426-4C00-B215-BFA18C076426}" type="datetime8">
               <a:rPr lang="en-US" smtClean="0"/>
-              <a:t>6/9/2019 10:27 AM</a:t>
+              <a:t>6/9/2019 4:19 PM</a:t>
             </a:fld>
             <a:endParaRPr lang="en-US"/>
           </a:p>
@@ -1432,7 +1432,7 @@
           <a:p>
             <a:fld id="{6108602D-D426-4C00-B215-BFA18C076426}" type="datetime8">
               <a:rPr lang="en-US" smtClean="0"/>
-              <a:t>6/9/2019 10:27 AM</a:t>
+              <a:t>6/9/2019 4:19 PM</a:t>
             </a:fld>
             <a:endParaRPr lang="en-US"/>
           </a:p>
@@ -1597,7 +1597,7 @@
           <a:p>
             <a:fld id="{6108602D-D426-4C00-B215-BFA18C076426}" type="datetime8">
               <a:rPr lang="en-US" smtClean="0"/>
-              <a:t>6/9/2019 10:27 AM</a:t>
+              <a:t>6/9/2019 4:19 PM</a:t>
             </a:fld>
             <a:endParaRPr lang="en-US"/>
           </a:p>
@@ -1762,7 +1762,7 @@
           <a:p>
             <a:fld id="{6108602D-D426-4C00-B215-BFA18C076426}" type="datetime8">
               <a:rPr lang="en-US" smtClean="0"/>
-              <a:t>6/9/2019 10:27 AM</a:t>
+              <a:t>6/9/2019 4:19 PM</a:t>
             </a:fld>
             <a:endParaRPr lang="en-US"/>
           </a:p>
@@ -1927,7 +1927,7 @@
           <a:p>
             <a:fld id="{6108602D-D426-4C00-B215-BFA18C076426}" type="datetime8">
               <a:rPr lang="en-US" smtClean="0"/>
-              <a:t>6/9/2019 10:27 AM</a:t>
+              <a:t>6/9/2019 4:19 PM</a:t>
             </a:fld>
             <a:endParaRPr lang="en-US"/>
           </a:p>
@@ -2092,7 +2092,7 @@
           <a:p>
             <a:fld id="{6108602D-D426-4C00-B215-BFA18C076426}" type="datetime8">
               <a:rPr lang="en-US" smtClean="0"/>
-              <a:t>6/9/2019 10:27 AM</a:t>
+              <a:t>6/9/2019 4:19 PM</a:t>
             </a:fld>
             <a:endParaRPr lang="en-US"/>
           </a:p>
@@ -2257,7 +2257,7 @@
           <a:p>
             <a:fld id="{6108602D-D426-4C00-B215-BFA18C076426}" type="datetime8">
               <a:rPr lang="en-US" smtClean="0"/>
-              <a:t>6/9/2019 10:27 AM</a:t>
+              <a:t>6/9/2019 4:19 PM</a:t>
             </a:fld>
             <a:endParaRPr lang="en-US"/>
           </a:p>
@@ -43500,7 +43500,7 @@
         </p:nvSpPr>
         <p:spPr>
           <a:xfrm>
-            <a:off x="365760" y="1973262"/>
+            <a:off x="365760" y="1166812"/>
             <a:ext cx="11704320" cy="2708434"/>
           </a:xfrm>
         </p:spPr>
@@ -43629,7 +43629,7 @@
         </p:nvSpPr>
         <p:spPr>
           <a:xfrm>
-            <a:off x="365760" y="4435164"/>
+            <a:off x="365760" y="3908114"/>
             <a:ext cx="11704320" cy="2708434"/>
           </a:xfrm>
           <a:prstGeom prst="rect">
@@ -43867,7 +43867,7 @@
           </a:lstStyle>
           <a:p>
             <a:r>
-              <a:rPr lang="en-US">
+              <a:rPr lang="en-US" dirty="0">
                 <a:solidFill>
                   <a:schemeClr val="bg1"/>
                 </a:solidFill>
@@ -43877,7 +43877,7 @@
           </a:p>
           <a:p>
             <a:r>
-              <a:rPr lang="en-US">
+              <a:rPr lang="en-US" dirty="0">
                 <a:solidFill>
                   <a:schemeClr val="bg1"/>
                 </a:solidFill>
@@ -43887,7 +43887,7 @@
           </a:p>
           <a:p>
             <a:r>
-              <a:rPr lang="en-US">
+              <a:rPr lang="en-US" dirty="0">
                 <a:solidFill>
                   <a:schemeClr val="bg1"/>
                 </a:solidFill>
@@ -43896,14 +43896,14 @@
             </a:r>
           </a:p>
           <a:p>
-            <a:endParaRPr lang="en-US">
+            <a:endParaRPr lang="en-US" dirty="0">
               <a:solidFill>
                 <a:schemeClr val="bg1"/>
               </a:solidFill>
             </a:endParaRPr>
           </a:p>
           <a:p>
-            <a:endParaRPr lang="en-CA"/>
+            <a:endParaRPr lang="en-CA" dirty="0"/>
           </a:p>
         </p:txBody>
       </p:sp>
@@ -43917,11 +43917,11 @@
   <p:clrMapOvr>
     <a:masterClrMapping/>
   </p:clrMapOvr>
-  <mc:AlternateContent xmlns:mc="http://schemas.openxmlformats.org/markup-compatibility/2006">
-    <mc:Choice xmlns:p14="http://schemas.microsoft.com/office/powerpoint/2010/main" Requires="p14">
+  <mc:AlternateContent xmlns:mc="http://schemas.openxmlformats.org/markup-compatibility/2006" xmlns:p14="http://schemas.microsoft.com/office/powerpoint/2010/main">
+    <mc:Choice Requires="p14">
       <p:transition p14:dur="10"/>
     </mc:Choice>
-    <mc:Fallback>
+    <mc:Fallback xmlns="">
       <p:transition/>
     </mc:Fallback>
   </mc:AlternateContent>
@@ -43980,7 +43980,7 @@
         </p:nvSpPr>
         <p:spPr>
           <a:xfrm>
-            <a:off x="365760" y="1973262"/>
+            <a:off x="365760" y="1878012"/>
             <a:ext cx="11704320" cy="3748719"/>
           </a:xfrm>
         </p:spPr>
@@ -44154,8 +44154,8 @@
         </p:nvSpPr>
         <p:spPr>
           <a:xfrm>
-            <a:off x="365760" y="4435164"/>
-            <a:ext cx="11704320" cy="2708434"/>
+            <a:off x="365760" y="4384364"/>
+            <a:ext cx="11704320" cy="2188291"/>
           </a:xfrm>
           <a:prstGeom prst="rect">
             <a:avLst/>
@@ -44392,7 +44392,7 @@
           </a:lstStyle>
           <a:p>
             <a:r>
-              <a:rPr lang="en-US">
+              <a:rPr lang="en-US" dirty="0">
                 <a:solidFill>
                   <a:schemeClr val="bg1"/>
                 </a:solidFill>
@@ -44402,7 +44402,7 @@
           </a:p>
           <a:p>
             <a:r>
-              <a:rPr lang="en-US">
+              <a:rPr lang="en-US" dirty="0">
                 <a:solidFill>
                   <a:schemeClr val="bg1"/>
                 </a:solidFill>
@@ -44412,7 +44412,7 @@
           </a:p>
           <a:p>
             <a:r>
-              <a:rPr lang="en-US">
+              <a:rPr lang="en-US" dirty="0">
                 <a:solidFill>
                   <a:schemeClr val="bg1"/>
                 </a:solidFill>
@@ -44422,16 +44422,14 @@
           </a:p>
           <a:p>
             <a:r>
-              <a:rPr lang="en-US">
+              <a:rPr lang="en-US" dirty="0">
                 <a:solidFill>
                   <a:schemeClr val="bg1"/>
                 </a:solidFill>
               </a:rPr>
               <a:t>11.0</a:t>
             </a:r>
-          </a:p>
-          <a:p>
-            <a:endParaRPr lang="en-CA"/>
+            <a:endParaRPr lang="en-CA" dirty="0"/>
           </a:p>
         </p:txBody>
       </p:sp>
@@ -46297,13 +46295,13 @@
 
 <file path=customXml/item1.xml><?xml version="1.0" encoding="utf-8"?>
 <Control xmlns="http://schemas.microsoft.com/VisualStudio/2011/storyboarding/control">
-  <Id Name="369f9055-6b6c-48b9-9320-5df2d46c430a" Revision="1" Stencil="7276b9ef-3953-4dce-a89b-ed85f20b8b93" StencilVersion="1.0"/>
+  <Id Name="a53d73d2-368b-429e-b817-1324eec1382c" Revision="1" Stencil="7276b9ef-3953-4dce-a89b-ed85f20b8b93" StencilVersion="1.0"/>
 </Control>
 </file>
 
 <file path=customXml/item10.xml><?xml version="1.0" encoding="utf-8"?>
 <Control xmlns="http://schemas.microsoft.com/VisualStudio/2011/storyboarding/control">
-  <Id Name="369f9055-6b6c-48b9-9320-5df2d46c430a" Revision="1" Stencil="7276b9ef-3953-4dce-a89b-ed85f20b8b93" StencilVersion="1.0"/>
+  <Id Name="fb22c541-ded0-47fa-8877-83a4c2d16227" Revision="1" Stencil="7276b9ef-3953-4dce-a89b-ed85f20b8b93" StencilVersion="1.0"/>
 </Control>
 </file>
 
@@ -46332,12 +46330,9 @@
 </file>
 
 <file path=customXml/item12.xml><?xml version="1.0" encoding="utf-8"?>
-<?mso-contentType ?>
-<FormTemplates xmlns="http://schemas.microsoft.com/sharepoint/v3/contenttype/forms">
-  <Display>DocumentLibraryForm</Display>
-  <Edit>DocumentLibraryForm</Edit>
-  <New>DocumentLibraryForm</New>
-</FormTemplates>
+<Control xmlns="http://schemas.microsoft.com/VisualStudio/2011/storyboarding/control">
+  <Id Name="d69996e1-3d61-4686-9b63-f1b855c596ab" Revision="1" Stencil="7276b9ef-3953-4dce-a89b-ed85f20b8b93" StencilVersion="1.0"/>
+</Control>
 </file>
 
 <file path=customXml/item13.xml><?xml version="1.0" encoding="utf-8"?>
@@ -46366,17 +46361,11 @@
 
 <file path=customXml/item14.xml><?xml version="1.0" encoding="utf-8"?>
 <Control xmlns="http://schemas.microsoft.com/VisualStudio/2011/storyboarding/control">
-  <Id Name="d69996e1-3d61-4686-9b63-f1b855c596ab" Revision="1" Stencil="7276b9ef-3953-4dce-a89b-ed85f20b8b93" StencilVersion="1.0"/>
+  <Id Name="a2191c86-fc50-4add-948c-129f6b5a88d8" Revision="1" Stencil="7276b9ef-3953-4dce-a89b-ed85f20b8b93" StencilVersion="1.0"/>
 </Control>
 </file>
 
 <file path=customXml/item15.xml><?xml version="1.0" encoding="utf-8"?>
-<Control xmlns="http://schemas.microsoft.com/VisualStudio/2011/storyboarding/control">
-  <Id Name="d69996e1-3d61-4686-9b63-f1b855c596ab" Revision="1" Stencil="7276b9ef-3953-4dce-a89b-ed85f20b8b93" StencilVersion="1.0"/>
-</Control>
-</file>
-
-<file path=customXml/item16.xml><?xml version="1.0" encoding="utf-8"?>
 <?mso-contentType ?>
 <FormTemplates xmlns="http://schemas.microsoft.com/sharepoint/v3/contenttype/forms">
   <Display>DocumentLibraryForm</Display>
@@ -46385,7 +46374,46 @@
 </FormTemplates>
 </file>
 
+<file path=customXml/item16.xml><?xml version="1.0" encoding="utf-8"?>
+<Control xmlns="http://schemas.microsoft.com/VisualStudio/2011/storyboarding/control">
+  <Id Name="369f9055-6b6c-48b9-9320-5df2d46c430a" Revision="1" Stencil="7276b9ef-3953-4dce-a89b-ed85f20b8b93" StencilVersion="1.0"/>
+</Control>
+</file>
+
 <file path=customXml/item17.xml><?xml version="1.0" encoding="utf-8"?>
+<Control xmlns="http://schemas.microsoft.com/VisualStudio/2011/storyboarding/control">
+  <Id Name="a2191c86-fc50-4add-948c-129f6b5a88d8" Revision="1" Stencil="7276b9ef-3953-4dce-a89b-ed85f20b8b93" StencilVersion="1.0"/>
+</Control>
+</file>
+
+<file path=customXml/item18.xml><?xml version="1.0" encoding="utf-8"?>
+<Control xmlns="http://schemas.microsoft.com/VisualStudio/2011/storyboarding/control">
+  <Id Name="a53d73d2-368b-429e-b817-1324eec1382c" Revision="1" Stencil="7276b9ef-3953-4dce-a89b-ed85f20b8b93" StencilVersion="1.0"/>
+</Control>
+</file>
+
+<file path=customXml/item19.xml><?xml version="1.0" encoding="utf-8"?>
+<Control xmlns="http://schemas.microsoft.com/VisualStudio/2011/storyboarding/control">
+  <Id Name="d69996e1-3d61-4686-9b63-f1b855c596ab" Revision="1" Stencil="7276b9ef-3953-4dce-a89b-ed85f20b8b93" StencilVersion="1.0"/>
+</Control>
+</file>
+
+<file path=customXml/item2.xml><?xml version="1.0" encoding="utf-8"?>
+<Control xmlns="http://schemas.microsoft.com/VisualStudio/2011/storyboarding/control">
+  <Id Name="a2191c86-fc50-4add-948c-129f6b5a88d8" Revision="1" Stencil="7276b9ef-3953-4dce-a89b-ed85f20b8b93" StencilVersion="1.0"/>
+</Control>
+</file>
+
+<file path=customXml/item20.xml><?xml version="1.0" encoding="utf-8"?>
+<?mso-contentType ?>
+<FormTemplates xmlns="http://schemas.microsoft.com/sharepoint/v3/contenttype/forms">
+  <Display>DocumentLibraryForm</Display>
+  <Edit>DocumentLibraryForm</Edit>
+  <New>DocumentLibraryForm</New>
+</FormTemplates>
+</file>
+
+<file path=customXml/item21.xml><?xml version="1.0" encoding="utf-8"?>
 <p:properties xmlns:p="http://schemas.microsoft.com/office/2006/metadata/properties" xmlns:xsi="http://www.w3.org/2001/XMLSchema-instance" xmlns:pc="http://schemas.microsoft.com/office/infopath/2007/PartnerControls">
   <documentManagement>
     <SharedWithUsers xmlns="83cd2334-221a-48c3-9034-bfd1542dfe28">
@@ -46409,13 +46437,19 @@
 </p:properties>
 </file>
 
-<file path=customXml/item18.xml><?xml version="1.0" encoding="utf-8"?>
+<file path=customXml/item22.xml><?xml version="1.0" encoding="utf-8"?>
 <Control xmlns="http://schemas.microsoft.com/VisualStudio/2011/storyboarding/control">
-  <Id Name="a53d73d2-368b-429e-b817-1324eec1382c" Revision="1" Stencil="7276b9ef-3953-4dce-a89b-ed85f20b8b93" StencilVersion="1.0"/>
+  <Id Name="fb22c541-ded0-47fa-8877-83a4c2d16227" Revision="1" Stencil="7276b9ef-3953-4dce-a89b-ed85f20b8b93" StencilVersion="1.0"/>
 </Control>
 </file>
 
-<file path=customXml/item19.xml><?xml version="1.0" encoding="utf-8"?>
+<file path=customXml/item23.xml><?xml version="1.0" encoding="utf-8"?>
+<Control xmlns="http://schemas.microsoft.com/VisualStudio/2011/storyboarding/control">
+  <Id Name="369f9055-6b6c-48b9-9320-5df2d46c430a" Revision="1" Stencil="7276b9ef-3953-4dce-a89b-ed85f20b8b93" StencilVersion="1.0"/>
+</Control>
+</file>
+
+<file path=customXml/item24.xml><?xml version="1.0" encoding="utf-8"?>
 <p:properties xmlns:p="http://schemas.microsoft.com/office/2006/metadata/properties" xmlns:xsi="http://www.w3.org/2001/XMLSchema-instance" xmlns:pc="http://schemas.microsoft.com/office/infopath/2007/PartnerControls">
   <documentManagement>
     <SharedWithUsers xmlns="83cd2334-221a-48c3-9034-bfd1542dfe28">
@@ -46439,13 +46473,7 @@
 </p:properties>
 </file>
 
-<file path=customXml/item2.xml><?xml version="1.0" encoding="utf-8"?>
-<Control xmlns="http://schemas.microsoft.com/VisualStudio/2011/storyboarding/control">
-  <Id Name="a2191c86-fc50-4add-948c-129f6b5a88d8" Revision="1" Stencil="7276b9ef-3953-4dce-a89b-ed85f20b8b93" StencilVersion="1.0"/>
-</Control>
-</file>
-
-<file path=customXml/item20.xml><?xml version="1.0" encoding="utf-8"?>
+<file path=customXml/item25.xml><?xml version="1.0" encoding="utf-8"?>
 <?mso-contentType ?>
 <FormTemplates xmlns="http://schemas.microsoft.com/sharepoint/v3/contenttype/forms">
   <Display>DocumentLibraryForm</Display>
@@ -46454,7 +46482,136 @@
 </FormTemplates>
 </file>
 
-<file path=customXml/item21.xml><?xml version="1.0" encoding="utf-8"?>
+<file path=customXml/item26.xml><?xml version="1.0" encoding="utf-8"?>
+<Control xmlns="http://schemas.microsoft.com/VisualStudio/2011/storyboarding/control">
+  <Id Name="fb22c541-ded0-47fa-8877-83a4c2d16227" Revision="1" Stencil="7276b9ef-3953-4dce-a89b-ed85f20b8b93" StencilVersion="1.0"/>
+</Control>
+</file>
+
+<file path=customXml/item27.xml><?xml version="1.0" encoding="utf-8"?>
+<Control xmlns="http://schemas.microsoft.com/VisualStudio/2011/storyboarding/control">
+  <Id Name="369f9055-6b6c-48b9-9320-5df2d46c430a" Revision="1" Stencil="7276b9ef-3953-4dce-a89b-ed85f20b8b93" StencilVersion="1.0"/>
+</Control>
+</file>
+
+<file path=customXml/item28.xml><?xml version="1.0" encoding="utf-8"?>
+<Control xmlns="http://schemas.microsoft.com/VisualStudio/2011/storyboarding/control">
+  <Id Name="a53d73d2-368b-429e-b817-1324eec1382c" Revision="1" Stencil="7276b9ef-3953-4dce-a89b-ed85f20b8b93" StencilVersion="1.0"/>
+</Control>
+</file>
+
+<file path=customXml/item29.xml><?xml version="1.0" encoding="utf-8"?>
+<Control xmlns="http://schemas.microsoft.com/VisualStudio/2011/storyboarding/control">
+  <Id Name="d69996e1-3d61-4686-9b63-f1b855c596ab" Revision="1" Stencil="7276b9ef-3953-4dce-a89b-ed85f20b8b93" StencilVersion="1.0"/>
+</Control>
+</file>
+
+<file path=customXml/item3.xml><?xml version="1.0" encoding="utf-8"?>
+<?mso-contentType ?>
+<FormTemplates xmlns="http://schemas.microsoft.com/sharepoint/v3/contenttype/forms">
+  <Display>DocumentLibraryForm</Display>
+  <Edit>DocumentLibraryForm</Edit>
+  <New>DocumentLibraryForm</New>
+</FormTemplates>
+</file>
+
+<file path=customXml/item30.xml><?xml version="1.0" encoding="utf-8"?>
+<Control xmlns="http://schemas.microsoft.com/VisualStudio/2011/storyboarding/control">
+  <Id Name="d69996e1-3d61-4686-9b63-f1b855c596ab" Revision="1" Stencil="7276b9ef-3953-4dce-a89b-ed85f20b8b93" StencilVersion="1.0"/>
+</Control>
+</file>
+
+<file path=customXml/item31.xml><?xml version="1.0" encoding="utf-8"?>
+<Control xmlns="http://schemas.microsoft.com/VisualStudio/2011/storyboarding/control">
+  <Id Name="fb22c541-ded0-47fa-8877-83a4c2d16227" Revision="1" Stencil="7276b9ef-3953-4dce-a89b-ed85f20b8b93" StencilVersion="1.0"/>
+</Control>
+</file>
+
+<file path=customXml/item32.xml><?xml version="1.0" encoding="utf-8"?>
+<Control xmlns="http://schemas.microsoft.com/VisualStudio/2011/storyboarding/control">
+  <Id Name="fb22c541-ded0-47fa-8877-83a4c2d16227" Revision="1" Stencil="7276b9ef-3953-4dce-a89b-ed85f20b8b93" StencilVersion="1.0"/>
+</Control>
+</file>
+
+<file path=customXml/item33.xml><?xml version="1.0" encoding="utf-8"?>
+<Control xmlns="http://schemas.microsoft.com/VisualStudio/2011/storyboarding/control">
+  <Id Name="369f9055-6b6c-48b9-9320-5df2d46c430a" Revision="1" Stencil="7276b9ef-3953-4dce-a89b-ed85f20b8b93" StencilVersion="1.0"/>
+</Control>
+</file>
+
+<file path=customXml/item34.xml><?xml version="1.0" encoding="utf-8"?>
+<Control xmlns="http://schemas.microsoft.com/VisualStudio/2011/storyboarding/control">
+  <Id Name="fb22c541-ded0-47fa-8877-83a4c2d16227" Revision="1" Stencil="7276b9ef-3953-4dce-a89b-ed85f20b8b93" StencilVersion="1.0"/>
+</Control>
+</file>
+
+<file path=customXml/item35.xml><?xml version="1.0" encoding="utf-8"?>
+<?mso-contentType ?>
+<FormTemplates xmlns="http://schemas.microsoft.com/sharepoint/v3/contenttype/forms">
+  <Display>DocumentLibraryForm</Display>
+  <Edit>DocumentLibraryForm</Edit>
+  <New>DocumentLibraryForm</New>
+</FormTemplates>
+</file>
+
+<file path=customXml/item36.xml><?xml version="1.0" encoding="utf-8"?>
+<Control xmlns="http://schemas.microsoft.com/VisualStudio/2011/storyboarding/control">
+  <Id Name="369f9055-6b6c-48b9-9320-5df2d46c430a" Revision="1" Stencil="7276b9ef-3953-4dce-a89b-ed85f20b8b93" StencilVersion="1.0"/>
+</Control>
+</file>
+
+<file path=customXml/item37.xml><?xml version="1.0" encoding="utf-8"?>
+<p:properties xmlns:p="http://schemas.microsoft.com/office/2006/metadata/properties" xmlns:xsi="http://www.w3.org/2001/XMLSchema-instance" xmlns:pc="http://schemas.microsoft.com/office/infopath/2007/PartnerControls">
+  <documentManagement>
+    <SharedWithUsers xmlns="83cd2334-221a-48c3-9034-bfd1542dfe28">
+      <UserInfo>
+        <DisplayName>Gilad Turbahn</DisplayName>
+        <AccountId>511</AccountId>
+        <AccountType/>
+      </UserInfo>
+      <UserInfo>
+        <DisplayName>Keith Boyd</DisplayName>
+        <AccountId>993</AccountId>
+        <AccountType/>
+      </UserInfo>
+      <UserInfo>
+        <DisplayName>Christopher Harrison</DisplayName>
+        <AccountId>1176</AccountId>
+        <AccountType/>
+      </UserInfo>
+    </SharedWithUsers>
+  </documentManagement>
+</p:properties>
+</file>
+
+<file path=customXml/item38.xml><?xml version="1.0" encoding="utf-8"?>
+<Control xmlns="http://schemas.microsoft.com/VisualStudio/2011/storyboarding/control">
+  <Id Name="a53d73d2-368b-429e-b817-1324eec1382c" Revision="1" Stencil="7276b9ef-3953-4dce-a89b-ed85f20b8b93" StencilVersion="1.0"/>
+</Control>
+</file>
+
+<file path=customXml/item39.xml><?xml version="1.0" encoding="utf-8"?>
+<?mso-contentType ?>
+<FormTemplates xmlns="http://schemas.microsoft.com/sharepoint/v3/contenttype/forms">
+  <Display>DocumentLibraryForm</Display>
+  <Edit>DocumentLibraryForm</Edit>
+  <New>DocumentLibraryForm</New>
+</FormTemplates>
+</file>
+
+<file path=customXml/item4.xml><?xml version="1.0" encoding="utf-8"?>
+<Control xmlns="http://schemas.microsoft.com/VisualStudio/2011/storyboarding/control">
+  <Id Name="369f9055-6b6c-48b9-9320-5df2d46c430a" Revision="1" Stencil="7276b9ef-3953-4dce-a89b-ed85f20b8b93" StencilVersion="1.0"/>
+</Control>
+</file>
+
+<file path=customXml/item40.xml><?xml version="1.0" encoding="utf-8"?>
+<Control xmlns="http://schemas.microsoft.com/VisualStudio/2011/storyboarding/control">
+  <Id Name="a2191c86-fc50-4add-948c-129f6b5a88d8" Revision="1" Stencil="7276b9ef-3953-4dce-a89b-ed85f20b8b93" StencilVersion="1.0"/>
+</Control>
+</file>
+
+<file path=customXml/item41.xml><?xml version="1.0" encoding="utf-8"?>
 <ct:contentTypeSchema xmlns:ct="http://schemas.microsoft.com/office/2006/metadata/contentType" xmlns:ma="http://schemas.microsoft.com/office/2006/metadata/properties/metaAttributes" ct:_="" ma:_="" ma:contentTypeName="Document" ma:contentTypeID="0x010100674EDBEC711BD14FBA6FF5C10FEFEAC7" ma:contentTypeVersion="2" ma:contentTypeDescription="Create a new document." ma:contentTypeScope="" ma:versionID="2439c5e21841780d4f192983b535a097">
   <xsd:schema xmlns:xsd="http://www.w3.org/2001/XMLSchema" xmlns:xs="http://www.w3.org/2001/XMLSchema" xmlns:p="http://schemas.microsoft.com/office/2006/metadata/properties" xmlns:ns2="83cd2334-221a-48c3-9034-bfd1542dfe28" targetNamespace="http://schemas.microsoft.com/office/2006/metadata/properties" ma:root="true" ma:fieldsID="2bca9163d8d0b233c3086236a9289b04" ns2:_="">
     <xsd:import namespace="83cd2334-221a-48c3-9034-bfd1542dfe28"/>
@@ -46602,7 +46759,19 @@
 </ct:contentTypeSchema>
 </file>
 
-<file path=customXml/item22.xml><?xml version="1.0" encoding="utf-8"?>
+<file path=customXml/item42.xml><?xml version="1.0" encoding="utf-8"?>
+<Control xmlns="http://schemas.microsoft.com/VisualStudio/2011/storyboarding/control">
+  <Id Name="a53d73d2-368b-429e-b817-1324eec1382c" Revision="1" Stencil="7276b9ef-3953-4dce-a89b-ed85f20b8b93" StencilVersion="1.0"/>
+</Control>
+</file>
+
+<file path=customXml/item43.xml><?xml version="1.0" encoding="utf-8"?>
+<Control xmlns="http://schemas.microsoft.com/VisualStudio/2011/storyboarding/control">
+  <Id Name="a2191c86-fc50-4add-948c-129f6b5a88d8" Revision="1" Stencil="7276b9ef-3953-4dce-a89b-ed85f20b8b93" StencilVersion="1.0"/>
+</Control>
+</file>
+
+<file path=customXml/item5.xml><?xml version="1.0" encoding="utf-8"?>
 <p:properties xmlns:p="http://schemas.microsoft.com/office/2006/metadata/properties" xmlns:xsi="http://www.w3.org/2001/XMLSchema-instance" xmlns:pc="http://schemas.microsoft.com/office/infopath/2007/PartnerControls">
   <documentManagement>
     <SharedWithUsers xmlns="83cd2334-221a-48c3-9034-bfd1542dfe28">
@@ -46626,180 +46795,9 @@
 </p:properties>
 </file>
 
-<file path=customXml/item23.xml><?xml version="1.0" encoding="utf-8"?>
+<file path=customXml/item6.xml><?xml version="1.0" encoding="utf-8"?>
 <Control xmlns="http://schemas.microsoft.com/VisualStudio/2011/storyboarding/control">
   <Id Name="d69996e1-3d61-4686-9b63-f1b855c596ab" Revision="1" Stencil="7276b9ef-3953-4dce-a89b-ed85f20b8b93" StencilVersion="1.0"/>
-</Control>
-</file>
-
-<file path=customXml/item24.xml><?xml version="1.0" encoding="utf-8"?>
-<Control xmlns="http://schemas.microsoft.com/VisualStudio/2011/storyboarding/control">
-  <Id Name="d69996e1-3d61-4686-9b63-f1b855c596ab" Revision="1" Stencil="7276b9ef-3953-4dce-a89b-ed85f20b8b93" StencilVersion="1.0"/>
-</Control>
-</file>
-
-<file path=customXml/item25.xml><?xml version="1.0" encoding="utf-8"?>
-<Control xmlns="http://schemas.microsoft.com/VisualStudio/2011/storyboarding/control">
-  <Id Name="fb22c541-ded0-47fa-8877-83a4c2d16227" Revision="1" Stencil="7276b9ef-3953-4dce-a89b-ed85f20b8b93" StencilVersion="1.0"/>
-</Control>
-</file>
-
-<file path=customXml/item26.xml><?xml version="1.0" encoding="utf-8"?>
-<?mso-contentType ?>
-<FormTemplates xmlns="http://schemas.microsoft.com/sharepoint/v3/contenttype/forms">
-  <Display>DocumentLibraryForm</Display>
-  <Edit>DocumentLibraryForm</Edit>
-  <New>DocumentLibraryForm</New>
-</FormTemplates>
-</file>
-
-<file path=customXml/item27.xml><?xml version="1.0" encoding="utf-8"?>
-<Control xmlns="http://schemas.microsoft.com/VisualStudio/2011/storyboarding/control">
-  <Id Name="a2191c86-fc50-4add-948c-129f6b5a88d8" Revision="1" Stencil="7276b9ef-3953-4dce-a89b-ed85f20b8b93" StencilVersion="1.0"/>
-</Control>
-</file>
-
-<file path=customXml/item28.xml><?xml version="1.0" encoding="utf-8"?>
-<Control xmlns="http://schemas.microsoft.com/VisualStudio/2011/storyboarding/control">
-  <Id Name="fb22c541-ded0-47fa-8877-83a4c2d16227" Revision="1" Stencil="7276b9ef-3953-4dce-a89b-ed85f20b8b93" StencilVersion="1.0"/>
-</Control>
-</file>
-
-<file path=customXml/item29.xml><?xml version="1.0" encoding="utf-8"?>
-<Control xmlns="http://schemas.microsoft.com/VisualStudio/2011/storyboarding/control">
-  <Id Name="369f9055-6b6c-48b9-9320-5df2d46c430a" Revision="1" Stencil="7276b9ef-3953-4dce-a89b-ed85f20b8b93" StencilVersion="1.0"/>
-</Control>
-</file>
-
-<file path=customXml/item3.xml><?xml version="1.0" encoding="utf-8"?>
-<Control xmlns="http://schemas.microsoft.com/VisualStudio/2011/storyboarding/control">
-  <Id Name="d69996e1-3d61-4686-9b63-f1b855c596ab" Revision="1" Stencil="7276b9ef-3953-4dce-a89b-ed85f20b8b93" StencilVersion="1.0"/>
-</Control>
-</file>
-
-<file path=customXml/item30.xml><?xml version="1.0" encoding="utf-8"?>
-<?mso-contentType ?>
-<FormTemplates xmlns="http://schemas.microsoft.com/sharepoint/v3/contenttype/forms">
-  <Display>DocumentLibraryForm</Display>
-  <Edit>DocumentLibraryForm</Edit>
-  <New>DocumentLibraryForm</New>
-</FormTemplates>
-</file>
-
-<file path=customXml/item31.xml><?xml version="1.0" encoding="utf-8"?>
-<Control xmlns="http://schemas.microsoft.com/VisualStudio/2011/storyboarding/control">
-  <Id Name="fb22c541-ded0-47fa-8877-83a4c2d16227" Revision="1" Stencil="7276b9ef-3953-4dce-a89b-ed85f20b8b93" StencilVersion="1.0"/>
-</Control>
-</file>
-
-<file path=customXml/item32.xml><?xml version="1.0" encoding="utf-8"?>
-<Control xmlns="http://schemas.microsoft.com/VisualStudio/2011/storyboarding/control">
-  <Id Name="a53d73d2-368b-429e-b817-1324eec1382c" Revision="1" Stencil="7276b9ef-3953-4dce-a89b-ed85f20b8b93" StencilVersion="1.0"/>
-</Control>
-</file>
-
-<file path=customXml/item33.xml><?xml version="1.0" encoding="utf-8"?>
-<Control xmlns="http://schemas.microsoft.com/VisualStudio/2011/storyboarding/control">
-  <Id Name="369f9055-6b6c-48b9-9320-5df2d46c430a" Revision="1" Stencil="7276b9ef-3953-4dce-a89b-ed85f20b8b93" StencilVersion="1.0"/>
-</Control>
-</file>
-
-<file path=customXml/item34.xml><?xml version="1.0" encoding="utf-8"?>
-<Control xmlns="http://schemas.microsoft.com/VisualStudio/2011/storyboarding/control">
-  <Id Name="a53d73d2-368b-429e-b817-1324eec1382c" Revision="1" Stencil="7276b9ef-3953-4dce-a89b-ed85f20b8b93" StencilVersion="1.0"/>
-</Control>
-</file>
-
-<file path=customXml/item35.xml><?xml version="1.0" encoding="utf-8"?>
-<Control xmlns="http://schemas.microsoft.com/VisualStudio/2011/storyboarding/control">
-  <Id Name="369f9055-6b6c-48b9-9320-5df2d46c430a" Revision="1" Stencil="7276b9ef-3953-4dce-a89b-ed85f20b8b93" StencilVersion="1.0"/>
-</Control>
-</file>
-
-<file path=customXml/item36.xml><?xml version="1.0" encoding="utf-8"?>
-<Control xmlns="http://schemas.microsoft.com/VisualStudio/2011/storyboarding/control">
-  <Id Name="fb22c541-ded0-47fa-8877-83a4c2d16227" Revision="1" Stencil="7276b9ef-3953-4dce-a89b-ed85f20b8b93" StencilVersion="1.0"/>
-</Control>
-</file>
-
-<file path=customXml/item37.xml><?xml version="1.0" encoding="utf-8"?>
-<Control xmlns="http://schemas.microsoft.com/VisualStudio/2011/storyboarding/control">
-  <Id Name="a2191c86-fc50-4add-948c-129f6b5a88d8" Revision="1" Stencil="7276b9ef-3953-4dce-a89b-ed85f20b8b93" StencilVersion="1.0"/>
-</Control>
-</file>
-
-<file path=customXml/item38.xml><?xml version="1.0" encoding="utf-8"?>
-<p:properties xmlns:p="http://schemas.microsoft.com/office/2006/metadata/properties" xmlns:xsi="http://www.w3.org/2001/XMLSchema-instance" xmlns:pc="http://schemas.microsoft.com/office/infopath/2007/PartnerControls">
-  <documentManagement>
-    <SharedWithUsers xmlns="83cd2334-221a-48c3-9034-bfd1542dfe28">
-      <UserInfo>
-        <DisplayName>Gilad Turbahn</DisplayName>
-        <AccountId>511</AccountId>
-        <AccountType/>
-      </UserInfo>
-      <UserInfo>
-        <DisplayName>Keith Boyd</DisplayName>
-        <AccountId>993</AccountId>
-        <AccountType/>
-      </UserInfo>
-      <UserInfo>
-        <DisplayName>Christopher Harrison</DisplayName>
-        <AccountId>1176</AccountId>
-        <AccountType/>
-      </UserInfo>
-    </SharedWithUsers>
-  </documentManagement>
-</p:properties>
-</file>
-
-<file path=customXml/item39.xml><?xml version="1.0" encoding="utf-8"?>
-<Control xmlns="http://schemas.microsoft.com/VisualStudio/2011/storyboarding/control">
-  <Id Name="a2191c86-fc50-4add-948c-129f6b5a88d8" Revision="1" Stencil="7276b9ef-3953-4dce-a89b-ed85f20b8b93" StencilVersion="1.0"/>
-</Control>
-</file>
-
-<file path=customXml/item4.xml><?xml version="1.0" encoding="utf-8"?>
-<?mso-contentType ?>
-<FormTemplates xmlns="http://schemas.microsoft.com/sharepoint/v3/contenttype/forms">
-  <Display>DocumentLibraryForm</Display>
-  <Edit>DocumentLibraryForm</Edit>
-  <New>DocumentLibraryForm</New>
-</FormTemplates>
-</file>
-
-<file path=customXml/item40.xml><?xml version="1.0" encoding="utf-8"?>
-<Control xmlns="http://schemas.microsoft.com/VisualStudio/2011/storyboarding/control">
-  <Id Name="d69996e1-3d61-4686-9b63-f1b855c596ab" Revision="1" Stencil="7276b9ef-3953-4dce-a89b-ed85f20b8b93" StencilVersion="1.0"/>
-</Control>
-</file>
-
-<file path=customXml/item41.xml><?xml version="1.0" encoding="utf-8"?>
-<Control xmlns="http://schemas.microsoft.com/VisualStudio/2011/storyboarding/control">
-  <Id Name="fb22c541-ded0-47fa-8877-83a4c2d16227" Revision="1" Stencil="7276b9ef-3953-4dce-a89b-ed85f20b8b93" StencilVersion="1.0"/>
-</Control>
-</file>
-
-<file path=customXml/item42.xml><?xml version="1.0" encoding="utf-8"?>
-<Control xmlns="http://schemas.microsoft.com/VisualStudio/2011/storyboarding/control">
-  <Id Name="a2191c86-fc50-4add-948c-129f6b5a88d8" Revision="1" Stencil="7276b9ef-3953-4dce-a89b-ed85f20b8b93" StencilVersion="1.0"/>
-</Control>
-</file>
-
-<file path=customXml/item43.xml><?xml version="1.0" encoding="utf-8"?>
-<Control xmlns="http://schemas.microsoft.com/VisualStudio/2011/storyboarding/control">
-  <Id Name="a2191c86-fc50-4add-948c-129f6b5a88d8" Revision="1" Stencil="7276b9ef-3953-4dce-a89b-ed85f20b8b93" StencilVersion="1.0"/>
-</Control>
-</file>
-
-<file path=customXml/item5.xml><?xml version="1.0" encoding="utf-8"?>
-<Control xmlns="http://schemas.microsoft.com/VisualStudio/2011/storyboarding/control">
-  <Id Name="fb22c541-ded0-47fa-8877-83a4c2d16227" Revision="1" Stencil="7276b9ef-3953-4dce-a89b-ed85f20b8b93" StencilVersion="1.0"/>
-</Control>
-</file>
-
-<file path=customXml/item6.xml><?xml version="1.0" encoding="utf-8"?>
-<Control xmlns="http://schemas.microsoft.com/VisualStudio/2011/storyboarding/control">
-  <Id Name="a53d73d2-368b-429e-b817-1324eec1382c" Revision="1" Stencil="7276b9ef-3953-4dce-a89b-ed85f20b8b93" StencilVersion="1.0"/>
 </Control>
 </file>
 
@@ -46811,18 +46809,18 @@
 
 <file path=customXml/item8.xml><?xml version="1.0" encoding="utf-8"?>
 <Control xmlns="http://schemas.microsoft.com/VisualStudio/2011/storyboarding/control">
-  <Id Name="a53d73d2-368b-429e-b817-1324eec1382c" Revision="1" Stencil="7276b9ef-3953-4dce-a89b-ed85f20b8b93" StencilVersion="1.0"/>
+  <Id Name="a2191c86-fc50-4add-948c-129f6b5a88d8" Revision="1" Stencil="7276b9ef-3953-4dce-a89b-ed85f20b8b93" StencilVersion="1.0"/>
 </Control>
 </file>
 
 <file path=customXml/item9.xml><?xml version="1.0" encoding="utf-8"?>
 <Control xmlns="http://schemas.microsoft.com/VisualStudio/2011/storyboarding/control">
-  <Id Name="369f9055-6b6c-48b9-9320-5df2d46c430a" Revision="1" Stencil="7276b9ef-3953-4dce-a89b-ed85f20b8b93" StencilVersion="1.0"/>
+  <Id Name="d69996e1-3d61-4686-9b63-f1b855c596ab" Revision="1" Stencil="7276b9ef-3953-4dce-a89b-ed85f20b8b93" StencilVersion="1.0"/>
 </Control>
 </file>
 
 <file path=customXml/itemProps1.xml><?xml version="1.0" encoding="utf-8"?>
-<ds:datastoreItem xmlns:ds="http://schemas.openxmlformats.org/officeDocument/2006/customXml" ds:itemID="{08C4EE12-DF69-4FFC-9E40-C7991F3490A6}">
+<ds:datastoreItem xmlns:ds="http://schemas.openxmlformats.org/officeDocument/2006/customXml" ds:itemID="{ED350DFE-2319-4AB0-BC96-1D36D125365A}">
   <ds:schemaRefs>
     <ds:schemaRef ds:uri="http://schemas.microsoft.com/VisualStudio/2011/storyboarding/control"/>
   </ds:schemaRefs>
@@ -46830,7 +46828,7 @@
 </file>
 
 <file path=customXml/itemProps10.xml><?xml version="1.0" encoding="utf-8"?>
-<ds:datastoreItem xmlns:ds="http://schemas.openxmlformats.org/officeDocument/2006/customXml" ds:itemID="{42D603BF-B513-4201-A599-21BA0F4FFC40}">
+<ds:datastoreItem xmlns:ds="http://schemas.openxmlformats.org/officeDocument/2006/customXml" ds:itemID="{D6FEE829-2115-45B4-8110-670FD454542B}">
   <ds:schemaRefs>
     <ds:schemaRef ds:uri="http://schemas.microsoft.com/VisualStudio/2011/storyboarding/control"/>
   </ds:schemaRefs>
@@ -46838,7 +46836,7 @@
 </file>
 
 <file path=customXml/itemProps11.xml><?xml version="1.0" encoding="utf-8"?>
-<ds:datastoreItem xmlns:ds="http://schemas.openxmlformats.org/officeDocument/2006/customXml" ds:itemID="{DD228CD4-1C93-4EFE-9A88-31B415F02594}">
+<ds:datastoreItem xmlns:ds="http://schemas.openxmlformats.org/officeDocument/2006/customXml" ds:itemID="{F990F116-B58F-4255-B05B-DA3808E0E5C6}">
   <ds:schemaRefs>
     <ds:schemaRef ds:uri="http://schemas.microsoft.com/office/2006/metadata/properties"/>
     <ds:schemaRef ds:uri="http://schemas.microsoft.com/office/infopath/2007/PartnerControls"/>
@@ -46848,15 +46846,15 @@
 </file>
 
 <file path=customXml/itemProps12.xml><?xml version="1.0" encoding="utf-8"?>
-<ds:datastoreItem xmlns:ds="http://schemas.openxmlformats.org/officeDocument/2006/customXml" ds:itemID="{3B5E259B-2631-4B7B-A028-7E89B051B64C}">
+<ds:datastoreItem xmlns:ds="http://schemas.openxmlformats.org/officeDocument/2006/customXml" ds:itemID="{3DC6CABD-46E1-4C27-A0B3-616DC56F8E5C}">
   <ds:schemaRefs>
-    <ds:schemaRef ds:uri="http://schemas.microsoft.com/sharepoint/v3/contenttype/forms"/>
+    <ds:schemaRef ds:uri="http://schemas.microsoft.com/VisualStudio/2011/storyboarding/control"/>
   </ds:schemaRefs>
 </ds:datastoreItem>
 </file>
 
 <file path=customXml/itemProps13.xml><?xml version="1.0" encoding="utf-8"?>
-<ds:datastoreItem xmlns:ds="http://schemas.openxmlformats.org/officeDocument/2006/customXml" ds:itemID="{89F12441-1AE5-4DE5-9A31-72CE5A70E428}">
+<ds:datastoreItem xmlns:ds="http://schemas.openxmlformats.org/officeDocument/2006/customXml" ds:itemID="{473A6A21-7521-4B81-9336-9B587BA12275}">
   <ds:schemaRefs>
     <ds:schemaRef ds:uri="http://schemas.microsoft.com/office/2006/metadata/properties"/>
     <ds:schemaRef ds:uri="http://schemas.microsoft.com/office/infopath/2007/PartnerControls"/>
@@ -46866,7 +46864,7 @@
 </file>
 
 <file path=customXml/itemProps14.xml><?xml version="1.0" encoding="utf-8"?>
-<ds:datastoreItem xmlns:ds="http://schemas.openxmlformats.org/officeDocument/2006/customXml" ds:itemID="{3DC6CABD-46E1-4C27-A0B3-616DC56F8E5C}">
+<ds:datastoreItem xmlns:ds="http://schemas.openxmlformats.org/officeDocument/2006/customXml" ds:itemID="{8BD595CA-AC5E-43B9-B966-E468A16E8322}">
   <ds:schemaRefs>
     <ds:schemaRef ds:uri="http://schemas.microsoft.com/VisualStudio/2011/storyboarding/control"/>
   </ds:schemaRefs>
@@ -46874,33 +46872,31 @@
 </file>
 
 <file path=customXml/itemProps15.xml><?xml version="1.0" encoding="utf-8"?>
-<ds:datastoreItem xmlns:ds="http://schemas.openxmlformats.org/officeDocument/2006/customXml" ds:itemID="{C63AC2F0-1DEB-4E91-A88A-7A014A172F4F}">
+<ds:datastoreItem xmlns:ds="http://schemas.openxmlformats.org/officeDocument/2006/customXml" ds:itemID="{00D921CA-9FCD-44C5-9793-9D18FCAA32EC}">
+  <ds:schemaRefs>
+    <ds:schemaRef ds:uri="http://schemas.microsoft.com/sharepoint/v3/contenttype/forms"/>
+  </ds:schemaRefs>
+</ds:datastoreItem>
+</file>
+
+<file path=customXml/itemProps16.xml><?xml version="1.0" encoding="utf-8"?>
+<ds:datastoreItem xmlns:ds="http://schemas.openxmlformats.org/officeDocument/2006/customXml" ds:itemID="{82DB428A-B8F8-483F-8276-095629A8ECDB}">
   <ds:schemaRefs>
     <ds:schemaRef ds:uri="http://schemas.microsoft.com/VisualStudio/2011/storyboarding/control"/>
   </ds:schemaRefs>
 </ds:datastoreItem>
 </file>
 
-<file path=customXml/itemProps16.xml><?xml version="1.0" encoding="utf-8"?>
-<ds:datastoreItem xmlns:ds="http://schemas.openxmlformats.org/officeDocument/2006/customXml" ds:itemID="{758FDAC0-319D-4A54-8D8E-1D42CB1F8004}">
+<file path=customXml/itemProps17.xml><?xml version="1.0" encoding="utf-8"?>
+<ds:datastoreItem xmlns:ds="http://schemas.openxmlformats.org/officeDocument/2006/customXml" ds:itemID="{0B54C583-7BAB-4080-8093-C5F84F5A225A}">
   <ds:schemaRefs>
-    <ds:schemaRef ds:uri="http://schemas.microsoft.com/sharepoint/v3/contenttype/forms"/>
-  </ds:schemaRefs>
-</ds:datastoreItem>
-</file>
-
-<file path=customXml/itemProps17.xml><?xml version="1.0" encoding="utf-8"?>
-<ds:datastoreItem xmlns:ds="http://schemas.openxmlformats.org/officeDocument/2006/customXml" ds:itemID="{E692D73E-1478-4790-BEEC-C5C534998F40}">
-  <ds:schemaRefs>
-    <ds:schemaRef ds:uri="http://schemas.microsoft.com/office/2006/metadata/properties"/>
-    <ds:schemaRef ds:uri="http://schemas.microsoft.com/office/infopath/2007/PartnerControls"/>
-    <ds:schemaRef ds:uri="83cd2334-221a-48c3-9034-bfd1542dfe28"/>
+    <ds:schemaRef ds:uri="http://schemas.microsoft.com/VisualStudio/2011/storyboarding/control"/>
   </ds:schemaRefs>
 </ds:datastoreItem>
 </file>
 
 <file path=customXml/itemProps18.xml><?xml version="1.0" encoding="utf-8"?>
-<ds:datastoreItem xmlns:ds="http://schemas.openxmlformats.org/officeDocument/2006/customXml" ds:itemID="{21F6B647-976A-41D0-B760-9DF9DFC6AE3C}">
+<ds:datastoreItem xmlns:ds="http://schemas.openxmlformats.org/officeDocument/2006/customXml" ds:itemID="{F68D8396-E21C-4AFF-8FDD-70D00673D0EE}">
   <ds:schemaRefs>
     <ds:schemaRef ds:uri="http://schemas.microsoft.com/VisualStudio/2011/storyboarding/control"/>
   </ds:schemaRefs>
@@ -46908,11 +46904,9 @@
 </file>
 
 <file path=customXml/itemProps19.xml><?xml version="1.0" encoding="utf-8"?>
-<ds:datastoreItem xmlns:ds="http://schemas.openxmlformats.org/officeDocument/2006/customXml" ds:itemID="{F990F116-B58F-4255-B05B-DA3808E0E5C6}">
+<ds:datastoreItem xmlns:ds="http://schemas.openxmlformats.org/officeDocument/2006/customXml" ds:itemID="{366CA990-F93D-4100-9654-65D9E30F4E1C}">
   <ds:schemaRefs>
-    <ds:schemaRef ds:uri="http://schemas.microsoft.com/office/2006/metadata/properties"/>
-    <ds:schemaRef ds:uri="http://schemas.microsoft.com/office/infopath/2007/PartnerControls"/>
-    <ds:schemaRef ds:uri="83cd2334-221a-48c3-9034-bfd1542dfe28"/>
+    <ds:schemaRef ds:uri="http://schemas.microsoft.com/VisualStudio/2011/storyboarding/control"/>
   </ds:schemaRefs>
 </ds:datastoreItem>
 </file>
@@ -46926,6 +46920,50 @@
 </file>
 
 <file path=customXml/itemProps20.xml><?xml version="1.0" encoding="utf-8"?>
+<ds:datastoreItem xmlns:ds="http://schemas.openxmlformats.org/officeDocument/2006/customXml" ds:itemID="{3B5E259B-2631-4B7B-A028-7E89B051B64C}">
+  <ds:schemaRefs>
+    <ds:schemaRef ds:uri="http://schemas.microsoft.com/sharepoint/v3/contenttype/forms"/>
+  </ds:schemaRefs>
+</ds:datastoreItem>
+</file>
+
+<file path=customXml/itemProps21.xml><?xml version="1.0" encoding="utf-8"?>
+<ds:datastoreItem xmlns:ds="http://schemas.openxmlformats.org/officeDocument/2006/customXml" ds:itemID="{E692D73E-1478-4790-BEEC-C5C534998F40}">
+  <ds:schemaRefs>
+    <ds:schemaRef ds:uri="http://schemas.microsoft.com/office/2006/metadata/properties"/>
+    <ds:schemaRef ds:uri="http://schemas.microsoft.com/office/infopath/2007/PartnerControls"/>
+    <ds:schemaRef ds:uri="83cd2334-221a-48c3-9034-bfd1542dfe28"/>
+  </ds:schemaRefs>
+</ds:datastoreItem>
+</file>
+
+<file path=customXml/itemProps22.xml><?xml version="1.0" encoding="utf-8"?>
+<ds:datastoreItem xmlns:ds="http://schemas.openxmlformats.org/officeDocument/2006/customXml" ds:itemID="{4C1B3C27-4803-4D72-A3F8-6668A3F0A24B}">
+  <ds:schemaRefs>
+    <ds:schemaRef ds:uri="http://schemas.microsoft.com/VisualStudio/2011/storyboarding/control"/>
+  </ds:schemaRefs>
+</ds:datastoreItem>
+</file>
+
+<file path=customXml/itemProps23.xml><?xml version="1.0" encoding="utf-8"?>
+<ds:datastoreItem xmlns:ds="http://schemas.openxmlformats.org/officeDocument/2006/customXml" ds:itemID="{FE651ABA-5DC1-4ABD-A06E-055AE54B337B}">
+  <ds:schemaRefs>
+    <ds:schemaRef ds:uri="http://schemas.microsoft.com/VisualStudio/2011/storyboarding/control"/>
+  </ds:schemaRefs>
+</ds:datastoreItem>
+</file>
+
+<file path=customXml/itemProps24.xml><?xml version="1.0" encoding="utf-8"?>
+<ds:datastoreItem xmlns:ds="http://schemas.openxmlformats.org/officeDocument/2006/customXml" ds:itemID="{D2785389-C2C5-4270-958A-D22E6E646BAE}">
+  <ds:schemaRefs>
+    <ds:schemaRef ds:uri="http://schemas.microsoft.com/office/2006/metadata/properties"/>
+    <ds:schemaRef ds:uri="http://schemas.microsoft.com/office/infopath/2007/PartnerControls"/>
+    <ds:schemaRef ds:uri="83cd2334-221a-48c3-9034-bfd1542dfe28"/>
+  </ds:schemaRefs>
+</ds:datastoreItem>
+</file>
+
+<file path=customXml/itemProps25.xml><?xml version="1.0" encoding="utf-8"?>
 <ds:datastoreItem xmlns:ds="http://schemas.openxmlformats.org/officeDocument/2006/customXml" ds:itemID="{1EF25EC2-965B-4491-9691-6B806C9E3B8B}">
   <ds:schemaRefs>
     <ds:schemaRef ds:uri="http://schemas.microsoft.com/sharepoint/v3/contenttype/forms"/>
@@ -46933,7 +46971,145 @@
 </ds:datastoreItem>
 </file>
 
-<file path=customXml/itemProps21.xml><?xml version="1.0" encoding="utf-8"?>
+<file path=customXml/itemProps26.xml><?xml version="1.0" encoding="utf-8"?>
+<ds:datastoreItem xmlns:ds="http://schemas.openxmlformats.org/officeDocument/2006/customXml" ds:itemID="{B5105A87-47B6-44F6-97FD-4619C0556604}">
+  <ds:schemaRefs>
+    <ds:schemaRef ds:uri="http://schemas.microsoft.com/VisualStudio/2011/storyboarding/control"/>
+  </ds:schemaRefs>
+</ds:datastoreItem>
+</file>
+
+<file path=customXml/itemProps27.xml><?xml version="1.0" encoding="utf-8"?>
+<ds:datastoreItem xmlns:ds="http://schemas.openxmlformats.org/officeDocument/2006/customXml" ds:itemID="{08C4EE12-DF69-4FFC-9E40-C7991F3490A6}">
+  <ds:schemaRefs>
+    <ds:schemaRef ds:uri="http://schemas.microsoft.com/VisualStudio/2011/storyboarding/control"/>
+  </ds:schemaRefs>
+</ds:datastoreItem>
+</file>
+
+<file path=customXml/itemProps28.xml><?xml version="1.0" encoding="utf-8"?>
+<ds:datastoreItem xmlns:ds="http://schemas.openxmlformats.org/officeDocument/2006/customXml" ds:itemID="{8893E80D-6D0C-4E0F-AA22-E5615BB87E5B}">
+  <ds:schemaRefs>
+    <ds:schemaRef ds:uri="http://schemas.microsoft.com/VisualStudio/2011/storyboarding/control"/>
+  </ds:schemaRefs>
+</ds:datastoreItem>
+</file>
+
+<file path=customXml/itemProps29.xml><?xml version="1.0" encoding="utf-8"?>
+<ds:datastoreItem xmlns:ds="http://schemas.openxmlformats.org/officeDocument/2006/customXml" ds:itemID="{C63AC2F0-1DEB-4E91-A88A-7A014A172F4F}">
+  <ds:schemaRefs>
+    <ds:schemaRef ds:uri="http://schemas.microsoft.com/VisualStudio/2011/storyboarding/control"/>
+  </ds:schemaRefs>
+</ds:datastoreItem>
+</file>
+
+<file path=customXml/itemProps3.xml><?xml version="1.0" encoding="utf-8"?>
+<ds:datastoreItem xmlns:ds="http://schemas.openxmlformats.org/officeDocument/2006/customXml" ds:itemID="{758FDAC0-319D-4A54-8D8E-1D42CB1F8004}">
+  <ds:schemaRefs>
+    <ds:schemaRef ds:uri="http://schemas.microsoft.com/sharepoint/v3/contenttype/forms"/>
+  </ds:schemaRefs>
+</ds:datastoreItem>
+</file>
+
+<file path=customXml/itemProps30.xml><?xml version="1.0" encoding="utf-8"?>
+<ds:datastoreItem xmlns:ds="http://schemas.openxmlformats.org/officeDocument/2006/customXml" ds:itemID="{0282FB20-2D4C-459D-8468-77D1D3C6925D}">
+  <ds:schemaRefs>
+    <ds:schemaRef ds:uri="http://schemas.microsoft.com/VisualStudio/2011/storyboarding/control"/>
+  </ds:schemaRefs>
+</ds:datastoreItem>
+</file>
+
+<file path=customXml/itemProps31.xml><?xml version="1.0" encoding="utf-8"?>
+<ds:datastoreItem xmlns:ds="http://schemas.openxmlformats.org/officeDocument/2006/customXml" ds:itemID="{376216F9-AF6B-4844-AE8C-B9F953F916AB}">
+  <ds:schemaRefs>
+    <ds:schemaRef ds:uri="http://schemas.microsoft.com/VisualStudio/2011/storyboarding/control"/>
+  </ds:schemaRefs>
+</ds:datastoreItem>
+</file>
+
+<file path=customXml/itemProps32.xml><?xml version="1.0" encoding="utf-8"?>
+<ds:datastoreItem xmlns:ds="http://schemas.openxmlformats.org/officeDocument/2006/customXml" ds:itemID="{4E8278DB-3CDD-48A7-992E-A7596AD335B9}">
+  <ds:schemaRefs>
+    <ds:schemaRef ds:uri="http://schemas.microsoft.com/VisualStudio/2011/storyboarding/control"/>
+  </ds:schemaRefs>
+</ds:datastoreItem>
+</file>
+
+<file path=customXml/itemProps33.xml><?xml version="1.0" encoding="utf-8"?>
+<ds:datastoreItem xmlns:ds="http://schemas.openxmlformats.org/officeDocument/2006/customXml" ds:itemID="{42D603BF-B513-4201-A599-21BA0F4FFC40}">
+  <ds:schemaRefs>
+    <ds:schemaRef ds:uri="http://schemas.microsoft.com/VisualStudio/2011/storyboarding/control"/>
+  </ds:schemaRefs>
+</ds:datastoreItem>
+</file>
+
+<file path=customXml/itemProps34.xml><?xml version="1.0" encoding="utf-8"?>
+<ds:datastoreItem xmlns:ds="http://schemas.openxmlformats.org/officeDocument/2006/customXml" ds:itemID="{432851C6-BC05-4673-B853-6D08AB80CDC4}">
+  <ds:schemaRefs>
+    <ds:schemaRef ds:uri="http://schemas.microsoft.com/VisualStudio/2011/storyboarding/control"/>
+  </ds:schemaRefs>
+</ds:datastoreItem>
+</file>
+
+<file path=customXml/itemProps35.xml><?xml version="1.0" encoding="utf-8"?>
+<ds:datastoreItem xmlns:ds="http://schemas.openxmlformats.org/officeDocument/2006/customXml" ds:itemID="{9360AFB9-8F99-4E1B-878D-F2EBABEB164C}">
+  <ds:schemaRefs>
+    <ds:schemaRef ds:uri="http://schemas.microsoft.com/sharepoint/v3/contenttype/forms"/>
+  </ds:schemaRefs>
+</ds:datastoreItem>
+</file>
+
+<file path=customXml/itemProps36.xml><?xml version="1.0" encoding="utf-8"?>
+<ds:datastoreItem xmlns:ds="http://schemas.openxmlformats.org/officeDocument/2006/customXml" ds:itemID="{7959CC6A-F423-4783-B968-3BCC86A7394E}">
+  <ds:schemaRefs>
+    <ds:schemaRef ds:uri="http://schemas.microsoft.com/VisualStudio/2011/storyboarding/control"/>
+  </ds:schemaRefs>
+</ds:datastoreItem>
+</file>
+
+<file path=customXml/itemProps37.xml><?xml version="1.0" encoding="utf-8"?>
+<ds:datastoreItem xmlns:ds="http://schemas.openxmlformats.org/officeDocument/2006/customXml" ds:itemID="{89F12441-1AE5-4DE5-9A31-72CE5A70E428}">
+  <ds:schemaRefs>
+    <ds:schemaRef ds:uri="http://schemas.microsoft.com/office/2006/metadata/properties"/>
+    <ds:schemaRef ds:uri="http://schemas.microsoft.com/office/infopath/2007/PartnerControls"/>
+    <ds:schemaRef ds:uri="83cd2334-221a-48c3-9034-bfd1542dfe28"/>
+  </ds:schemaRefs>
+</ds:datastoreItem>
+</file>
+
+<file path=customXml/itemProps38.xml><?xml version="1.0" encoding="utf-8"?>
+<ds:datastoreItem xmlns:ds="http://schemas.openxmlformats.org/officeDocument/2006/customXml" ds:itemID="{21F6B647-976A-41D0-B760-9DF9DFC6AE3C}">
+  <ds:schemaRefs>
+    <ds:schemaRef ds:uri="http://schemas.microsoft.com/VisualStudio/2011/storyboarding/control"/>
+  </ds:schemaRefs>
+</ds:datastoreItem>
+</file>
+
+<file path=customXml/itemProps39.xml><?xml version="1.0" encoding="utf-8"?>
+<ds:datastoreItem xmlns:ds="http://schemas.openxmlformats.org/officeDocument/2006/customXml" ds:itemID="{A68A9449-FA01-4226-9BF1-93D644A9D829}">
+  <ds:schemaRefs>
+    <ds:schemaRef ds:uri="http://schemas.microsoft.com/sharepoint/v3/contenttype/forms"/>
+  </ds:schemaRefs>
+</ds:datastoreItem>
+</file>
+
+<file path=customXml/itemProps4.xml><?xml version="1.0" encoding="utf-8"?>
+<ds:datastoreItem xmlns:ds="http://schemas.openxmlformats.org/officeDocument/2006/customXml" ds:itemID="{38217AA1-CC95-49A9-B284-2ED4D347D7CA}">
+  <ds:schemaRefs>
+    <ds:schemaRef ds:uri="http://schemas.microsoft.com/VisualStudio/2011/storyboarding/control"/>
+  </ds:schemaRefs>
+</ds:datastoreItem>
+</file>
+
+<file path=customXml/itemProps40.xml><?xml version="1.0" encoding="utf-8"?>
+<ds:datastoreItem xmlns:ds="http://schemas.openxmlformats.org/officeDocument/2006/customXml" ds:itemID="{D4B5F268-5930-44CD-BDF1-D0A04D4BBC1C}">
+  <ds:schemaRefs>
+    <ds:schemaRef ds:uri="http://schemas.microsoft.com/VisualStudio/2011/storyboarding/control"/>
+  </ds:schemaRefs>
+</ds:datastoreItem>
+</file>
+
+<file path=customXml/itemProps41.xml><?xml version="1.0" encoding="utf-8"?>
 <ds:datastoreItem xmlns:ds="http://schemas.openxmlformats.org/officeDocument/2006/customXml" ds:itemID="{11F98F69-7518-4AE2-AE7B-E037DC9DDC97}">
   <ds:schemaRefs>
     <ds:schemaRef ds:uri="http://schemas.microsoft.com/office/2006/metadata/contentType"/>
@@ -46951,8 +47127,24 @@
 </ds:datastoreItem>
 </file>
 
-<file path=customXml/itemProps22.xml><?xml version="1.0" encoding="utf-8"?>
-<ds:datastoreItem xmlns:ds="http://schemas.openxmlformats.org/officeDocument/2006/customXml" ds:itemID="{473A6A21-7521-4B81-9336-9B587BA12275}">
+<file path=customXml/itemProps42.xml><?xml version="1.0" encoding="utf-8"?>
+<ds:datastoreItem xmlns:ds="http://schemas.openxmlformats.org/officeDocument/2006/customXml" ds:itemID="{6FB9D450-4C47-4A44-8C0D-C78D8A54C46F}">
+  <ds:schemaRefs>
+    <ds:schemaRef ds:uri="http://schemas.microsoft.com/VisualStudio/2011/storyboarding/control"/>
+  </ds:schemaRefs>
+</ds:datastoreItem>
+</file>
+
+<file path=customXml/itemProps43.xml><?xml version="1.0" encoding="utf-8"?>
+<ds:datastoreItem xmlns:ds="http://schemas.openxmlformats.org/officeDocument/2006/customXml" ds:itemID="{8257D6BC-B71E-4D95-81E4-A1D4A8174168}">
+  <ds:schemaRefs>
+    <ds:schemaRef ds:uri="http://schemas.microsoft.com/VisualStudio/2011/storyboarding/control"/>
+  </ds:schemaRefs>
+</ds:datastoreItem>
+</file>
+
+<file path=customXml/itemProps5.xml><?xml version="1.0" encoding="utf-8"?>
+<ds:datastoreItem xmlns:ds="http://schemas.openxmlformats.org/officeDocument/2006/customXml" ds:itemID="{DD228CD4-1C93-4EFE-9A88-31B415F02594}">
   <ds:schemaRefs>
     <ds:schemaRef ds:uri="http://schemas.microsoft.com/office/2006/metadata/properties"/>
     <ds:schemaRef ds:uri="http://schemas.microsoft.com/office/infopath/2007/PartnerControls"/>
@@ -46961,15 +47153,7 @@
 </ds:datastoreItem>
 </file>
 
-<file path=customXml/itemProps23.xml><?xml version="1.0" encoding="utf-8"?>
-<ds:datastoreItem xmlns:ds="http://schemas.openxmlformats.org/officeDocument/2006/customXml" ds:itemID="{0282FB20-2D4C-459D-8468-77D1D3C6925D}">
-  <ds:schemaRefs>
-    <ds:schemaRef ds:uri="http://schemas.microsoft.com/VisualStudio/2011/storyboarding/control"/>
-  </ds:schemaRefs>
-</ds:datastoreItem>
-</file>
-
-<file path=customXml/itemProps24.xml><?xml version="1.0" encoding="utf-8"?>
+<file path=customXml/itemProps6.xml><?xml version="1.0" encoding="utf-8"?>
 <ds:datastoreItem xmlns:ds="http://schemas.openxmlformats.org/officeDocument/2006/customXml" ds:itemID="{67213E6F-7B96-4222-888B-63710B06D885}">
   <ds:schemaRefs>
     <ds:schemaRef ds:uri="http://schemas.microsoft.com/VisualStudio/2011/storyboarding/control"/>
@@ -46977,71 +47161,7 @@
 </ds:datastoreItem>
 </file>
 
-<file path=customXml/itemProps25.xml><?xml version="1.0" encoding="utf-8"?>
-<ds:datastoreItem xmlns:ds="http://schemas.openxmlformats.org/officeDocument/2006/customXml" ds:itemID="{4C1B3C27-4803-4D72-A3F8-6668A3F0A24B}">
-  <ds:schemaRefs>
-    <ds:schemaRef ds:uri="http://schemas.microsoft.com/VisualStudio/2011/storyboarding/control"/>
-  </ds:schemaRefs>
-</ds:datastoreItem>
-</file>
-
-<file path=customXml/itemProps26.xml><?xml version="1.0" encoding="utf-8"?>
-<ds:datastoreItem xmlns:ds="http://schemas.openxmlformats.org/officeDocument/2006/customXml" ds:itemID="{A68A9449-FA01-4226-9BF1-93D644A9D829}">
-  <ds:schemaRefs>
-    <ds:schemaRef ds:uri="http://schemas.microsoft.com/sharepoint/v3/contenttype/forms"/>
-  </ds:schemaRefs>
-</ds:datastoreItem>
-</file>
-
-<file path=customXml/itemProps27.xml><?xml version="1.0" encoding="utf-8"?>
-<ds:datastoreItem xmlns:ds="http://schemas.openxmlformats.org/officeDocument/2006/customXml" ds:itemID="{8BD595CA-AC5E-43B9-B966-E468A16E8322}">
-  <ds:schemaRefs>
-    <ds:schemaRef ds:uri="http://schemas.microsoft.com/VisualStudio/2011/storyboarding/control"/>
-  </ds:schemaRefs>
-</ds:datastoreItem>
-</file>
-
-<file path=customXml/itemProps28.xml><?xml version="1.0" encoding="utf-8"?>
-<ds:datastoreItem xmlns:ds="http://schemas.openxmlformats.org/officeDocument/2006/customXml" ds:itemID="{376216F9-AF6B-4844-AE8C-B9F953F916AB}">
-  <ds:schemaRefs>
-    <ds:schemaRef ds:uri="http://schemas.microsoft.com/VisualStudio/2011/storyboarding/control"/>
-  </ds:schemaRefs>
-</ds:datastoreItem>
-</file>
-
-<file path=customXml/itemProps29.xml><?xml version="1.0" encoding="utf-8"?>
-<ds:datastoreItem xmlns:ds="http://schemas.openxmlformats.org/officeDocument/2006/customXml" ds:itemID="{38217AA1-CC95-49A9-B284-2ED4D347D7CA}">
-  <ds:schemaRefs>
-    <ds:schemaRef ds:uri="http://schemas.microsoft.com/VisualStudio/2011/storyboarding/control"/>
-  </ds:schemaRefs>
-</ds:datastoreItem>
-</file>
-
-<file path=customXml/itemProps3.xml><?xml version="1.0" encoding="utf-8"?>
-<ds:datastoreItem xmlns:ds="http://schemas.openxmlformats.org/officeDocument/2006/customXml" ds:itemID="{366CA990-F93D-4100-9654-65D9E30F4E1C}">
-  <ds:schemaRefs>
-    <ds:schemaRef ds:uri="http://schemas.microsoft.com/VisualStudio/2011/storyboarding/control"/>
-  </ds:schemaRefs>
-</ds:datastoreItem>
-</file>
-
-<file path=customXml/itemProps30.xml><?xml version="1.0" encoding="utf-8"?>
-<ds:datastoreItem xmlns:ds="http://schemas.openxmlformats.org/officeDocument/2006/customXml" ds:itemID="{00D921CA-9FCD-44C5-9793-9D18FCAA32EC}">
-  <ds:schemaRefs>
-    <ds:schemaRef ds:uri="http://schemas.microsoft.com/sharepoint/v3/contenttype/forms"/>
-  </ds:schemaRefs>
-</ds:datastoreItem>
-</file>
-
-<file path=customXml/itemProps31.xml><?xml version="1.0" encoding="utf-8"?>
-<ds:datastoreItem xmlns:ds="http://schemas.openxmlformats.org/officeDocument/2006/customXml" ds:itemID="{432851C6-BC05-4673-B853-6D08AB80CDC4}">
-  <ds:schemaRefs>
-    <ds:schemaRef ds:uri="http://schemas.microsoft.com/VisualStudio/2011/storyboarding/control"/>
-  </ds:schemaRefs>
-</ds:datastoreItem>
-</file>
-
-<file path=customXml/itemProps32.xml><?xml version="1.0" encoding="utf-8"?>
+<file path=customXml/itemProps7.xml><?xml version="1.0" encoding="utf-8"?>
 <ds:datastoreItem xmlns:ds="http://schemas.openxmlformats.org/officeDocument/2006/customXml" ds:itemID="{4E805D65-1532-4BB0-8F41-8013167C0009}">
   <ds:schemaRefs>
     <ds:schemaRef ds:uri="http://schemas.microsoft.com/VisualStudio/2011/storyboarding/control"/>
@@ -47049,39 +47169,7 @@
 </ds:datastoreItem>
 </file>
 
-<file path=customXml/itemProps33.xml><?xml version="1.0" encoding="utf-8"?>
-<ds:datastoreItem xmlns:ds="http://schemas.openxmlformats.org/officeDocument/2006/customXml" ds:itemID="{FE651ABA-5DC1-4ABD-A06E-055AE54B337B}">
-  <ds:schemaRefs>
-    <ds:schemaRef ds:uri="http://schemas.microsoft.com/VisualStudio/2011/storyboarding/control"/>
-  </ds:schemaRefs>
-</ds:datastoreItem>
-</file>
-
-<file path=customXml/itemProps34.xml><?xml version="1.0" encoding="utf-8"?>
-<ds:datastoreItem xmlns:ds="http://schemas.openxmlformats.org/officeDocument/2006/customXml" ds:itemID="{6FB9D450-4C47-4A44-8C0D-C78D8A54C46F}">
-  <ds:schemaRefs>
-    <ds:schemaRef ds:uri="http://schemas.microsoft.com/VisualStudio/2011/storyboarding/control"/>
-  </ds:schemaRefs>
-</ds:datastoreItem>
-</file>
-
-<file path=customXml/itemProps35.xml><?xml version="1.0" encoding="utf-8"?>
-<ds:datastoreItem xmlns:ds="http://schemas.openxmlformats.org/officeDocument/2006/customXml" ds:itemID="{82DB428A-B8F8-483F-8276-095629A8ECDB}">
-  <ds:schemaRefs>
-    <ds:schemaRef ds:uri="http://schemas.microsoft.com/VisualStudio/2011/storyboarding/control"/>
-  </ds:schemaRefs>
-</ds:datastoreItem>
-</file>
-
-<file path=customXml/itemProps36.xml><?xml version="1.0" encoding="utf-8"?>
-<ds:datastoreItem xmlns:ds="http://schemas.openxmlformats.org/officeDocument/2006/customXml" ds:itemID="{4E8278DB-3CDD-48A7-992E-A7596AD335B9}">
-  <ds:schemaRefs>
-    <ds:schemaRef ds:uri="http://schemas.microsoft.com/VisualStudio/2011/storyboarding/control"/>
-  </ds:schemaRefs>
-</ds:datastoreItem>
-</file>
-
-<file path=customXml/itemProps37.xml><?xml version="1.0" encoding="utf-8"?>
+<file path=customXml/itemProps8.xml><?xml version="1.0" encoding="utf-8"?>
 <ds:datastoreItem xmlns:ds="http://schemas.openxmlformats.org/officeDocument/2006/customXml" ds:itemID="{4B16F4FE-7C26-4443-B426-81998D23ED87}">
   <ds:schemaRefs>
     <ds:schemaRef ds:uri="http://schemas.microsoft.com/VisualStudio/2011/storyboarding/control"/>
@@ -47089,100 +47177,10 @@
 </ds:datastoreItem>
 </file>
 
-<file path=customXml/itemProps38.xml><?xml version="1.0" encoding="utf-8"?>
-<ds:datastoreItem xmlns:ds="http://schemas.openxmlformats.org/officeDocument/2006/customXml" ds:itemID="{D2785389-C2C5-4270-958A-D22E6E646BAE}">
-  <ds:schemaRefs>
-    <ds:schemaRef ds:uri="http://schemas.microsoft.com/office/2006/metadata/properties"/>
-    <ds:schemaRef ds:uri="http://schemas.microsoft.com/office/infopath/2007/PartnerControls"/>
-    <ds:schemaRef ds:uri="83cd2334-221a-48c3-9034-bfd1542dfe28"/>
-  </ds:schemaRefs>
-</ds:datastoreItem>
-</file>
-
-<file path=customXml/itemProps39.xml><?xml version="1.0" encoding="utf-8"?>
-<ds:datastoreItem xmlns:ds="http://schemas.openxmlformats.org/officeDocument/2006/customXml" ds:itemID="{D4B5F268-5930-44CD-BDF1-D0A04D4BBC1C}">
-  <ds:schemaRefs>
-    <ds:schemaRef ds:uri="http://schemas.microsoft.com/VisualStudio/2011/storyboarding/control"/>
-  </ds:schemaRefs>
-</ds:datastoreItem>
-</file>
-
-<file path=customXml/itemProps4.xml><?xml version="1.0" encoding="utf-8"?>
-<ds:datastoreItem xmlns:ds="http://schemas.openxmlformats.org/officeDocument/2006/customXml" ds:itemID="{9360AFB9-8F99-4E1B-878D-F2EBABEB164C}">
-  <ds:schemaRefs>
-    <ds:schemaRef ds:uri="http://schemas.microsoft.com/sharepoint/v3/contenttype/forms"/>
-  </ds:schemaRefs>
-</ds:datastoreItem>
-</file>
-
-<file path=customXml/itemProps40.xml><?xml version="1.0" encoding="utf-8"?>
+<file path=customXml/itemProps9.xml><?xml version="1.0" encoding="utf-8"?>
 <ds:datastoreItem xmlns:ds="http://schemas.openxmlformats.org/officeDocument/2006/customXml" ds:itemID="{C0F92A87-A216-45A9-B9C0-0515663D35BF}">
   <ds:schemaRefs>
     <ds:schemaRef ds:uri="http://schemas.microsoft.com/VisualStudio/2011/storyboarding/control"/>
   </ds:schemaRefs>
 </ds:datastoreItem>
-</file>
-
-<file path=customXml/itemProps41.xml><?xml version="1.0" encoding="utf-8"?>
-<ds:datastoreItem xmlns:ds="http://schemas.openxmlformats.org/officeDocument/2006/customXml" ds:itemID="{B5105A87-47B6-44F6-97FD-4619C0556604}">
-  <ds:schemaRefs>
-    <ds:schemaRef ds:uri="http://schemas.microsoft.com/VisualStudio/2011/storyboarding/control"/>
-  </ds:schemaRefs>
-</ds:datastoreItem>
-</file>
-
-<file path=customXml/itemProps42.xml><?xml version="1.0" encoding="utf-8"?>
-<ds:datastoreItem xmlns:ds="http://schemas.openxmlformats.org/officeDocument/2006/customXml" ds:itemID="{8257D6BC-B71E-4D95-81E4-A1D4A8174168}">
-  <ds:schemaRefs>
-    <ds:schemaRef ds:uri="http://schemas.microsoft.com/VisualStudio/2011/storyboarding/control"/>
-  </ds:schemaRefs>
-</ds:datastoreItem>
-</file>
-
-<file path=customXml/itemProps43.xml><?xml version="1.0" encoding="utf-8"?>
-<ds:datastoreItem xmlns:ds="http://schemas.openxmlformats.org/officeDocument/2006/customXml" ds:itemID="{0B54C583-7BAB-4080-8093-C5F84F5A225A}">
-  <ds:schemaRefs>
-    <ds:schemaRef ds:uri="http://schemas.microsoft.com/VisualStudio/2011/storyboarding/control"/>
-  </ds:schemaRefs>
-</ds:datastoreItem>
-</file>
-
-<file path=customXml/itemProps5.xml><?xml version="1.0" encoding="utf-8"?>
-<ds:datastoreItem xmlns:ds="http://schemas.openxmlformats.org/officeDocument/2006/customXml" ds:itemID="{D6FEE829-2115-45B4-8110-670FD454542B}">
-  <ds:schemaRefs>
-    <ds:schemaRef ds:uri="http://schemas.microsoft.com/VisualStudio/2011/storyboarding/control"/>
-  </ds:schemaRefs>
-</ds:datastoreItem>
-</file>
-
-<file path=customXml/itemProps6.xml><?xml version="1.0" encoding="utf-8"?>
-<ds:datastoreItem xmlns:ds="http://schemas.openxmlformats.org/officeDocument/2006/customXml" ds:itemID="{8893E80D-6D0C-4E0F-AA22-E5615BB87E5B}">
-  <ds:schemaRefs>
-    <ds:schemaRef ds:uri="http://schemas.microsoft.com/VisualStudio/2011/storyboarding/control"/>
-  </ds:schemaRefs>
-</ds:datastoreItem>
-</file>
-
-<file path=customXml/itemProps7.xml><?xml version="1.0" encoding="utf-8"?>
-<ds:datastoreItem xmlns:ds="http://schemas.openxmlformats.org/officeDocument/2006/customXml" ds:itemID="{ED350DFE-2319-4AB0-BC96-1D36D125365A}">
-  <ds:schemaRefs>
-    <ds:schemaRef ds:uri="http://schemas.microsoft.com/VisualStudio/2011/storyboarding/control"/>
-  </ds:schemaRefs>
-</ds:datastoreItem>
-</file>
-
-<file path=customXml/itemProps8.xml><?xml version="1.0" encoding="utf-8"?>
-<ds:datastoreItem xmlns:ds="http://schemas.openxmlformats.org/officeDocument/2006/customXml" ds:itemID="{F68D8396-E21C-4AFF-8FDD-70D00673D0EE}">
-  <ds:schemaRefs>
-    <ds:schemaRef ds:uri="http://schemas.microsoft.com/VisualStudio/2011/storyboarding/control"/>
-  </ds:schemaRefs>
-</ds:datastoreItem>
-</file>
-
-<file path=customXml/itemProps9.xml><?xml version="1.0" encoding="utf-8"?>
-<ds:datastoreItem xmlns:ds="http://schemas.openxmlformats.org/officeDocument/2006/customXml" ds:itemID="{7959CC6A-F423-4783-B968-3BCC86A7394E}">
-  <ds:schemaRefs>
-    <ds:schemaRef ds:uri="http://schemas.microsoft.com/VisualStudio/2011/storyboarding/control"/>
-  </ds:schemaRefs>
-</ds:datastoreItem>
 </file>
--- a/Slides/5 - NumericVariables.pptx
+++ b/Slides/5 - NumericVariables.pptx
@@ -490,7 +490,7 @@
               <a:rPr lang="en-US" smtClean="0">
                 <a:latin typeface="Segoe UI" pitchFamily="34" charset="0"/>
               </a:rPr>
-              <a:t>6/9/2019 4:19 PM</a:t>
+              <a:t>6/10/2019 12:41 PM</a:t>
             </a:fld>
             <a:endParaRPr lang="en-US">
               <a:latin typeface="Segoe UI" pitchFamily="34" charset="0"/>
@@ -768,7 +768,7 @@
           <a:p>
             <a:fld id="{38EEC551-8CDA-4EB6-89BB-2A86C9F091C8}" type="datetime8">
               <a:rPr lang="en-US" smtClean="0"/>
-              <a:t>6/9/2019 4:19 PM</a:t>
+              <a:t>6/10/2019 11:36 AM</a:t>
             </a:fld>
             <a:endParaRPr lang="en-US"/>
           </a:p>
@@ -1102,7 +1102,7 @@
           <a:p>
             <a:fld id="{6108602D-D426-4C00-B215-BFA18C076426}" type="datetime8">
               <a:rPr lang="en-US" smtClean="0"/>
-              <a:t>6/9/2019 4:19 PM</a:t>
+              <a:t>6/10/2019 11:36 AM</a:t>
             </a:fld>
             <a:endParaRPr lang="en-US"/>
           </a:p>
@@ -1267,7 +1267,7 @@
           <a:p>
             <a:fld id="{6108602D-D426-4C00-B215-BFA18C076426}" type="datetime8">
               <a:rPr lang="en-US" smtClean="0"/>
-              <a:t>6/9/2019 4:19 PM</a:t>
+              <a:t>6/10/2019 11:36 AM</a:t>
             </a:fld>
             <a:endParaRPr lang="en-US"/>
           </a:p>
@@ -1432,7 +1432,7 @@
           <a:p>
             <a:fld id="{6108602D-D426-4C00-B215-BFA18C076426}" type="datetime8">
               <a:rPr lang="en-US" smtClean="0"/>
-              <a:t>6/9/2019 4:19 PM</a:t>
+              <a:t>6/10/2019 11:36 AM</a:t>
             </a:fld>
             <a:endParaRPr lang="en-US"/>
           </a:p>
@@ -1597,7 +1597,7 @@
           <a:p>
             <a:fld id="{6108602D-D426-4C00-B215-BFA18C076426}" type="datetime8">
               <a:rPr lang="en-US" smtClean="0"/>
-              <a:t>6/9/2019 4:19 PM</a:t>
+              <a:t>6/10/2019 11:36 AM</a:t>
             </a:fld>
             <a:endParaRPr lang="en-US"/>
           </a:p>
@@ -1762,7 +1762,7 @@
           <a:p>
             <a:fld id="{6108602D-D426-4C00-B215-BFA18C076426}" type="datetime8">
               <a:rPr lang="en-US" smtClean="0"/>
-              <a:t>6/9/2019 4:19 PM</a:t>
+              <a:t>6/10/2019 11:36 AM</a:t>
             </a:fld>
             <a:endParaRPr lang="en-US"/>
           </a:p>
@@ -1927,7 +1927,7 @@
           <a:p>
             <a:fld id="{6108602D-D426-4C00-B215-BFA18C076426}" type="datetime8">
               <a:rPr lang="en-US" smtClean="0"/>
-              <a:t>6/9/2019 4:19 PM</a:t>
+              <a:t>6/10/2019 11:36 AM</a:t>
             </a:fld>
             <a:endParaRPr lang="en-US"/>
           </a:p>
@@ -2092,7 +2092,7 @@
           <a:p>
             <a:fld id="{6108602D-D426-4C00-B215-BFA18C076426}" type="datetime8">
               <a:rPr lang="en-US" smtClean="0"/>
-              <a:t>6/9/2019 4:19 PM</a:t>
+              <a:t>6/10/2019 11:36 AM</a:t>
             </a:fld>
             <a:endParaRPr lang="en-US"/>
           </a:p>
@@ -2257,7 +2257,7 @@
           <a:p>
             <a:fld id="{6108602D-D426-4C00-B215-BFA18C076426}" type="datetime8">
               <a:rPr lang="en-US" smtClean="0"/>
-              <a:t>6/9/2019 4:19 PM</a:t>
+              <a:t>6/10/2019 11:36 AM</a:t>
             </a:fld>
             <a:endParaRPr lang="en-US"/>
           </a:p>
@@ -42240,17 +42240,17 @@
           </a:lstStyle>
           <a:p>
             <a:r>
-              <a:rPr lang="en-US">
+              <a:rPr lang="en-US" dirty="0">
                 <a:solidFill>
                   <a:schemeClr val="bg1"/>
                 </a:solidFill>
               </a:rPr>
-              <a:t>File "HelloWorld.py", line 2, in &lt;module&gt;</a:t>
+              <a:t>File "February.py", line 2, in &lt;module&gt;</a:t>
             </a:r>
           </a:p>
           <a:p>
             <a:r>
-              <a:rPr lang="en-US">
+              <a:rPr lang="en-US" dirty="0">
                 <a:solidFill>
                   <a:schemeClr val="bg1"/>
                 </a:solidFill>
@@ -42259,7 +42259,7 @@
               <a:t>    print(</a:t>
             </a:r>
             <a:r>
-              <a:rPr lang="en-US" err="1">
+              <a:rPr lang="en-US" dirty="0" err="1">
                 <a:solidFill>
                   <a:schemeClr val="bg1"/>
                 </a:solidFill>
@@ -42268,7 +42268,7 @@
               <a:t>days_in_feb</a:t>
             </a:r>
             <a:r>
-              <a:rPr lang="en-US">
+              <a:rPr lang="en-US" dirty="0">
                 <a:solidFill>
                   <a:srgbClr val="000000"/>
                 </a:solidFill>
@@ -42277,7 +42277,7 @@
               <a:t> </a:t>
             </a:r>
             <a:r>
-              <a:rPr lang="en-US">
+              <a:rPr lang="en-US" dirty="0">
                 <a:solidFill>
                   <a:schemeClr val="bg1"/>
                 </a:solidFill>
@@ -42288,7 +42288,7 @@
           </a:p>
           <a:p>
             <a:r>
-              <a:rPr lang="en-US" err="1">
+              <a:rPr lang="en-US" dirty="0" err="1">
                 <a:solidFill>
                   <a:schemeClr val="bg1"/>
                 </a:solidFill>
@@ -42296,17 +42296,17 @@
               <a:t>TypeError</a:t>
             </a:r>
             <a:r>
-              <a:rPr lang="en-US">
+              <a:rPr lang="en-US" dirty="0">
                 <a:solidFill>
                   <a:schemeClr val="bg1"/>
                 </a:solidFill>
               </a:rPr>
               <a:t>: unsupported operand type(s) for +: 'int' and 'str'</a:t>
             </a:r>
-            <a:endParaRPr lang="en-CA"/>
+            <a:endParaRPr lang="en-CA" dirty="0"/>
           </a:p>
           <a:p>
-            <a:endParaRPr lang="en-CA"/>
+            <a:endParaRPr lang="en-CA" dirty="0"/>
           </a:p>
         </p:txBody>
       </p:sp>
@@ -46300,12 +46300,6 @@
 </file>
 
 <file path=customXml/item10.xml><?xml version="1.0" encoding="utf-8"?>
-<Control xmlns="http://schemas.microsoft.com/VisualStudio/2011/storyboarding/control">
-  <Id Name="fb22c541-ded0-47fa-8877-83a4c2d16227" Revision="1" Stencil="7276b9ef-3953-4dce-a89b-ed85f20b8b93" StencilVersion="1.0"/>
-</Control>
-</file>
-
-<file path=customXml/item11.xml><?xml version="1.0" encoding="utf-8"?>
 <p:properties xmlns:p="http://schemas.microsoft.com/office/2006/metadata/properties" xmlns:xsi="http://www.w3.org/2001/XMLSchema-instance" xmlns:pc="http://schemas.microsoft.com/office/infopath/2007/PartnerControls">
   <documentManagement>
     <SharedWithUsers xmlns="83cd2334-221a-48c3-9034-bfd1542dfe28">
@@ -46329,13 +46323,25 @@
 </p:properties>
 </file>
 
+<file path=customXml/item11.xml><?xml version="1.0" encoding="utf-8"?>
+<Control xmlns="http://schemas.microsoft.com/VisualStudio/2011/storyboarding/control">
+  <Id Name="a2191c86-fc50-4add-948c-129f6b5a88d8" Revision="1" Stencil="7276b9ef-3953-4dce-a89b-ed85f20b8b93" StencilVersion="1.0"/>
+</Control>
+</file>
+
 <file path=customXml/item12.xml><?xml version="1.0" encoding="utf-8"?>
+<Control xmlns="http://schemas.microsoft.com/VisualStudio/2011/storyboarding/control">
+  <Id Name="a53d73d2-368b-429e-b817-1324eec1382c" Revision="1" Stencil="7276b9ef-3953-4dce-a89b-ed85f20b8b93" StencilVersion="1.0"/>
+</Control>
+</file>
+
+<file path=customXml/item13.xml><?xml version="1.0" encoding="utf-8"?>
 <Control xmlns="http://schemas.microsoft.com/VisualStudio/2011/storyboarding/control">
   <Id Name="d69996e1-3d61-4686-9b63-f1b855c596ab" Revision="1" Stencil="7276b9ef-3953-4dce-a89b-ed85f20b8b93" StencilVersion="1.0"/>
 </Control>
 </file>
 
-<file path=customXml/item13.xml><?xml version="1.0" encoding="utf-8"?>
+<file path=customXml/item14.xml><?xml version="1.0" encoding="utf-8"?>
 <p:properties xmlns:p="http://schemas.microsoft.com/office/2006/metadata/properties" xmlns:xsi="http://www.w3.org/2001/XMLSchema-instance" xmlns:pc="http://schemas.microsoft.com/office/infopath/2007/PartnerControls">
   <documentManagement>
     <SharedWithUsers xmlns="83cd2334-221a-48c3-9034-bfd1542dfe28">
@@ -46359,12 +46365,6 @@
 </p:properties>
 </file>
 
-<file path=customXml/item14.xml><?xml version="1.0" encoding="utf-8"?>
-<Control xmlns="http://schemas.microsoft.com/VisualStudio/2011/storyboarding/control">
-  <Id Name="a2191c86-fc50-4add-948c-129f6b5a88d8" Revision="1" Stencil="7276b9ef-3953-4dce-a89b-ed85f20b8b93" StencilVersion="1.0"/>
-</Control>
-</file>
-
 <file path=customXml/item15.xml><?xml version="1.0" encoding="utf-8"?>
 <?mso-contentType ?>
 <FormTemplates xmlns="http://schemas.microsoft.com/sharepoint/v3/contenttype/forms">
@@ -46382,13 +46382,13 @@
 
 <file path=customXml/item17.xml><?xml version="1.0" encoding="utf-8"?>
 <Control xmlns="http://schemas.microsoft.com/VisualStudio/2011/storyboarding/control">
-  <Id Name="a2191c86-fc50-4add-948c-129f6b5a88d8" Revision="1" Stencil="7276b9ef-3953-4dce-a89b-ed85f20b8b93" StencilVersion="1.0"/>
+  <Id Name="a53d73d2-368b-429e-b817-1324eec1382c" Revision="1" Stencil="7276b9ef-3953-4dce-a89b-ed85f20b8b93" StencilVersion="1.0"/>
 </Control>
 </file>
 
 <file path=customXml/item18.xml><?xml version="1.0" encoding="utf-8"?>
 <Control xmlns="http://schemas.microsoft.com/VisualStudio/2011/storyboarding/control">
-  <Id Name="a53d73d2-368b-429e-b817-1324eec1382c" Revision="1" Stencil="7276b9ef-3953-4dce-a89b-ed85f20b8b93" StencilVersion="1.0"/>
+  <Id Name="369f9055-6b6c-48b9-9320-5df2d46c430a" Revision="1" Stencil="7276b9ef-3953-4dce-a89b-ed85f20b8b93" StencilVersion="1.0"/>
 </Control>
 </file>
 
@@ -46405,6 +46405,42 @@
 </file>
 
 <file path=customXml/item20.xml><?xml version="1.0" encoding="utf-8"?>
+<Control xmlns="http://schemas.microsoft.com/VisualStudio/2011/storyboarding/control">
+  <Id Name="fb22c541-ded0-47fa-8877-83a4c2d16227" Revision="1" Stencil="7276b9ef-3953-4dce-a89b-ed85f20b8b93" StencilVersion="1.0"/>
+</Control>
+</file>
+
+<file path=customXml/item21.xml><?xml version="1.0" encoding="utf-8"?>
+<Control xmlns="http://schemas.microsoft.com/VisualStudio/2011/storyboarding/control">
+  <Id Name="fb22c541-ded0-47fa-8877-83a4c2d16227" Revision="1" Stencil="7276b9ef-3953-4dce-a89b-ed85f20b8b93" StencilVersion="1.0"/>
+</Control>
+</file>
+
+<file path=customXml/item22.xml><?xml version="1.0" encoding="utf-8"?>
+<Control xmlns="http://schemas.microsoft.com/VisualStudio/2011/storyboarding/control">
+  <Id Name="a2191c86-fc50-4add-948c-129f6b5a88d8" Revision="1" Stencil="7276b9ef-3953-4dce-a89b-ed85f20b8b93" StencilVersion="1.0"/>
+</Control>
+</file>
+
+<file path=customXml/item23.xml><?xml version="1.0" encoding="utf-8"?>
+<Control xmlns="http://schemas.microsoft.com/VisualStudio/2011/storyboarding/control">
+  <Id Name="fb22c541-ded0-47fa-8877-83a4c2d16227" Revision="1" Stencil="7276b9ef-3953-4dce-a89b-ed85f20b8b93" StencilVersion="1.0"/>
+</Control>
+</file>
+
+<file path=customXml/item24.xml><?xml version="1.0" encoding="utf-8"?>
+<Control xmlns="http://schemas.microsoft.com/VisualStudio/2011/storyboarding/control">
+  <Id Name="369f9055-6b6c-48b9-9320-5df2d46c430a" Revision="1" Stencil="7276b9ef-3953-4dce-a89b-ed85f20b8b93" StencilVersion="1.0"/>
+</Control>
+</file>
+
+<file path=customXml/item25.xml><?xml version="1.0" encoding="utf-8"?>
+<Control xmlns="http://schemas.microsoft.com/VisualStudio/2011/storyboarding/control">
+  <Id Name="d69996e1-3d61-4686-9b63-f1b855c596ab" Revision="1" Stencil="7276b9ef-3953-4dce-a89b-ed85f20b8b93" StencilVersion="1.0"/>
+</Control>
+</file>
+
+<file path=customXml/item26.xml><?xml version="1.0" encoding="utf-8"?>
 <?mso-contentType ?>
 <FormTemplates xmlns="http://schemas.microsoft.com/sharepoint/v3/contenttype/forms">
   <Display>DocumentLibraryForm</Display>
@@ -46413,90 +46449,15 @@
 </FormTemplates>
 </file>
 
-<file path=customXml/item21.xml><?xml version="1.0" encoding="utf-8"?>
-<p:properties xmlns:p="http://schemas.microsoft.com/office/2006/metadata/properties" xmlns:xsi="http://www.w3.org/2001/XMLSchema-instance" xmlns:pc="http://schemas.microsoft.com/office/infopath/2007/PartnerControls">
-  <documentManagement>
-    <SharedWithUsers xmlns="83cd2334-221a-48c3-9034-bfd1542dfe28">
-      <UserInfo>
-        <DisplayName>Gilad Turbahn</DisplayName>
-        <AccountId>511</AccountId>
-        <AccountType/>
-      </UserInfo>
-      <UserInfo>
-        <DisplayName>Keith Boyd</DisplayName>
-        <AccountId>993</AccountId>
-        <AccountType/>
-      </UserInfo>
-      <UserInfo>
-        <DisplayName>Christopher Harrison</DisplayName>
-        <AccountId>1176</AccountId>
-        <AccountType/>
-      </UserInfo>
-    </SharedWithUsers>
-  </documentManagement>
-</p:properties>
-</file>
-
-<file path=customXml/item22.xml><?xml version="1.0" encoding="utf-8"?>
-<Control xmlns="http://schemas.microsoft.com/VisualStudio/2011/storyboarding/control">
-  <Id Name="fb22c541-ded0-47fa-8877-83a4c2d16227" Revision="1" Stencil="7276b9ef-3953-4dce-a89b-ed85f20b8b93" StencilVersion="1.0"/>
-</Control>
-</file>
-
-<file path=customXml/item23.xml><?xml version="1.0" encoding="utf-8"?>
-<Control xmlns="http://schemas.microsoft.com/VisualStudio/2011/storyboarding/control">
-  <Id Name="369f9055-6b6c-48b9-9320-5df2d46c430a" Revision="1" Stencil="7276b9ef-3953-4dce-a89b-ed85f20b8b93" StencilVersion="1.0"/>
-</Control>
-</file>
-
-<file path=customXml/item24.xml><?xml version="1.0" encoding="utf-8"?>
-<p:properties xmlns:p="http://schemas.microsoft.com/office/2006/metadata/properties" xmlns:xsi="http://www.w3.org/2001/XMLSchema-instance" xmlns:pc="http://schemas.microsoft.com/office/infopath/2007/PartnerControls">
-  <documentManagement>
-    <SharedWithUsers xmlns="83cd2334-221a-48c3-9034-bfd1542dfe28">
-      <UserInfo>
-        <DisplayName>Gilad Turbahn</DisplayName>
-        <AccountId>511</AccountId>
-        <AccountType/>
-      </UserInfo>
-      <UserInfo>
-        <DisplayName>Keith Boyd</DisplayName>
-        <AccountId>993</AccountId>
-        <AccountType/>
-      </UserInfo>
-      <UserInfo>
-        <DisplayName>Christopher Harrison</DisplayName>
-        <AccountId>1176</AccountId>
-        <AccountType/>
-      </UserInfo>
-    </SharedWithUsers>
-  </documentManagement>
-</p:properties>
-</file>
-
-<file path=customXml/item25.xml><?xml version="1.0" encoding="utf-8"?>
-<?mso-contentType ?>
-<FormTemplates xmlns="http://schemas.microsoft.com/sharepoint/v3/contenttype/forms">
-  <Display>DocumentLibraryForm</Display>
-  <Edit>DocumentLibraryForm</Edit>
-  <New>DocumentLibraryForm</New>
-</FormTemplates>
-</file>
-
-<file path=customXml/item26.xml><?xml version="1.0" encoding="utf-8"?>
-<Control xmlns="http://schemas.microsoft.com/VisualStudio/2011/storyboarding/control">
-  <Id Name="fb22c541-ded0-47fa-8877-83a4c2d16227" Revision="1" Stencil="7276b9ef-3953-4dce-a89b-ed85f20b8b93" StencilVersion="1.0"/>
-</Control>
-</file>
-
 <file path=customXml/item27.xml><?xml version="1.0" encoding="utf-8"?>
 <Control xmlns="http://schemas.microsoft.com/VisualStudio/2011/storyboarding/control">
-  <Id Name="369f9055-6b6c-48b9-9320-5df2d46c430a" Revision="1" Stencil="7276b9ef-3953-4dce-a89b-ed85f20b8b93" StencilVersion="1.0"/>
+  <Id Name="a2191c86-fc50-4add-948c-129f6b5a88d8" Revision="1" Stencil="7276b9ef-3953-4dce-a89b-ed85f20b8b93" StencilVersion="1.0"/>
 </Control>
 </file>
 
 <file path=customXml/item28.xml><?xml version="1.0" encoding="utf-8"?>
 <Control xmlns="http://schemas.microsoft.com/VisualStudio/2011/storyboarding/control">
-  <Id Name="a53d73d2-368b-429e-b817-1324eec1382c" Revision="1" Stencil="7276b9ef-3953-4dce-a89b-ed85f20b8b93" StencilVersion="1.0"/>
+  <Id Name="369f9055-6b6c-48b9-9320-5df2d46c430a" Revision="1" Stencil="7276b9ef-3953-4dce-a89b-ed85f20b8b93" StencilVersion="1.0"/>
 </Control>
 </file>
 
@@ -46507,6 +46468,18 @@
 </file>
 
 <file path=customXml/item3.xml><?xml version="1.0" encoding="utf-8"?>
+<Control xmlns="http://schemas.microsoft.com/VisualStudio/2011/storyboarding/control">
+  <Id Name="369f9055-6b6c-48b9-9320-5df2d46c430a" Revision="1" Stencil="7276b9ef-3953-4dce-a89b-ed85f20b8b93" StencilVersion="1.0"/>
+</Control>
+</file>
+
+<file path=customXml/item30.xml><?xml version="1.0" encoding="utf-8"?>
+<Control xmlns="http://schemas.microsoft.com/VisualStudio/2011/storyboarding/control">
+  <Id Name="a2191c86-fc50-4add-948c-129f6b5a88d8" Revision="1" Stencil="7276b9ef-3953-4dce-a89b-ed85f20b8b93" StencilVersion="1.0"/>
+</Control>
+</file>
+
+<file path=customXml/item31.xml><?xml version="1.0" encoding="utf-8"?>
 <?mso-contentType ?>
 <FormTemplates xmlns="http://schemas.microsoft.com/sharepoint/v3/contenttype/forms">
   <Display>DocumentLibraryForm</Display>
@@ -46515,37 +46488,19 @@
 </FormTemplates>
 </file>
 
-<file path=customXml/item30.xml><?xml version="1.0" encoding="utf-8"?>
+<file path=customXml/item32.xml><?xml version="1.0" encoding="utf-8"?>
 <Control xmlns="http://schemas.microsoft.com/VisualStudio/2011/storyboarding/control">
   <Id Name="d69996e1-3d61-4686-9b63-f1b855c596ab" Revision="1" Stencil="7276b9ef-3953-4dce-a89b-ed85f20b8b93" StencilVersion="1.0"/>
 </Control>
 </file>
 
-<file path=customXml/item31.xml><?xml version="1.0" encoding="utf-8"?>
-<Control xmlns="http://schemas.microsoft.com/VisualStudio/2011/storyboarding/control">
-  <Id Name="fb22c541-ded0-47fa-8877-83a4c2d16227" Revision="1" Stencil="7276b9ef-3953-4dce-a89b-ed85f20b8b93" StencilVersion="1.0"/>
-</Control>
-</file>
-
-<file path=customXml/item32.xml><?xml version="1.0" encoding="utf-8"?>
-<Control xmlns="http://schemas.microsoft.com/VisualStudio/2011/storyboarding/control">
-  <Id Name="fb22c541-ded0-47fa-8877-83a4c2d16227" Revision="1" Stencil="7276b9ef-3953-4dce-a89b-ed85f20b8b93" StencilVersion="1.0"/>
-</Control>
-</file>
-
 <file path=customXml/item33.xml><?xml version="1.0" encoding="utf-8"?>
 <Control xmlns="http://schemas.microsoft.com/VisualStudio/2011/storyboarding/control">
-  <Id Name="369f9055-6b6c-48b9-9320-5df2d46c430a" Revision="1" Stencil="7276b9ef-3953-4dce-a89b-ed85f20b8b93" StencilVersion="1.0"/>
+  <Id Name="a2191c86-fc50-4add-948c-129f6b5a88d8" Revision="1" Stencil="7276b9ef-3953-4dce-a89b-ed85f20b8b93" StencilVersion="1.0"/>
 </Control>
 </file>
 
 <file path=customXml/item34.xml><?xml version="1.0" encoding="utf-8"?>
-<Control xmlns="http://schemas.microsoft.com/VisualStudio/2011/storyboarding/control">
-  <Id Name="fb22c541-ded0-47fa-8877-83a4c2d16227" Revision="1" Stencil="7276b9ef-3953-4dce-a89b-ed85f20b8b93" StencilVersion="1.0"/>
-</Control>
-</file>
-
-<file path=customXml/item35.xml><?xml version="1.0" encoding="utf-8"?>
 <?mso-contentType ?>
 <FormTemplates xmlns="http://schemas.microsoft.com/sharepoint/v3/contenttype/forms">
   <Display>DocumentLibraryForm</Display>
@@ -46554,9 +46509,15 @@
 </FormTemplates>
 </file>
 
+<file path=customXml/item35.xml><?xml version="1.0" encoding="utf-8"?>
+<Control xmlns="http://schemas.microsoft.com/VisualStudio/2011/storyboarding/control">
+  <Id Name="369f9055-6b6c-48b9-9320-5df2d46c430a" Revision="1" Stencil="7276b9ef-3953-4dce-a89b-ed85f20b8b93" StencilVersion="1.0"/>
+</Control>
+</file>
+
 <file path=customXml/item36.xml><?xml version="1.0" encoding="utf-8"?>
 <Control xmlns="http://schemas.microsoft.com/VisualStudio/2011/storyboarding/control">
-  <Id Name="369f9055-6b6c-48b9-9320-5df2d46c430a" Revision="1" Stencil="7276b9ef-3953-4dce-a89b-ed85f20b8b93" StencilVersion="1.0"/>
+  <Id Name="a53d73d2-368b-429e-b817-1324eec1382c" Revision="1" Stencil="7276b9ef-3953-4dce-a89b-ed85f20b8b93" StencilVersion="1.0"/>
 </Control>
 </file>
 
@@ -46591,6 +46552,18 @@
 </file>
 
 <file path=customXml/item39.xml><?xml version="1.0" encoding="utf-8"?>
+<Control xmlns="http://schemas.microsoft.com/VisualStudio/2011/storyboarding/control">
+  <Id Name="fb22c541-ded0-47fa-8877-83a4c2d16227" Revision="1" Stencil="7276b9ef-3953-4dce-a89b-ed85f20b8b93" StencilVersion="1.0"/>
+</Control>
+</file>
+
+<file path=customXml/item4.xml><?xml version="1.0" encoding="utf-8"?>
+<Control xmlns="http://schemas.microsoft.com/VisualStudio/2011/storyboarding/control">
+  <Id Name="d69996e1-3d61-4686-9b63-f1b855c596ab" Revision="1" Stencil="7276b9ef-3953-4dce-a89b-ed85f20b8b93" StencilVersion="1.0"/>
+</Control>
+</file>
+
+<file path=customXml/item40.xml><?xml version="1.0" encoding="utf-8"?>
 <?mso-contentType ?>
 <FormTemplates xmlns="http://schemas.microsoft.com/sharepoint/v3/contenttype/forms">
   <Display>DocumentLibraryForm</Display>
@@ -46599,19 +46572,52 @@
 </FormTemplates>
 </file>
 
-<file path=customXml/item4.xml><?xml version="1.0" encoding="utf-8"?>
+<file path=customXml/item41.xml><?xml version="1.0" encoding="utf-8"?>
+<p:properties xmlns:p="http://schemas.microsoft.com/office/2006/metadata/properties" xmlns:xsi="http://www.w3.org/2001/XMLSchema-instance" xmlns:pc="http://schemas.microsoft.com/office/infopath/2007/PartnerControls">
+  <documentManagement>
+    <SharedWithUsers xmlns="83cd2334-221a-48c3-9034-bfd1542dfe28">
+      <UserInfo>
+        <DisplayName>Gilad Turbahn</DisplayName>
+        <AccountId>511</AccountId>
+        <AccountType/>
+      </UserInfo>
+      <UserInfo>
+        <DisplayName>Keith Boyd</DisplayName>
+        <AccountId>993</AccountId>
+        <AccountType/>
+      </UserInfo>
+      <UserInfo>
+        <DisplayName>Christopher Harrison</DisplayName>
+        <AccountId>1176</AccountId>
+        <AccountType/>
+      </UserInfo>
+    </SharedWithUsers>
+  </documentManagement>
+</p:properties>
+</file>
+
+<file path=customXml/item42.xml><?xml version="1.0" encoding="utf-8"?>
 <Control xmlns="http://schemas.microsoft.com/VisualStudio/2011/storyboarding/control">
-  <Id Name="369f9055-6b6c-48b9-9320-5df2d46c430a" Revision="1" Stencil="7276b9ef-3953-4dce-a89b-ed85f20b8b93" StencilVersion="1.0"/>
+  <Id Name="fb22c541-ded0-47fa-8877-83a4c2d16227" Revision="1" Stencil="7276b9ef-3953-4dce-a89b-ed85f20b8b93" StencilVersion="1.0"/>
 </Control>
 </file>
 
-<file path=customXml/item40.xml><?xml version="1.0" encoding="utf-8"?>
+<file path=customXml/item43.xml><?xml version="1.0" encoding="utf-8"?>
 <Control xmlns="http://schemas.microsoft.com/VisualStudio/2011/storyboarding/control">
-  <Id Name="a2191c86-fc50-4add-948c-129f6b5a88d8" Revision="1" Stencil="7276b9ef-3953-4dce-a89b-ed85f20b8b93" StencilVersion="1.0"/>
+  <Id Name="a53d73d2-368b-429e-b817-1324eec1382c" Revision="1" Stencil="7276b9ef-3953-4dce-a89b-ed85f20b8b93" StencilVersion="1.0"/>
 </Control>
 </file>
 
-<file path=customXml/item41.xml><?xml version="1.0" encoding="utf-8"?>
+<file path=customXml/item5.xml><?xml version="1.0" encoding="utf-8"?>
+<?mso-contentType ?>
+<FormTemplates xmlns="http://schemas.microsoft.com/sharepoint/v3/contenttype/forms">
+  <Display>DocumentLibraryForm</Display>
+  <Edit>DocumentLibraryForm</Edit>
+  <New>DocumentLibraryForm</New>
+</FormTemplates>
+</file>
+
+<file path=customXml/item6.xml><?xml version="1.0" encoding="utf-8"?>
 <ct:contentTypeSchema xmlns:ct="http://schemas.microsoft.com/office/2006/metadata/contentType" xmlns:ma="http://schemas.microsoft.com/office/2006/metadata/properties/metaAttributes" ct:_="" ma:_="" ma:contentTypeName="Document" ma:contentTypeID="0x010100674EDBEC711BD14FBA6FF5C10FEFEAC7" ma:contentTypeVersion="2" ma:contentTypeDescription="Create a new document." ma:contentTypeScope="" ma:versionID="2439c5e21841780d4f192983b535a097">
   <xsd:schema xmlns:xsd="http://www.w3.org/2001/XMLSchema" xmlns:xs="http://www.w3.org/2001/XMLSchema" xmlns:p="http://schemas.microsoft.com/office/2006/metadata/properties" xmlns:ns2="83cd2334-221a-48c3-9034-bfd1542dfe28" targetNamespace="http://schemas.microsoft.com/office/2006/metadata/properties" ma:root="true" ma:fieldsID="2bca9163d8d0b233c3086236a9289b04" ns2:_="">
     <xsd:import namespace="83cd2334-221a-48c3-9034-bfd1542dfe28"/>
@@ -46759,19 +46765,7 @@
 </ct:contentTypeSchema>
 </file>
 
-<file path=customXml/item42.xml><?xml version="1.0" encoding="utf-8"?>
-<Control xmlns="http://schemas.microsoft.com/VisualStudio/2011/storyboarding/control">
-  <Id Name="a53d73d2-368b-429e-b817-1324eec1382c" Revision="1" Stencil="7276b9ef-3953-4dce-a89b-ed85f20b8b93" StencilVersion="1.0"/>
-</Control>
-</file>
-
-<file path=customXml/item43.xml><?xml version="1.0" encoding="utf-8"?>
-<Control xmlns="http://schemas.microsoft.com/VisualStudio/2011/storyboarding/control">
-  <Id Name="a2191c86-fc50-4add-948c-129f6b5a88d8" Revision="1" Stencil="7276b9ef-3953-4dce-a89b-ed85f20b8b93" StencilVersion="1.0"/>
-</Control>
-</file>
-
-<file path=customXml/item5.xml><?xml version="1.0" encoding="utf-8"?>
+<file path=customXml/item7.xml><?xml version="1.0" encoding="utf-8"?>
 <p:properties xmlns:p="http://schemas.microsoft.com/office/2006/metadata/properties" xmlns:xsi="http://www.w3.org/2001/XMLSchema-instance" xmlns:pc="http://schemas.microsoft.com/office/infopath/2007/PartnerControls">
   <documentManagement>
     <SharedWithUsers xmlns="83cd2334-221a-48c3-9034-bfd1542dfe28">
@@ -46795,32 +46789,38 @@
 </p:properties>
 </file>
 
-<file path=customXml/item6.xml><?xml version="1.0" encoding="utf-8"?>
-<Control xmlns="http://schemas.microsoft.com/VisualStudio/2011/storyboarding/control">
-  <Id Name="d69996e1-3d61-4686-9b63-f1b855c596ab" Revision="1" Stencil="7276b9ef-3953-4dce-a89b-ed85f20b8b93" StencilVersion="1.0"/>
-</Control>
-</file>
-
-<file path=customXml/item7.xml><?xml version="1.0" encoding="utf-8"?>
-<Control xmlns="http://schemas.microsoft.com/VisualStudio/2011/storyboarding/control">
-  <Id Name="a53d73d2-368b-429e-b817-1324eec1382c" Revision="1" Stencil="7276b9ef-3953-4dce-a89b-ed85f20b8b93" StencilVersion="1.0"/>
-</Control>
-</file>
-
 <file path=customXml/item8.xml><?xml version="1.0" encoding="utf-8"?>
-<Control xmlns="http://schemas.microsoft.com/VisualStudio/2011/storyboarding/control">
-  <Id Name="a2191c86-fc50-4add-948c-129f6b5a88d8" Revision="1" Stencil="7276b9ef-3953-4dce-a89b-ed85f20b8b93" StencilVersion="1.0"/>
-</Control>
+<p:properties xmlns:p="http://schemas.microsoft.com/office/2006/metadata/properties" xmlns:xsi="http://www.w3.org/2001/XMLSchema-instance" xmlns:pc="http://schemas.microsoft.com/office/infopath/2007/PartnerControls">
+  <documentManagement>
+    <SharedWithUsers xmlns="83cd2334-221a-48c3-9034-bfd1542dfe28">
+      <UserInfo>
+        <DisplayName>Gilad Turbahn</DisplayName>
+        <AccountId>511</AccountId>
+        <AccountType/>
+      </UserInfo>
+      <UserInfo>
+        <DisplayName>Keith Boyd</DisplayName>
+        <AccountId>993</AccountId>
+        <AccountType/>
+      </UserInfo>
+      <UserInfo>
+        <DisplayName>Christopher Harrison</DisplayName>
+        <AccountId>1176</AccountId>
+        <AccountType/>
+      </UserInfo>
+    </SharedWithUsers>
+  </documentManagement>
+</p:properties>
 </file>
 
 <file path=customXml/item9.xml><?xml version="1.0" encoding="utf-8"?>
 <Control xmlns="http://schemas.microsoft.com/VisualStudio/2011/storyboarding/control">
-  <Id Name="d69996e1-3d61-4686-9b63-f1b855c596ab" Revision="1" Stencil="7276b9ef-3953-4dce-a89b-ed85f20b8b93" StencilVersion="1.0"/>
+  <Id Name="fb22c541-ded0-47fa-8877-83a4c2d16227" Revision="1" Stencil="7276b9ef-3953-4dce-a89b-ed85f20b8b93" StencilVersion="1.0"/>
 </Control>
 </file>
 
 <file path=customXml/itemProps1.xml><?xml version="1.0" encoding="utf-8"?>
-<ds:datastoreItem xmlns:ds="http://schemas.openxmlformats.org/officeDocument/2006/customXml" ds:itemID="{ED350DFE-2319-4AB0-BC96-1D36D125365A}">
+<ds:datastoreItem xmlns:ds="http://schemas.openxmlformats.org/officeDocument/2006/customXml" ds:itemID="{4E805D65-1532-4BB0-8F41-8013167C0009}">
   <ds:schemaRefs>
     <ds:schemaRef ds:uri="http://schemas.microsoft.com/VisualStudio/2011/storyboarding/control"/>
   </ds:schemaRefs>
@@ -46828,15 +46828,7 @@
 </file>
 
 <file path=customXml/itemProps10.xml><?xml version="1.0" encoding="utf-8"?>
-<ds:datastoreItem xmlns:ds="http://schemas.openxmlformats.org/officeDocument/2006/customXml" ds:itemID="{D6FEE829-2115-45B4-8110-670FD454542B}">
-  <ds:schemaRefs>
-    <ds:schemaRef ds:uri="http://schemas.microsoft.com/VisualStudio/2011/storyboarding/control"/>
-  </ds:schemaRefs>
-</ds:datastoreItem>
-</file>
-
-<file path=customXml/itemProps11.xml><?xml version="1.0" encoding="utf-8"?>
-<ds:datastoreItem xmlns:ds="http://schemas.openxmlformats.org/officeDocument/2006/customXml" ds:itemID="{F990F116-B58F-4255-B05B-DA3808E0E5C6}">
+<ds:datastoreItem xmlns:ds="http://schemas.openxmlformats.org/officeDocument/2006/customXml" ds:itemID="{89F12441-1AE5-4DE5-9A31-72CE5A70E428}">
   <ds:schemaRefs>
     <ds:schemaRef ds:uri="http://schemas.microsoft.com/office/2006/metadata/properties"/>
     <ds:schemaRef ds:uri="http://schemas.microsoft.com/office/infopath/2007/PartnerControls"/>
@@ -46845,8 +46837,16 @@
 </ds:datastoreItem>
 </file>
 
+<file path=customXml/itemProps11.xml><?xml version="1.0" encoding="utf-8"?>
+<ds:datastoreItem xmlns:ds="http://schemas.openxmlformats.org/officeDocument/2006/customXml" ds:itemID="{D4B5F268-5930-44CD-BDF1-D0A04D4BBC1C}">
+  <ds:schemaRefs>
+    <ds:schemaRef ds:uri="http://schemas.microsoft.com/VisualStudio/2011/storyboarding/control"/>
+  </ds:schemaRefs>
+</ds:datastoreItem>
+</file>
+
 <file path=customXml/itemProps12.xml><?xml version="1.0" encoding="utf-8"?>
-<ds:datastoreItem xmlns:ds="http://schemas.openxmlformats.org/officeDocument/2006/customXml" ds:itemID="{3DC6CABD-46E1-4C27-A0B3-616DC56F8E5C}">
+<ds:datastoreItem xmlns:ds="http://schemas.openxmlformats.org/officeDocument/2006/customXml" ds:itemID="{ED350DFE-2319-4AB0-BC96-1D36D125365A}">
   <ds:schemaRefs>
     <ds:schemaRef ds:uri="http://schemas.microsoft.com/VisualStudio/2011/storyboarding/control"/>
   </ds:schemaRefs>
@@ -46854,19 +46854,19 @@
 </file>
 
 <file path=customXml/itemProps13.xml><?xml version="1.0" encoding="utf-8"?>
-<ds:datastoreItem xmlns:ds="http://schemas.openxmlformats.org/officeDocument/2006/customXml" ds:itemID="{473A6A21-7521-4B81-9336-9B587BA12275}">
+<ds:datastoreItem xmlns:ds="http://schemas.openxmlformats.org/officeDocument/2006/customXml" ds:itemID="{67213E6F-7B96-4222-888B-63710B06D885}">
   <ds:schemaRefs>
-    <ds:schemaRef ds:uri="http://schemas.microsoft.com/office/2006/metadata/properties"/>
-    <ds:schemaRef ds:uri="http://schemas.microsoft.com/office/infopath/2007/PartnerControls"/>
-    <ds:schemaRef ds:uri="83cd2334-221a-48c3-9034-bfd1542dfe28"/>
+    <ds:schemaRef ds:uri="http://schemas.microsoft.com/VisualStudio/2011/storyboarding/control"/>
   </ds:schemaRefs>
 </ds:datastoreItem>
 </file>
 
 <file path=customXml/itemProps14.xml><?xml version="1.0" encoding="utf-8"?>
-<ds:datastoreItem xmlns:ds="http://schemas.openxmlformats.org/officeDocument/2006/customXml" ds:itemID="{8BD595CA-AC5E-43B9-B966-E468A16E8322}">
+<ds:datastoreItem xmlns:ds="http://schemas.openxmlformats.org/officeDocument/2006/customXml" ds:itemID="{DD228CD4-1C93-4EFE-9A88-31B415F02594}">
   <ds:schemaRefs>
-    <ds:schemaRef ds:uri="http://schemas.microsoft.com/VisualStudio/2011/storyboarding/control"/>
+    <ds:schemaRef ds:uri="http://schemas.microsoft.com/office/2006/metadata/properties"/>
+    <ds:schemaRef ds:uri="http://schemas.microsoft.com/office/infopath/2007/PartnerControls"/>
+    <ds:schemaRef ds:uri="83cd2334-221a-48c3-9034-bfd1542dfe28"/>
   </ds:schemaRefs>
 </ds:datastoreItem>
 </file>
@@ -46880,7 +46880,7 @@
 </file>
 
 <file path=customXml/itemProps16.xml><?xml version="1.0" encoding="utf-8"?>
-<ds:datastoreItem xmlns:ds="http://schemas.openxmlformats.org/officeDocument/2006/customXml" ds:itemID="{82DB428A-B8F8-483F-8276-095629A8ECDB}">
+<ds:datastoreItem xmlns:ds="http://schemas.openxmlformats.org/officeDocument/2006/customXml" ds:itemID="{FE651ABA-5DC1-4ABD-A06E-055AE54B337B}">
   <ds:schemaRefs>
     <ds:schemaRef ds:uri="http://schemas.microsoft.com/VisualStudio/2011/storyboarding/control"/>
   </ds:schemaRefs>
@@ -46888,7 +46888,7 @@
 </file>
 
 <file path=customXml/itemProps17.xml><?xml version="1.0" encoding="utf-8"?>
-<ds:datastoreItem xmlns:ds="http://schemas.openxmlformats.org/officeDocument/2006/customXml" ds:itemID="{0B54C583-7BAB-4080-8093-C5F84F5A225A}">
+<ds:datastoreItem xmlns:ds="http://schemas.openxmlformats.org/officeDocument/2006/customXml" ds:itemID="{8893E80D-6D0C-4E0F-AA22-E5615BB87E5B}">
   <ds:schemaRefs>
     <ds:schemaRef ds:uri="http://schemas.microsoft.com/VisualStudio/2011/storyboarding/control"/>
   </ds:schemaRefs>
@@ -46896,7 +46896,7 @@
 </file>
 
 <file path=customXml/itemProps18.xml><?xml version="1.0" encoding="utf-8"?>
-<ds:datastoreItem xmlns:ds="http://schemas.openxmlformats.org/officeDocument/2006/customXml" ds:itemID="{F68D8396-E21C-4AFF-8FDD-70D00673D0EE}">
+<ds:datastoreItem xmlns:ds="http://schemas.openxmlformats.org/officeDocument/2006/customXml" ds:itemID="{7959CC6A-F423-4783-B968-3BCC86A7394E}">
   <ds:schemaRefs>
     <ds:schemaRef ds:uri="http://schemas.microsoft.com/VisualStudio/2011/storyboarding/control"/>
   </ds:schemaRefs>
@@ -46920,14 +46920,192 @@
 </file>
 
 <file path=customXml/itemProps20.xml><?xml version="1.0" encoding="utf-8"?>
-<ds:datastoreItem xmlns:ds="http://schemas.openxmlformats.org/officeDocument/2006/customXml" ds:itemID="{3B5E259B-2631-4B7B-A028-7E89B051B64C}">
+<ds:datastoreItem xmlns:ds="http://schemas.openxmlformats.org/officeDocument/2006/customXml" ds:itemID="{D6FEE829-2115-45B4-8110-670FD454542B}">
+  <ds:schemaRefs>
+    <ds:schemaRef ds:uri="http://schemas.microsoft.com/VisualStudio/2011/storyboarding/control"/>
+  </ds:schemaRefs>
+</ds:datastoreItem>
+</file>
+
+<file path=customXml/itemProps21.xml><?xml version="1.0" encoding="utf-8"?>
+<ds:datastoreItem xmlns:ds="http://schemas.openxmlformats.org/officeDocument/2006/customXml" ds:itemID="{376216F9-AF6B-4844-AE8C-B9F953F916AB}">
+  <ds:schemaRefs>
+    <ds:schemaRef ds:uri="http://schemas.microsoft.com/VisualStudio/2011/storyboarding/control"/>
+  </ds:schemaRefs>
+</ds:datastoreItem>
+</file>
+
+<file path=customXml/itemProps22.xml><?xml version="1.0" encoding="utf-8"?>
+<ds:datastoreItem xmlns:ds="http://schemas.openxmlformats.org/officeDocument/2006/customXml" ds:itemID="{8BD595CA-AC5E-43B9-B966-E468A16E8322}">
+  <ds:schemaRefs>
+    <ds:schemaRef ds:uri="http://schemas.microsoft.com/VisualStudio/2011/storyboarding/control"/>
+  </ds:schemaRefs>
+</ds:datastoreItem>
+</file>
+
+<file path=customXml/itemProps23.xml><?xml version="1.0" encoding="utf-8"?>
+<ds:datastoreItem xmlns:ds="http://schemas.openxmlformats.org/officeDocument/2006/customXml" ds:itemID="{4C1B3C27-4803-4D72-A3F8-6668A3F0A24B}">
+  <ds:schemaRefs>
+    <ds:schemaRef ds:uri="http://schemas.microsoft.com/VisualStudio/2011/storyboarding/control"/>
+  </ds:schemaRefs>
+</ds:datastoreItem>
+</file>
+
+<file path=customXml/itemProps24.xml><?xml version="1.0" encoding="utf-8"?>
+<ds:datastoreItem xmlns:ds="http://schemas.openxmlformats.org/officeDocument/2006/customXml" ds:itemID="{08C4EE12-DF69-4FFC-9E40-C7991F3490A6}">
+  <ds:schemaRefs>
+    <ds:schemaRef ds:uri="http://schemas.microsoft.com/VisualStudio/2011/storyboarding/control"/>
+  </ds:schemaRefs>
+</ds:datastoreItem>
+</file>
+
+<file path=customXml/itemProps25.xml><?xml version="1.0" encoding="utf-8"?>
+<ds:datastoreItem xmlns:ds="http://schemas.openxmlformats.org/officeDocument/2006/customXml" ds:itemID="{0282FB20-2D4C-459D-8468-77D1D3C6925D}">
+  <ds:schemaRefs>
+    <ds:schemaRef ds:uri="http://schemas.microsoft.com/VisualStudio/2011/storyboarding/control"/>
+  </ds:schemaRefs>
+</ds:datastoreItem>
+</file>
+
+<file path=customXml/itemProps26.xml><?xml version="1.0" encoding="utf-8"?>
+<ds:datastoreItem xmlns:ds="http://schemas.openxmlformats.org/officeDocument/2006/customXml" ds:itemID="{9360AFB9-8F99-4E1B-878D-F2EBABEB164C}">
   <ds:schemaRefs>
     <ds:schemaRef ds:uri="http://schemas.microsoft.com/sharepoint/v3/contenttype/forms"/>
   </ds:schemaRefs>
 </ds:datastoreItem>
 </file>
 
-<file path=customXml/itemProps21.xml><?xml version="1.0" encoding="utf-8"?>
+<file path=customXml/itemProps27.xml><?xml version="1.0" encoding="utf-8"?>
+<ds:datastoreItem xmlns:ds="http://schemas.openxmlformats.org/officeDocument/2006/customXml" ds:itemID="{8257D6BC-B71E-4D95-81E4-A1D4A8174168}">
+  <ds:schemaRefs>
+    <ds:schemaRef ds:uri="http://schemas.microsoft.com/VisualStudio/2011/storyboarding/control"/>
+  </ds:schemaRefs>
+</ds:datastoreItem>
+</file>
+
+<file path=customXml/itemProps28.xml><?xml version="1.0" encoding="utf-8"?>
+<ds:datastoreItem xmlns:ds="http://schemas.openxmlformats.org/officeDocument/2006/customXml" ds:itemID="{38217AA1-CC95-49A9-B284-2ED4D347D7CA}">
+  <ds:schemaRefs>
+    <ds:schemaRef ds:uri="http://schemas.microsoft.com/VisualStudio/2011/storyboarding/control"/>
+  </ds:schemaRefs>
+</ds:datastoreItem>
+</file>
+
+<file path=customXml/itemProps29.xml><?xml version="1.0" encoding="utf-8"?>
+<ds:datastoreItem xmlns:ds="http://schemas.openxmlformats.org/officeDocument/2006/customXml" ds:itemID="{C0F92A87-A216-45A9-B9C0-0515663D35BF}">
+  <ds:schemaRefs>
+    <ds:schemaRef ds:uri="http://schemas.microsoft.com/VisualStudio/2011/storyboarding/control"/>
+  </ds:schemaRefs>
+</ds:datastoreItem>
+</file>
+
+<file path=customXml/itemProps3.xml><?xml version="1.0" encoding="utf-8"?>
+<ds:datastoreItem xmlns:ds="http://schemas.openxmlformats.org/officeDocument/2006/customXml" ds:itemID="{82DB428A-B8F8-483F-8276-095629A8ECDB}">
+  <ds:schemaRefs>
+    <ds:schemaRef ds:uri="http://schemas.microsoft.com/VisualStudio/2011/storyboarding/control"/>
+  </ds:schemaRefs>
+</ds:datastoreItem>
+</file>
+
+<file path=customXml/itemProps30.xml><?xml version="1.0" encoding="utf-8"?>
+<ds:datastoreItem xmlns:ds="http://schemas.openxmlformats.org/officeDocument/2006/customXml" ds:itemID="{4B16F4FE-7C26-4443-B426-81998D23ED87}">
+  <ds:schemaRefs>
+    <ds:schemaRef ds:uri="http://schemas.microsoft.com/VisualStudio/2011/storyboarding/control"/>
+  </ds:schemaRefs>
+</ds:datastoreItem>
+</file>
+
+<file path=customXml/itemProps31.xml><?xml version="1.0" encoding="utf-8"?>
+<ds:datastoreItem xmlns:ds="http://schemas.openxmlformats.org/officeDocument/2006/customXml" ds:itemID="{758FDAC0-319D-4A54-8D8E-1D42CB1F8004}">
+  <ds:schemaRefs>
+    <ds:schemaRef ds:uri="http://schemas.microsoft.com/sharepoint/v3/contenttype/forms"/>
+  </ds:schemaRefs>
+</ds:datastoreItem>
+</file>
+
+<file path=customXml/itemProps32.xml><?xml version="1.0" encoding="utf-8"?>
+<ds:datastoreItem xmlns:ds="http://schemas.openxmlformats.org/officeDocument/2006/customXml" ds:itemID="{3DC6CABD-46E1-4C27-A0B3-616DC56F8E5C}">
+  <ds:schemaRefs>
+    <ds:schemaRef ds:uri="http://schemas.microsoft.com/VisualStudio/2011/storyboarding/control"/>
+  </ds:schemaRefs>
+</ds:datastoreItem>
+</file>
+
+<file path=customXml/itemProps33.xml><?xml version="1.0" encoding="utf-8"?>
+<ds:datastoreItem xmlns:ds="http://schemas.openxmlformats.org/officeDocument/2006/customXml" ds:itemID="{0B54C583-7BAB-4080-8093-C5F84F5A225A}">
+  <ds:schemaRefs>
+    <ds:schemaRef ds:uri="http://schemas.microsoft.com/VisualStudio/2011/storyboarding/control"/>
+  </ds:schemaRefs>
+</ds:datastoreItem>
+</file>
+
+<file path=customXml/itemProps34.xml><?xml version="1.0" encoding="utf-8"?>
+<ds:datastoreItem xmlns:ds="http://schemas.openxmlformats.org/officeDocument/2006/customXml" ds:itemID="{1EF25EC2-965B-4491-9691-6B806C9E3B8B}">
+  <ds:schemaRefs>
+    <ds:schemaRef ds:uri="http://schemas.microsoft.com/sharepoint/v3/contenttype/forms"/>
+  </ds:schemaRefs>
+</ds:datastoreItem>
+</file>
+
+<file path=customXml/itemProps35.xml><?xml version="1.0" encoding="utf-8"?>
+<ds:datastoreItem xmlns:ds="http://schemas.openxmlformats.org/officeDocument/2006/customXml" ds:itemID="{42D603BF-B513-4201-A599-21BA0F4FFC40}">
+  <ds:schemaRefs>
+    <ds:schemaRef ds:uri="http://schemas.microsoft.com/VisualStudio/2011/storyboarding/control"/>
+  </ds:schemaRefs>
+</ds:datastoreItem>
+</file>
+
+<file path=customXml/itemProps36.xml><?xml version="1.0" encoding="utf-8"?>
+<ds:datastoreItem xmlns:ds="http://schemas.openxmlformats.org/officeDocument/2006/customXml" ds:itemID="{21F6B647-976A-41D0-B760-9DF9DFC6AE3C}">
+  <ds:schemaRefs>
+    <ds:schemaRef ds:uri="http://schemas.microsoft.com/VisualStudio/2011/storyboarding/control"/>
+  </ds:schemaRefs>
+</ds:datastoreItem>
+</file>
+
+<file path=customXml/itemProps37.xml><?xml version="1.0" encoding="utf-8"?>
+<ds:datastoreItem xmlns:ds="http://schemas.openxmlformats.org/officeDocument/2006/customXml" ds:itemID="{473A6A21-7521-4B81-9336-9B587BA12275}">
+  <ds:schemaRefs>
+    <ds:schemaRef ds:uri="http://schemas.microsoft.com/office/2006/metadata/properties"/>
+    <ds:schemaRef ds:uri="http://schemas.microsoft.com/office/infopath/2007/PartnerControls"/>
+    <ds:schemaRef ds:uri="83cd2334-221a-48c3-9034-bfd1542dfe28"/>
+  </ds:schemaRefs>
+</ds:datastoreItem>
+</file>
+
+<file path=customXml/itemProps38.xml><?xml version="1.0" encoding="utf-8"?>
+<ds:datastoreItem xmlns:ds="http://schemas.openxmlformats.org/officeDocument/2006/customXml" ds:itemID="{F68D8396-E21C-4AFF-8FDD-70D00673D0EE}">
+  <ds:schemaRefs>
+    <ds:schemaRef ds:uri="http://schemas.microsoft.com/VisualStudio/2011/storyboarding/control"/>
+  </ds:schemaRefs>
+</ds:datastoreItem>
+</file>
+
+<file path=customXml/itemProps39.xml><?xml version="1.0" encoding="utf-8"?>
+<ds:datastoreItem xmlns:ds="http://schemas.openxmlformats.org/officeDocument/2006/customXml" ds:itemID="{B5105A87-47B6-44F6-97FD-4619C0556604}">
+  <ds:schemaRefs>
+    <ds:schemaRef ds:uri="http://schemas.microsoft.com/VisualStudio/2011/storyboarding/control"/>
+  </ds:schemaRefs>
+</ds:datastoreItem>
+</file>
+
+<file path=customXml/itemProps4.xml><?xml version="1.0" encoding="utf-8"?>
+<ds:datastoreItem xmlns:ds="http://schemas.openxmlformats.org/officeDocument/2006/customXml" ds:itemID="{C63AC2F0-1DEB-4E91-A88A-7A014A172F4F}">
+  <ds:schemaRefs>
+    <ds:schemaRef ds:uri="http://schemas.microsoft.com/VisualStudio/2011/storyboarding/control"/>
+  </ds:schemaRefs>
+</ds:datastoreItem>
+</file>
+
+<file path=customXml/itemProps40.xml><?xml version="1.0" encoding="utf-8"?>
+<ds:datastoreItem xmlns:ds="http://schemas.openxmlformats.org/officeDocument/2006/customXml" ds:itemID="{A68A9449-FA01-4226-9BF1-93D644A9D829}">
+  <ds:schemaRefs>
+    <ds:schemaRef ds:uri="http://schemas.microsoft.com/sharepoint/v3/contenttype/forms"/>
+  </ds:schemaRefs>
+</ds:datastoreItem>
+</file>
+
+<file path=customXml/itemProps41.xml><?xml version="1.0" encoding="utf-8"?>
 <ds:datastoreItem xmlns:ds="http://schemas.openxmlformats.org/officeDocument/2006/customXml" ds:itemID="{E692D73E-1478-4790-BEEC-C5C534998F40}">
   <ds:schemaRefs>
     <ds:schemaRef ds:uri="http://schemas.microsoft.com/office/2006/metadata/properties"/>
@@ -46937,113 +47115,7 @@
 </ds:datastoreItem>
 </file>
 
-<file path=customXml/itemProps22.xml><?xml version="1.0" encoding="utf-8"?>
-<ds:datastoreItem xmlns:ds="http://schemas.openxmlformats.org/officeDocument/2006/customXml" ds:itemID="{4C1B3C27-4803-4D72-A3F8-6668A3F0A24B}">
-  <ds:schemaRefs>
-    <ds:schemaRef ds:uri="http://schemas.microsoft.com/VisualStudio/2011/storyboarding/control"/>
-  </ds:schemaRefs>
-</ds:datastoreItem>
-</file>
-
-<file path=customXml/itemProps23.xml><?xml version="1.0" encoding="utf-8"?>
-<ds:datastoreItem xmlns:ds="http://schemas.openxmlformats.org/officeDocument/2006/customXml" ds:itemID="{FE651ABA-5DC1-4ABD-A06E-055AE54B337B}">
-  <ds:schemaRefs>
-    <ds:schemaRef ds:uri="http://schemas.microsoft.com/VisualStudio/2011/storyboarding/control"/>
-  </ds:schemaRefs>
-</ds:datastoreItem>
-</file>
-
-<file path=customXml/itemProps24.xml><?xml version="1.0" encoding="utf-8"?>
-<ds:datastoreItem xmlns:ds="http://schemas.openxmlformats.org/officeDocument/2006/customXml" ds:itemID="{D2785389-C2C5-4270-958A-D22E6E646BAE}">
-  <ds:schemaRefs>
-    <ds:schemaRef ds:uri="http://schemas.microsoft.com/office/2006/metadata/properties"/>
-    <ds:schemaRef ds:uri="http://schemas.microsoft.com/office/infopath/2007/PartnerControls"/>
-    <ds:schemaRef ds:uri="83cd2334-221a-48c3-9034-bfd1542dfe28"/>
-  </ds:schemaRefs>
-</ds:datastoreItem>
-</file>
-
-<file path=customXml/itemProps25.xml><?xml version="1.0" encoding="utf-8"?>
-<ds:datastoreItem xmlns:ds="http://schemas.openxmlformats.org/officeDocument/2006/customXml" ds:itemID="{1EF25EC2-965B-4491-9691-6B806C9E3B8B}">
-  <ds:schemaRefs>
-    <ds:schemaRef ds:uri="http://schemas.microsoft.com/sharepoint/v3/contenttype/forms"/>
-  </ds:schemaRefs>
-</ds:datastoreItem>
-</file>
-
-<file path=customXml/itemProps26.xml><?xml version="1.0" encoding="utf-8"?>
-<ds:datastoreItem xmlns:ds="http://schemas.openxmlformats.org/officeDocument/2006/customXml" ds:itemID="{B5105A87-47B6-44F6-97FD-4619C0556604}">
-  <ds:schemaRefs>
-    <ds:schemaRef ds:uri="http://schemas.microsoft.com/VisualStudio/2011/storyboarding/control"/>
-  </ds:schemaRefs>
-</ds:datastoreItem>
-</file>
-
-<file path=customXml/itemProps27.xml><?xml version="1.0" encoding="utf-8"?>
-<ds:datastoreItem xmlns:ds="http://schemas.openxmlformats.org/officeDocument/2006/customXml" ds:itemID="{08C4EE12-DF69-4FFC-9E40-C7991F3490A6}">
-  <ds:schemaRefs>
-    <ds:schemaRef ds:uri="http://schemas.microsoft.com/VisualStudio/2011/storyboarding/control"/>
-  </ds:schemaRefs>
-</ds:datastoreItem>
-</file>
-
-<file path=customXml/itemProps28.xml><?xml version="1.0" encoding="utf-8"?>
-<ds:datastoreItem xmlns:ds="http://schemas.openxmlformats.org/officeDocument/2006/customXml" ds:itemID="{8893E80D-6D0C-4E0F-AA22-E5615BB87E5B}">
-  <ds:schemaRefs>
-    <ds:schemaRef ds:uri="http://schemas.microsoft.com/VisualStudio/2011/storyboarding/control"/>
-  </ds:schemaRefs>
-</ds:datastoreItem>
-</file>
-
-<file path=customXml/itemProps29.xml><?xml version="1.0" encoding="utf-8"?>
-<ds:datastoreItem xmlns:ds="http://schemas.openxmlformats.org/officeDocument/2006/customXml" ds:itemID="{C63AC2F0-1DEB-4E91-A88A-7A014A172F4F}">
-  <ds:schemaRefs>
-    <ds:schemaRef ds:uri="http://schemas.microsoft.com/VisualStudio/2011/storyboarding/control"/>
-  </ds:schemaRefs>
-</ds:datastoreItem>
-</file>
-
-<file path=customXml/itemProps3.xml><?xml version="1.0" encoding="utf-8"?>
-<ds:datastoreItem xmlns:ds="http://schemas.openxmlformats.org/officeDocument/2006/customXml" ds:itemID="{758FDAC0-319D-4A54-8D8E-1D42CB1F8004}">
-  <ds:schemaRefs>
-    <ds:schemaRef ds:uri="http://schemas.microsoft.com/sharepoint/v3/contenttype/forms"/>
-  </ds:schemaRefs>
-</ds:datastoreItem>
-</file>
-
-<file path=customXml/itemProps30.xml><?xml version="1.0" encoding="utf-8"?>
-<ds:datastoreItem xmlns:ds="http://schemas.openxmlformats.org/officeDocument/2006/customXml" ds:itemID="{0282FB20-2D4C-459D-8468-77D1D3C6925D}">
-  <ds:schemaRefs>
-    <ds:schemaRef ds:uri="http://schemas.microsoft.com/VisualStudio/2011/storyboarding/control"/>
-  </ds:schemaRefs>
-</ds:datastoreItem>
-</file>
-
-<file path=customXml/itemProps31.xml><?xml version="1.0" encoding="utf-8"?>
-<ds:datastoreItem xmlns:ds="http://schemas.openxmlformats.org/officeDocument/2006/customXml" ds:itemID="{376216F9-AF6B-4844-AE8C-B9F953F916AB}">
-  <ds:schemaRefs>
-    <ds:schemaRef ds:uri="http://schemas.microsoft.com/VisualStudio/2011/storyboarding/control"/>
-  </ds:schemaRefs>
-</ds:datastoreItem>
-</file>
-
-<file path=customXml/itemProps32.xml><?xml version="1.0" encoding="utf-8"?>
-<ds:datastoreItem xmlns:ds="http://schemas.openxmlformats.org/officeDocument/2006/customXml" ds:itemID="{4E8278DB-3CDD-48A7-992E-A7596AD335B9}">
-  <ds:schemaRefs>
-    <ds:schemaRef ds:uri="http://schemas.microsoft.com/VisualStudio/2011/storyboarding/control"/>
-  </ds:schemaRefs>
-</ds:datastoreItem>
-</file>
-
-<file path=customXml/itemProps33.xml><?xml version="1.0" encoding="utf-8"?>
-<ds:datastoreItem xmlns:ds="http://schemas.openxmlformats.org/officeDocument/2006/customXml" ds:itemID="{42D603BF-B513-4201-A599-21BA0F4FFC40}">
-  <ds:schemaRefs>
-    <ds:schemaRef ds:uri="http://schemas.microsoft.com/VisualStudio/2011/storyboarding/control"/>
-  </ds:schemaRefs>
-</ds:datastoreItem>
-</file>
-
-<file path=customXml/itemProps34.xml><?xml version="1.0" encoding="utf-8"?>
+<file path=customXml/itemProps42.xml><?xml version="1.0" encoding="utf-8"?>
 <ds:datastoreItem xmlns:ds="http://schemas.openxmlformats.org/officeDocument/2006/customXml" ds:itemID="{432851C6-BC05-4673-B853-6D08AB80CDC4}">
   <ds:schemaRefs>
     <ds:schemaRef ds:uri="http://schemas.microsoft.com/VisualStudio/2011/storyboarding/control"/>
@@ -47051,65 +47123,23 @@
 </ds:datastoreItem>
 </file>
 
-<file path=customXml/itemProps35.xml><?xml version="1.0" encoding="utf-8"?>
-<ds:datastoreItem xmlns:ds="http://schemas.openxmlformats.org/officeDocument/2006/customXml" ds:itemID="{9360AFB9-8F99-4E1B-878D-F2EBABEB164C}">
+<file path=customXml/itemProps43.xml><?xml version="1.0" encoding="utf-8"?>
+<ds:datastoreItem xmlns:ds="http://schemas.openxmlformats.org/officeDocument/2006/customXml" ds:itemID="{6FB9D450-4C47-4A44-8C0D-C78D8A54C46F}">
+  <ds:schemaRefs>
+    <ds:schemaRef ds:uri="http://schemas.microsoft.com/VisualStudio/2011/storyboarding/control"/>
+  </ds:schemaRefs>
+</ds:datastoreItem>
+</file>
+
+<file path=customXml/itemProps5.xml><?xml version="1.0" encoding="utf-8"?>
+<ds:datastoreItem xmlns:ds="http://schemas.openxmlformats.org/officeDocument/2006/customXml" ds:itemID="{3B5E259B-2631-4B7B-A028-7E89B051B64C}">
   <ds:schemaRefs>
     <ds:schemaRef ds:uri="http://schemas.microsoft.com/sharepoint/v3/contenttype/forms"/>
   </ds:schemaRefs>
 </ds:datastoreItem>
 </file>
 
-<file path=customXml/itemProps36.xml><?xml version="1.0" encoding="utf-8"?>
-<ds:datastoreItem xmlns:ds="http://schemas.openxmlformats.org/officeDocument/2006/customXml" ds:itemID="{7959CC6A-F423-4783-B968-3BCC86A7394E}">
-  <ds:schemaRefs>
-    <ds:schemaRef ds:uri="http://schemas.microsoft.com/VisualStudio/2011/storyboarding/control"/>
-  </ds:schemaRefs>
-</ds:datastoreItem>
-</file>
-
-<file path=customXml/itemProps37.xml><?xml version="1.0" encoding="utf-8"?>
-<ds:datastoreItem xmlns:ds="http://schemas.openxmlformats.org/officeDocument/2006/customXml" ds:itemID="{89F12441-1AE5-4DE5-9A31-72CE5A70E428}">
-  <ds:schemaRefs>
-    <ds:schemaRef ds:uri="http://schemas.microsoft.com/office/2006/metadata/properties"/>
-    <ds:schemaRef ds:uri="http://schemas.microsoft.com/office/infopath/2007/PartnerControls"/>
-    <ds:schemaRef ds:uri="83cd2334-221a-48c3-9034-bfd1542dfe28"/>
-  </ds:schemaRefs>
-</ds:datastoreItem>
-</file>
-
-<file path=customXml/itemProps38.xml><?xml version="1.0" encoding="utf-8"?>
-<ds:datastoreItem xmlns:ds="http://schemas.openxmlformats.org/officeDocument/2006/customXml" ds:itemID="{21F6B647-976A-41D0-B760-9DF9DFC6AE3C}">
-  <ds:schemaRefs>
-    <ds:schemaRef ds:uri="http://schemas.microsoft.com/VisualStudio/2011/storyboarding/control"/>
-  </ds:schemaRefs>
-</ds:datastoreItem>
-</file>
-
-<file path=customXml/itemProps39.xml><?xml version="1.0" encoding="utf-8"?>
-<ds:datastoreItem xmlns:ds="http://schemas.openxmlformats.org/officeDocument/2006/customXml" ds:itemID="{A68A9449-FA01-4226-9BF1-93D644A9D829}">
-  <ds:schemaRefs>
-    <ds:schemaRef ds:uri="http://schemas.microsoft.com/sharepoint/v3/contenttype/forms"/>
-  </ds:schemaRefs>
-</ds:datastoreItem>
-</file>
-
-<file path=customXml/itemProps4.xml><?xml version="1.0" encoding="utf-8"?>
-<ds:datastoreItem xmlns:ds="http://schemas.openxmlformats.org/officeDocument/2006/customXml" ds:itemID="{38217AA1-CC95-49A9-B284-2ED4D347D7CA}">
-  <ds:schemaRefs>
-    <ds:schemaRef ds:uri="http://schemas.microsoft.com/VisualStudio/2011/storyboarding/control"/>
-  </ds:schemaRefs>
-</ds:datastoreItem>
-</file>
-
-<file path=customXml/itemProps40.xml><?xml version="1.0" encoding="utf-8"?>
-<ds:datastoreItem xmlns:ds="http://schemas.openxmlformats.org/officeDocument/2006/customXml" ds:itemID="{D4B5F268-5930-44CD-BDF1-D0A04D4BBC1C}">
-  <ds:schemaRefs>
-    <ds:schemaRef ds:uri="http://schemas.microsoft.com/VisualStudio/2011/storyboarding/control"/>
-  </ds:schemaRefs>
-</ds:datastoreItem>
-</file>
-
-<file path=customXml/itemProps41.xml><?xml version="1.0" encoding="utf-8"?>
+<file path=customXml/itemProps6.xml><?xml version="1.0" encoding="utf-8"?>
 <ds:datastoreItem xmlns:ds="http://schemas.openxmlformats.org/officeDocument/2006/customXml" ds:itemID="{11F98F69-7518-4AE2-AE7B-E037DC9DDC97}">
   <ds:schemaRefs>
     <ds:schemaRef ds:uri="http://schemas.microsoft.com/office/2006/metadata/contentType"/>
@@ -47127,24 +47157,8 @@
 </ds:datastoreItem>
 </file>
 
-<file path=customXml/itemProps42.xml><?xml version="1.0" encoding="utf-8"?>
-<ds:datastoreItem xmlns:ds="http://schemas.openxmlformats.org/officeDocument/2006/customXml" ds:itemID="{6FB9D450-4C47-4A44-8C0D-C78D8A54C46F}">
-  <ds:schemaRefs>
-    <ds:schemaRef ds:uri="http://schemas.microsoft.com/VisualStudio/2011/storyboarding/control"/>
-  </ds:schemaRefs>
-</ds:datastoreItem>
-</file>
-
-<file path=customXml/itemProps43.xml><?xml version="1.0" encoding="utf-8"?>
-<ds:datastoreItem xmlns:ds="http://schemas.openxmlformats.org/officeDocument/2006/customXml" ds:itemID="{8257D6BC-B71E-4D95-81E4-A1D4A8174168}">
-  <ds:schemaRefs>
-    <ds:schemaRef ds:uri="http://schemas.microsoft.com/VisualStudio/2011/storyboarding/control"/>
-  </ds:schemaRefs>
-</ds:datastoreItem>
-</file>
-
-<file path=customXml/itemProps5.xml><?xml version="1.0" encoding="utf-8"?>
-<ds:datastoreItem xmlns:ds="http://schemas.openxmlformats.org/officeDocument/2006/customXml" ds:itemID="{DD228CD4-1C93-4EFE-9A88-31B415F02594}">
+<file path=customXml/itemProps7.xml><?xml version="1.0" encoding="utf-8"?>
+<ds:datastoreItem xmlns:ds="http://schemas.openxmlformats.org/officeDocument/2006/customXml" ds:itemID="{F990F116-B58F-4255-B05B-DA3808E0E5C6}">
   <ds:schemaRefs>
     <ds:schemaRef ds:uri="http://schemas.microsoft.com/office/2006/metadata/properties"/>
     <ds:schemaRef ds:uri="http://schemas.microsoft.com/office/infopath/2007/PartnerControls"/>
@@ -47153,32 +47167,18 @@
 </ds:datastoreItem>
 </file>
 
-<file path=customXml/itemProps6.xml><?xml version="1.0" encoding="utf-8"?>
-<ds:datastoreItem xmlns:ds="http://schemas.openxmlformats.org/officeDocument/2006/customXml" ds:itemID="{67213E6F-7B96-4222-888B-63710B06D885}">
+<file path=customXml/itemProps8.xml><?xml version="1.0" encoding="utf-8"?>
+<ds:datastoreItem xmlns:ds="http://schemas.openxmlformats.org/officeDocument/2006/customXml" ds:itemID="{D2785389-C2C5-4270-958A-D22E6E646BAE}">
   <ds:schemaRefs>
-    <ds:schemaRef ds:uri="http://schemas.microsoft.com/VisualStudio/2011/storyboarding/control"/>
-  </ds:schemaRefs>
-</ds:datastoreItem>
-</file>
-
-<file path=customXml/itemProps7.xml><?xml version="1.0" encoding="utf-8"?>
-<ds:datastoreItem xmlns:ds="http://schemas.openxmlformats.org/officeDocument/2006/customXml" ds:itemID="{4E805D65-1532-4BB0-8F41-8013167C0009}">
-  <ds:schemaRefs>
-    <ds:schemaRef ds:uri="http://schemas.microsoft.com/VisualStudio/2011/storyboarding/control"/>
-  </ds:schemaRefs>
-</ds:datastoreItem>
-</file>
-
-<file path=customXml/itemProps8.xml><?xml version="1.0" encoding="utf-8"?>
-<ds:datastoreItem xmlns:ds="http://schemas.openxmlformats.org/officeDocument/2006/customXml" ds:itemID="{4B16F4FE-7C26-4443-B426-81998D23ED87}">
-  <ds:schemaRefs>
-    <ds:schemaRef ds:uri="http://schemas.microsoft.com/VisualStudio/2011/storyboarding/control"/>
+    <ds:schemaRef ds:uri="http://schemas.microsoft.com/office/2006/metadata/properties"/>
+    <ds:schemaRef ds:uri="http://schemas.microsoft.com/office/infopath/2007/PartnerControls"/>
+    <ds:schemaRef ds:uri="83cd2334-221a-48c3-9034-bfd1542dfe28"/>
   </ds:schemaRefs>
 </ds:datastoreItem>
 </file>
 
 <file path=customXml/itemProps9.xml><?xml version="1.0" encoding="utf-8"?>
-<ds:datastoreItem xmlns:ds="http://schemas.openxmlformats.org/officeDocument/2006/customXml" ds:itemID="{C0F92A87-A216-45A9-B9C0-0515663D35BF}">
+<ds:datastoreItem xmlns:ds="http://schemas.openxmlformats.org/officeDocument/2006/customXml" ds:itemID="{4E8278DB-3CDD-48A7-992E-A7596AD335B9}">
   <ds:schemaRefs>
     <ds:schemaRef ds:uri="http://schemas.microsoft.com/VisualStudio/2011/storyboarding/control"/>
   </ds:schemaRefs>

--- a/Slides/5 - NumericVariables.pptx
+++ b/Slides/5 - NumericVariables.pptx
@@ -490,7 +490,7 @@
               <a:rPr lang="en-US" smtClean="0">
                 <a:latin typeface="Segoe UI" pitchFamily="34" charset="0"/>
               </a:rPr>
-              <a:t>6/10/2019 12:41 PM</a:t>
+              <a:t>6/17/2019 10:34 AM</a:t>
             </a:fld>
             <a:endParaRPr lang="en-US">
               <a:latin typeface="Segoe UI" pitchFamily="34" charset="0"/>
@@ -768,7 +768,7 @@
           <a:p>
             <a:fld id="{38EEC551-8CDA-4EB6-89BB-2A86C9F091C8}" type="datetime8">
               <a:rPr lang="en-US" smtClean="0"/>
-              <a:t>6/10/2019 11:36 AM</a:t>
+              <a:t>6/17/2019 10:34 AM</a:t>
             </a:fld>
             <a:endParaRPr lang="en-US"/>
           </a:p>
@@ -1102,7 +1102,7 @@
           <a:p>
             <a:fld id="{6108602D-D426-4C00-B215-BFA18C076426}" type="datetime8">
               <a:rPr lang="en-US" smtClean="0"/>
-              <a:t>6/10/2019 11:36 AM</a:t>
+              <a:t>6/17/2019 10:34 AM</a:t>
             </a:fld>
             <a:endParaRPr lang="en-US"/>
           </a:p>
@@ -1267,7 +1267,7 @@
           <a:p>
             <a:fld id="{6108602D-D426-4C00-B215-BFA18C076426}" type="datetime8">
               <a:rPr lang="en-US" smtClean="0"/>
-              <a:t>6/10/2019 11:36 AM</a:t>
+              <a:t>6/17/2019 10:34 AM</a:t>
             </a:fld>
             <a:endParaRPr lang="en-US"/>
           </a:p>
@@ -1432,7 +1432,7 @@
           <a:p>
             <a:fld id="{6108602D-D426-4C00-B215-BFA18C076426}" type="datetime8">
               <a:rPr lang="en-US" smtClean="0"/>
-              <a:t>6/10/2019 11:36 AM</a:t>
+              <a:t>6/17/2019 10:34 AM</a:t>
             </a:fld>
             <a:endParaRPr lang="en-US"/>
           </a:p>
@@ -1597,7 +1597,7 @@
           <a:p>
             <a:fld id="{6108602D-D426-4C00-B215-BFA18C076426}" type="datetime8">
               <a:rPr lang="en-US" smtClean="0"/>
-              <a:t>6/10/2019 11:36 AM</a:t>
+              <a:t>6/17/2019 10:34 AM</a:t>
             </a:fld>
             <a:endParaRPr lang="en-US"/>
           </a:p>
@@ -1762,7 +1762,7 @@
           <a:p>
             <a:fld id="{6108602D-D426-4C00-B215-BFA18C076426}" type="datetime8">
               <a:rPr lang="en-US" smtClean="0"/>
-              <a:t>6/10/2019 11:36 AM</a:t>
+              <a:t>6/17/2019 10:34 AM</a:t>
             </a:fld>
             <a:endParaRPr lang="en-US"/>
           </a:p>
@@ -1927,7 +1927,7 @@
           <a:p>
             <a:fld id="{6108602D-D426-4C00-B215-BFA18C076426}" type="datetime8">
               <a:rPr lang="en-US" smtClean="0"/>
-              <a:t>6/10/2019 11:36 AM</a:t>
+              <a:t>6/17/2019 10:34 AM</a:t>
             </a:fld>
             <a:endParaRPr lang="en-US"/>
           </a:p>
@@ -2092,7 +2092,7 @@
           <a:p>
             <a:fld id="{6108602D-D426-4C00-B215-BFA18C076426}" type="datetime8">
               <a:rPr lang="en-US" smtClean="0"/>
-              <a:t>6/10/2019 11:36 AM</a:t>
+              <a:t>6/17/2019 10:34 AM</a:t>
             </a:fld>
             <a:endParaRPr lang="en-US"/>
           </a:p>
@@ -2257,7 +2257,7 @@
           <a:p>
             <a:fld id="{6108602D-D426-4C00-B215-BFA18C076426}" type="datetime8">
               <a:rPr lang="en-US" smtClean="0"/>
-              <a:t>6/10/2019 11:36 AM</a:t>
+              <a:t>6/17/2019 10:34 AM</a:t>
             </a:fld>
             <a:endParaRPr lang="en-US"/>
           </a:p>
@@ -44831,8 +44831,8 @@
         </p:nvSpPr>
         <p:spPr bwMode="auto">
           <a:xfrm>
-            <a:off x="5290457" y="4925214"/>
-            <a:ext cx="1066800" cy="276624"/>
+            <a:off x="5444359" y="4925213"/>
+            <a:ext cx="912898" cy="298427"/>
           </a:xfrm>
           <a:prstGeom prst="rightArrow">
             <a:avLst/>
@@ -46294,12 +46294,6 @@
 </file>
 
 <file path=customXml/item1.xml><?xml version="1.0" encoding="utf-8"?>
-<Control xmlns="http://schemas.microsoft.com/VisualStudio/2011/storyboarding/control">
-  <Id Name="a53d73d2-368b-429e-b817-1324eec1382c" Revision="1" Stencil="7276b9ef-3953-4dce-a89b-ed85f20b8b93" StencilVersion="1.0"/>
-</Control>
-</file>
-
-<file path=customXml/item10.xml><?xml version="1.0" encoding="utf-8"?>
 <p:properties xmlns:p="http://schemas.microsoft.com/office/2006/metadata/properties" xmlns:xsi="http://www.w3.org/2001/XMLSchema-instance" xmlns:pc="http://schemas.microsoft.com/office/infopath/2007/PartnerControls">
   <documentManagement>
     <SharedWithUsers xmlns="83cd2334-221a-48c3-9034-bfd1542dfe28">
@@ -46323,25 +46317,19 @@
 </p:properties>
 </file>
 
-<file path=customXml/item11.xml><?xml version="1.0" encoding="utf-8"?>
+<file path=customXml/item10.xml><?xml version="1.0" encoding="utf-8"?>
 <Control xmlns="http://schemas.microsoft.com/VisualStudio/2011/storyboarding/control">
-  <Id Name="a2191c86-fc50-4add-948c-129f6b5a88d8" Revision="1" Stencil="7276b9ef-3953-4dce-a89b-ed85f20b8b93" StencilVersion="1.0"/>
+  <Id Name="369f9055-6b6c-48b9-9320-5df2d46c430a" Revision="1" Stencil="7276b9ef-3953-4dce-a89b-ed85f20b8b93" StencilVersion="1.0"/>
 </Control>
 </file>
 
-<file path=customXml/item12.xml><?xml version="1.0" encoding="utf-8"?>
-<Control xmlns="http://schemas.microsoft.com/VisualStudio/2011/storyboarding/control">
-  <Id Name="a53d73d2-368b-429e-b817-1324eec1382c" Revision="1" Stencil="7276b9ef-3953-4dce-a89b-ed85f20b8b93" StencilVersion="1.0"/>
-</Control>
-</file>
-
-<file path=customXml/item13.xml><?xml version="1.0" encoding="utf-8"?>
+<file path=customXml/item11.xml><?xml version="1.0" encoding="utf-8"?>
 <Control xmlns="http://schemas.microsoft.com/VisualStudio/2011/storyboarding/control">
   <Id Name="d69996e1-3d61-4686-9b63-f1b855c596ab" Revision="1" Stencil="7276b9ef-3953-4dce-a89b-ed85f20b8b93" StencilVersion="1.0"/>
 </Control>
 </file>
 
-<file path=customXml/item14.xml><?xml version="1.0" encoding="utf-8"?>
+<file path=customXml/item12.xml><?xml version="1.0" encoding="utf-8"?>
 <p:properties xmlns:p="http://schemas.microsoft.com/office/2006/metadata/properties" xmlns:xsi="http://www.w3.org/2001/XMLSchema-instance" xmlns:pc="http://schemas.microsoft.com/office/infopath/2007/PartnerControls">
   <documentManagement>
     <SharedWithUsers xmlns="83cd2334-221a-48c3-9034-bfd1542dfe28">
@@ -46365,6 +46353,24 @@
 </p:properties>
 </file>
 
+<file path=customXml/item13.xml><?xml version="1.0" encoding="utf-8"?>
+<?mso-contentType ?>
+<FormTemplates xmlns="http://schemas.microsoft.com/sharepoint/v3/contenttype/forms">
+  <Display>DocumentLibraryForm</Display>
+  <Edit>DocumentLibraryForm</Edit>
+  <New>DocumentLibraryForm</New>
+</FormTemplates>
+</file>
+
+<file path=customXml/item14.xml><?xml version="1.0" encoding="utf-8"?>
+<?mso-contentType ?>
+<FormTemplates xmlns="http://schemas.microsoft.com/sharepoint/v3/contenttype/forms">
+  <Display>DocumentLibraryForm</Display>
+  <Edit>DocumentLibraryForm</Edit>
+  <New>DocumentLibraryForm</New>
+</FormTemplates>
+</file>
+
 <file path=customXml/item15.xml><?xml version="1.0" encoding="utf-8"?>
 <?mso-contentType ?>
 <FormTemplates xmlns="http://schemas.microsoft.com/sharepoint/v3/contenttype/forms">
@@ -46376,152 +46382,23 @@
 
 <file path=customXml/item16.xml><?xml version="1.0" encoding="utf-8"?>
 <Control xmlns="http://schemas.microsoft.com/VisualStudio/2011/storyboarding/control">
-  <Id Name="369f9055-6b6c-48b9-9320-5df2d46c430a" Revision="1" Stencil="7276b9ef-3953-4dce-a89b-ed85f20b8b93" StencilVersion="1.0"/>
+  <Id Name="fb22c541-ded0-47fa-8877-83a4c2d16227" Revision="1" Stencil="7276b9ef-3953-4dce-a89b-ed85f20b8b93" StencilVersion="1.0"/>
 </Control>
 </file>
 
 <file path=customXml/item17.xml><?xml version="1.0" encoding="utf-8"?>
 <Control xmlns="http://schemas.microsoft.com/VisualStudio/2011/storyboarding/control">
-  <Id Name="a53d73d2-368b-429e-b817-1324eec1382c" Revision="1" Stencil="7276b9ef-3953-4dce-a89b-ed85f20b8b93" StencilVersion="1.0"/>
+  <Id Name="369f9055-6b6c-48b9-9320-5df2d46c430a" Revision="1" Stencil="7276b9ef-3953-4dce-a89b-ed85f20b8b93" StencilVersion="1.0"/>
 </Control>
 </file>
 
 <file path=customXml/item18.xml><?xml version="1.0" encoding="utf-8"?>
 <Control xmlns="http://schemas.microsoft.com/VisualStudio/2011/storyboarding/control">
-  <Id Name="369f9055-6b6c-48b9-9320-5df2d46c430a" Revision="1" Stencil="7276b9ef-3953-4dce-a89b-ed85f20b8b93" StencilVersion="1.0"/>
+  <Id Name="a53d73d2-368b-429e-b817-1324eec1382c" Revision="1" Stencil="7276b9ef-3953-4dce-a89b-ed85f20b8b93" StencilVersion="1.0"/>
 </Control>
 </file>
 
 <file path=customXml/item19.xml><?xml version="1.0" encoding="utf-8"?>
-<Control xmlns="http://schemas.microsoft.com/VisualStudio/2011/storyboarding/control">
-  <Id Name="d69996e1-3d61-4686-9b63-f1b855c596ab" Revision="1" Stencil="7276b9ef-3953-4dce-a89b-ed85f20b8b93" StencilVersion="1.0"/>
-</Control>
-</file>
-
-<file path=customXml/item2.xml><?xml version="1.0" encoding="utf-8"?>
-<Control xmlns="http://schemas.microsoft.com/VisualStudio/2011/storyboarding/control">
-  <Id Name="a2191c86-fc50-4add-948c-129f6b5a88d8" Revision="1" Stencil="7276b9ef-3953-4dce-a89b-ed85f20b8b93" StencilVersion="1.0"/>
-</Control>
-</file>
-
-<file path=customXml/item20.xml><?xml version="1.0" encoding="utf-8"?>
-<Control xmlns="http://schemas.microsoft.com/VisualStudio/2011/storyboarding/control">
-  <Id Name="fb22c541-ded0-47fa-8877-83a4c2d16227" Revision="1" Stencil="7276b9ef-3953-4dce-a89b-ed85f20b8b93" StencilVersion="1.0"/>
-</Control>
-</file>
-
-<file path=customXml/item21.xml><?xml version="1.0" encoding="utf-8"?>
-<Control xmlns="http://schemas.microsoft.com/VisualStudio/2011/storyboarding/control">
-  <Id Name="fb22c541-ded0-47fa-8877-83a4c2d16227" Revision="1" Stencil="7276b9ef-3953-4dce-a89b-ed85f20b8b93" StencilVersion="1.0"/>
-</Control>
-</file>
-
-<file path=customXml/item22.xml><?xml version="1.0" encoding="utf-8"?>
-<Control xmlns="http://schemas.microsoft.com/VisualStudio/2011/storyboarding/control">
-  <Id Name="a2191c86-fc50-4add-948c-129f6b5a88d8" Revision="1" Stencil="7276b9ef-3953-4dce-a89b-ed85f20b8b93" StencilVersion="1.0"/>
-</Control>
-</file>
-
-<file path=customXml/item23.xml><?xml version="1.0" encoding="utf-8"?>
-<Control xmlns="http://schemas.microsoft.com/VisualStudio/2011/storyboarding/control">
-  <Id Name="fb22c541-ded0-47fa-8877-83a4c2d16227" Revision="1" Stencil="7276b9ef-3953-4dce-a89b-ed85f20b8b93" StencilVersion="1.0"/>
-</Control>
-</file>
-
-<file path=customXml/item24.xml><?xml version="1.0" encoding="utf-8"?>
-<Control xmlns="http://schemas.microsoft.com/VisualStudio/2011/storyboarding/control">
-  <Id Name="369f9055-6b6c-48b9-9320-5df2d46c430a" Revision="1" Stencil="7276b9ef-3953-4dce-a89b-ed85f20b8b93" StencilVersion="1.0"/>
-</Control>
-</file>
-
-<file path=customXml/item25.xml><?xml version="1.0" encoding="utf-8"?>
-<Control xmlns="http://schemas.microsoft.com/VisualStudio/2011/storyboarding/control">
-  <Id Name="d69996e1-3d61-4686-9b63-f1b855c596ab" Revision="1" Stencil="7276b9ef-3953-4dce-a89b-ed85f20b8b93" StencilVersion="1.0"/>
-</Control>
-</file>
-
-<file path=customXml/item26.xml><?xml version="1.0" encoding="utf-8"?>
-<?mso-contentType ?>
-<FormTemplates xmlns="http://schemas.microsoft.com/sharepoint/v3/contenttype/forms">
-  <Display>DocumentLibraryForm</Display>
-  <Edit>DocumentLibraryForm</Edit>
-  <New>DocumentLibraryForm</New>
-</FormTemplates>
-</file>
-
-<file path=customXml/item27.xml><?xml version="1.0" encoding="utf-8"?>
-<Control xmlns="http://schemas.microsoft.com/VisualStudio/2011/storyboarding/control">
-  <Id Name="a2191c86-fc50-4add-948c-129f6b5a88d8" Revision="1" Stencil="7276b9ef-3953-4dce-a89b-ed85f20b8b93" StencilVersion="1.0"/>
-</Control>
-</file>
-
-<file path=customXml/item28.xml><?xml version="1.0" encoding="utf-8"?>
-<Control xmlns="http://schemas.microsoft.com/VisualStudio/2011/storyboarding/control">
-  <Id Name="369f9055-6b6c-48b9-9320-5df2d46c430a" Revision="1" Stencil="7276b9ef-3953-4dce-a89b-ed85f20b8b93" StencilVersion="1.0"/>
-</Control>
-</file>
-
-<file path=customXml/item29.xml><?xml version="1.0" encoding="utf-8"?>
-<Control xmlns="http://schemas.microsoft.com/VisualStudio/2011/storyboarding/control">
-  <Id Name="d69996e1-3d61-4686-9b63-f1b855c596ab" Revision="1" Stencil="7276b9ef-3953-4dce-a89b-ed85f20b8b93" StencilVersion="1.0"/>
-</Control>
-</file>
-
-<file path=customXml/item3.xml><?xml version="1.0" encoding="utf-8"?>
-<Control xmlns="http://schemas.microsoft.com/VisualStudio/2011/storyboarding/control">
-  <Id Name="369f9055-6b6c-48b9-9320-5df2d46c430a" Revision="1" Stencil="7276b9ef-3953-4dce-a89b-ed85f20b8b93" StencilVersion="1.0"/>
-</Control>
-</file>
-
-<file path=customXml/item30.xml><?xml version="1.0" encoding="utf-8"?>
-<Control xmlns="http://schemas.microsoft.com/VisualStudio/2011/storyboarding/control">
-  <Id Name="a2191c86-fc50-4add-948c-129f6b5a88d8" Revision="1" Stencil="7276b9ef-3953-4dce-a89b-ed85f20b8b93" StencilVersion="1.0"/>
-</Control>
-</file>
-
-<file path=customXml/item31.xml><?xml version="1.0" encoding="utf-8"?>
-<?mso-contentType ?>
-<FormTemplates xmlns="http://schemas.microsoft.com/sharepoint/v3/contenttype/forms">
-  <Display>DocumentLibraryForm</Display>
-  <Edit>DocumentLibraryForm</Edit>
-  <New>DocumentLibraryForm</New>
-</FormTemplates>
-</file>
-
-<file path=customXml/item32.xml><?xml version="1.0" encoding="utf-8"?>
-<Control xmlns="http://schemas.microsoft.com/VisualStudio/2011/storyboarding/control">
-  <Id Name="d69996e1-3d61-4686-9b63-f1b855c596ab" Revision="1" Stencil="7276b9ef-3953-4dce-a89b-ed85f20b8b93" StencilVersion="1.0"/>
-</Control>
-</file>
-
-<file path=customXml/item33.xml><?xml version="1.0" encoding="utf-8"?>
-<Control xmlns="http://schemas.microsoft.com/VisualStudio/2011/storyboarding/control">
-  <Id Name="a2191c86-fc50-4add-948c-129f6b5a88d8" Revision="1" Stencil="7276b9ef-3953-4dce-a89b-ed85f20b8b93" StencilVersion="1.0"/>
-</Control>
-</file>
-
-<file path=customXml/item34.xml><?xml version="1.0" encoding="utf-8"?>
-<?mso-contentType ?>
-<FormTemplates xmlns="http://schemas.microsoft.com/sharepoint/v3/contenttype/forms">
-  <Display>DocumentLibraryForm</Display>
-  <Edit>DocumentLibraryForm</Edit>
-  <New>DocumentLibraryForm</New>
-</FormTemplates>
-</file>
-
-<file path=customXml/item35.xml><?xml version="1.0" encoding="utf-8"?>
-<Control xmlns="http://schemas.microsoft.com/VisualStudio/2011/storyboarding/control">
-  <Id Name="369f9055-6b6c-48b9-9320-5df2d46c430a" Revision="1" Stencil="7276b9ef-3953-4dce-a89b-ed85f20b8b93" StencilVersion="1.0"/>
-</Control>
-</file>
-
-<file path=customXml/item36.xml><?xml version="1.0" encoding="utf-8"?>
-<Control xmlns="http://schemas.microsoft.com/VisualStudio/2011/storyboarding/control">
-  <Id Name="a53d73d2-368b-429e-b817-1324eec1382c" Revision="1" Stencil="7276b9ef-3953-4dce-a89b-ed85f20b8b93" StencilVersion="1.0"/>
-</Control>
-</file>
-
-<file path=customXml/item37.xml><?xml version="1.0" encoding="utf-8"?>
 <p:properties xmlns:p="http://schemas.microsoft.com/office/2006/metadata/properties" xmlns:xsi="http://www.w3.org/2001/XMLSchema-instance" xmlns:pc="http://schemas.microsoft.com/office/infopath/2007/PartnerControls">
   <documentManagement>
     <SharedWithUsers xmlns="83cd2334-221a-48c3-9034-bfd1542dfe28">
@@ -46545,25 +46422,19 @@
 </p:properties>
 </file>
 
-<file path=customXml/item38.xml><?xml version="1.0" encoding="utf-8"?>
+<file path=customXml/item2.xml><?xml version="1.0" encoding="utf-8"?>
 <Control xmlns="http://schemas.microsoft.com/VisualStudio/2011/storyboarding/control">
-  <Id Name="a53d73d2-368b-429e-b817-1324eec1382c" Revision="1" Stencil="7276b9ef-3953-4dce-a89b-ed85f20b8b93" StencilVersion="1.0"/>
+  <Id Name="a2191c86-fc50-4add-948c-129f6b5a88d8" Revision="1" Stencil="7276b9ef-3953-4dce-a89b-ed85f20b8b93" StencilVersion="1.0"/>
 </Control>
 </file>
 
-<file path=customXml/item39.xml><?xml version="1.0" encoding="utf-8"?>
-<Control xmlns="http://schemas.microsoft.com/VisualStudio/2011/storyboarding/control">
-  <Id Name="fb22c541-ded0-47fa-8877-83a4c2d16227" Revision="1" Stencil="7276b9ef-3953-4dce-a89b-ed85f20b8b93" StencilVersion="1.0"/>
-</Control>
-</file>
-
-<file path=customXml/item4.xml><?xml version="1.0" encoding="utf-8"?>
+<file path=customXml/item20.xml><?xml version="1.0" encoding="utf-8"?>
 <Control xmlns="http://schemas.microsoft.com/VisualStudio/2011/storyboarding/control">
   <Id Name="d69996e1-3d61-4686-9b63-f1b855c596ab" Revision="1" Stencil="7276b9ef-3953-4dce-a89b-ed85f20b8b93" StencilVersion="1.0"/>
 </Control>
 </file>
 
-<file path=customXml/item40.xml><?xml version="1.0" encoding="utf-8"?>
+<file path=customXml/item21.xml><?xml version="1.0" encoding="utf-8"?>
 <?mso-contentType ?>
 <FormTemplates xmlns="http://schemas.microsoft.com/sharepoint/v3/contenttype/forms">
   <Display>DocumentLibraryForm</Display>
@@ -46572,7 +46443,19 @@
 </FormTemplates>
 </file>
 
-<file path=customXml/item41.xml><?xml version="1.0" encoding="utf-8"?>
+<file path=customXml/item22.xml><?xml version="1.0" encoding="utf-8"?>
+<Control xmlns="http://schemas.microsoft.com/VisualStudio/2011/storyboarding/control">
+  <Id Name="d69996e1-3d61-4686-9b63-f1b855c596ab" Revision="1" Stencil="7276b9ef-3953-4dce-a89b-ed85f20b8b93" StencilVersion="1.0"/>
+</Control>
+</file>
+
+<file path=customXml/item23.xml><?xml version="1.0" encoding="utf-8"?>
+<Control xmlns="http://schemas.microsoft.com/VisualStudio/2011/storyboarding/control">
+  <Id Name="fb22c541-ded0-47fa-8877-83a4c2d16227" Revision="1" Stencil="7276b9ef-3953-4dce-a89b-ed85f20b8b93" StencilVersion="1.0"/>
+</Control>
+</file>
+
+<file path=customXml/item24.xml><?xml version="1.0" encoding="utf-8"?>
 <p:properties xmlns:p="http://schemas.microsoft.com/office/2006/metadata/properties" xmlns:xsi="http://www.w3.org/2001/XMLSchema-instance" xmlns:pc="http://schemas.microsoft.com/office/infopath/2007/PartnerControls">
   <documentManagement>
     <SharedWithUsers xmlns="83cd2334-221a-48c3-9034-bfd1542dfe28">
@@ -46596,19 +46479,115 @@
 </p:properties>
 </file>
 
-<file path=customXml/item42.xml><?xml version="1.0" encoding="utf-8"?>
+<file path=customXml/item25.xml><?xml version="1.0" encoding="utf-8"?>
 <Control xmlns="http://schemas.microsoft.com/VisualStudio/2011/storyboarding/control">
-  <Id Name="fb22c541-ded0-47fa-8877-83a4c2d16227" Revision="1" Stencil="7276b9ef-3953-4dce-a89b-ed85f20b8b93" StencilVersion="1.0"/>
+  <Id Name="a2191c86-fc50-4add-948c-129f6b5a88d8" Revision="1" Stencil="7276b9ef-3953-4dce-a89b-ed85f20b8b93" StencilVersion="1.0"/>
 </Control>
 </file>
 
-<file path=customXml/item43.xml><?xml version="1.0" encoding="utf-8"?>
+<file path=customXml/item26.xml><?xml version="1.0" encoding="utf-8"?>
+<Control xmlns="http://schemas.microsoft.com/VisualStudio/2011/storyboarding/control">
+  <Id Name="a2191c86-fc50-4add-948c-129f6b5a88d8" Revision="1" Stencil="7276b9ef-3953-4dce-a89b-ed85f20b8b93" StencilVersion="1.0"/>
+</Control>
+</file>
+
+<file path=customXml/item27.xml><?xml version="1.0" encoding="utf-8"?>
+<Control xmlns="http://schemas.microsoft.com/VisualStudio/2011/storyboarding/control">
+  <Id Name="a2191c86-fc50-4add-948c-129f6b5a88d8" Revision="1" Stencil="7276b9ef-3953-4dce-a89b-ed85f20b8b93" StencilVersion="1.0"/>
+</Control>
+</file>
+
+<file path=customXml/item28.xml><?xml version="1.0" encoding="utf-8"?>
+<Control xmlns="http://schemas.microsoft.com/VisualStudio/2011/storyboarding/control">
+  <Id Name="369f9055-6b6c-48b9-9320-5df2d46c430a" Revision="1" Stencil="7276b9ef-3953-4dce-a89b-ed85f20b8b93" StencilVersion="1.0"/>
+</Control>
+</file>
+
+<file path=customXml/item29.xml><?xml version="1.0" encoding="utf-8"?>
 <Control xmlns="http://schemas.microsoft.com/VisualStudio/2011/storyboarding/control">
   <Id Name="a53d73d2-368b-429e-b817-1324eec1382c" Revision="1" Stencil="7276b9ef-3953-4dce-a89b-ed85f20b8b93" StencilVersion="1.0"/>
 </Control>
 </file>
 
-<file path=customXml/item5.xml><?xml version="1.0" encoding="utf-8"?>
+<file path=customXml/item3.xml><?xml version="1.0" encoding="utf-8"?>
+<Control xmlns="http://schemas.microsoft.com/VisualStudio/2011/storyboarding/control">
+  <Id Name="369f9055-6b6c-48b9-9320-5df2d46c430a" Revision="1" Stencil="7276b9ef-3953-4dce-a89b-ed85f20b8b93" StencilVersion="1.0"/>
+</Control>
+</file>
+
+<file path=customXml/item30.xml><?xml version="1.0" encoding="utf-8"?>
+<p:properties xmlns:p="http://schemas.microsoft.com/office/2006/metadata/properties" xmlns:xsi="http://www.w3.org/2001/XMLSchema-instance" xmlns:pc="http://schemas.microsoft.com/office/infopath/2007/PartnerControls">
+  <documentManagement>
+    <SharedWithUsers xmlns="83cd2334-221a-48c3-9034-bfd1542dfe28">
+      <UserInfo>
+        <DisplayName>Gilad Turbahn</DisplayName>
+        <AccountId>511</AccountId>
+        <AccountType/>
+      </UserInfo>
+      <UserInfo>
+        <DisplayName>Keith Boyd</DisplayName>
+        <AccountId>993</AccountId>
+        <AccountType/>
+      </UserInfo>
+      <UserInfo>
+        <DisplayName>Christopher Harrison</DisplayName>
+        <AccountId>1176</AccountId>
+        <AccountType/>
+      </UserInfo>
+    </SharedWithUsers>
+  </documentManagement>
+</p:properties>
+</file>
+
+<file path=customXml/item31.xml><?xml version="1.0" encoding="utf-8"?>
+<Control xmlns="http://schemas.microsoft.com/VisualStudio/2011/storyboarding/control">
+  <Id Name="369f9055-6b6c-48b9-9320-5df2d46c430a" Revision="1" Stencil="7276b9ef-3953-4dce-a89b-ed85f20b8b93" StencilVersion="1.0"/>
+</Control>
+</file>
+
+<file path=customXml/item32.xml><?xml version="1.0" encoding="utf-8"?>
+<Control xmlns="http://schemas.microsoft.com/VisualStudio/2011/storyboarding/control">
+  <Id Name="a53d73d2-368b-429e-b817-1324eec1382c" Revision="1" Stencil="7276b9ef-3953-4dce-a89b-ed85f20b8b93" StencilVersion="1.0"/>
+</Control>
+</file>
+
+<file path=customXml/item33.xml><?xml version="1.0" encoding="utf-8"?>
+<Control xmlns="http://schemas.microsoft.com/VisualStudio/2011/storyboarding/control">
+  <Id Name="a53d73d2-368b-429e-b817-1324eec1382c" Revision="1" Stencil="7276b9ef-3953-4dce-a89b-ed85f20b8b93" StencilVersion="1.0"/>
+</Control>
+</file>
+
+<file path=customXml/item34.xml><?xml version="1.0" encoding="utf-8"?>
+<Control xmlns="http://schemas.microsoft.com/VisualStudio/2011/storyboarding/control">
+  <Id Name="d69996e1-3d61-4686-9b63-f1b855c596ab" Revision="1" Stencil="7276b9ef-3953-4dce-a89b-ed85f20b8b93" StencilVersion="1.0"/>
+</Control>
+</file>
+
+<file path=customXml/item35.xml><?xml version="1.0" encoding="utf-8"?>
+<Control xmlns="http://schemas.microsoft.com/VisualStudio/2011/storyboarding/control">
+  <Id Name="a2191c86-fc50-4add-948c-129f6b5a88d8" Revision="1" Stencil="7276b9ef-3953-4dce-a89b-ed85f20b8b93" StencilVersion="1.0"/>
+</Control>
+</file>
+
+<file path=customXml/item36.xml><?xml version="1.0" encoding="utf-8"?>
+<Control xmlns="http://schemas.microsoft.com/VisualStudio/2011/storyboarding/control">
+  <Id Name="a53d73d2-368b-429e-b817-1324eec1382c" Revision="1" Stencil="7276b9ef-3953-4dce-a89b-ed85f20b8b93" StencilVersion="1.0"/>
+</Control>
+</file>
+
+<file path=customXml/item37.xml><?xml version="1.0" encoding="utf-8"?>
+<Control xmlns="http://schemas.microsoft.com/VisualStudio/2011/storyboarding/control">
+  <Id Name="d69996e1-3d61-4686-9b63-f1b855c596ab" Revision="1" Stencil="7276b9ef-3953-4dce-a89b-ed85f20b8b93" StencilVersion="1.0"/>
+</Control>
+</file>
+
+<file path=customXml/item38.xml><?xml version="1.0" encoding="utf-8"?>
+<Control xmlns="http://schemas.microsoft.com/VisualStudio/2011/storyboarding/control">
+  <Id Name="369f9055-6b6c-48b9-9320-5df2d46c430a" Revision="1" Stencil="7276b9ef-3953-4dce-a89b-ed85f20b8b93" StencilVersion="1.0"/>
+</Control>
+</file>
+
+<file path=customXml/item39.xml><?xml version="1.0" encoding="utf-8"?>
 <?mso-contentType ?>
 <FormTemplates xmlns="http://schemas.microsoft.com/sharepoint/v3/contenttype/forms">
   <Display>DocumentLibraryForm</Display>
@@ -46617,7 +46596,76 @@
 </FormTemplates>
 </file>
 
+<file path=customXml/item4.xml><?xml version="1.0" encoding="utf-8"?>
+<Control xmlns="http://schemas.microsoft.com/VisualStudio/2011/storyboarding/control">
+  <Id Name="fb22c541-ded0-47fa-8877-83a4c2d16227" Revision="1" Stencil="7276b9ef-3953-4dce-a89b-ed85f20b8b93" StencilVersion="1.0"/>
+</Control>
+</file>
+
+<file path=customXml/item40.xml><?xml version="1.0" encoding="utf-8"?>
+<Control xmlns="http://schemas.microsoft.com/VisualStudio/2011/storyboarding/control">
+  <Id Name="fb22c541-ded0-47fa-8877-83a4c2d16227" Revision="1" Stencil="7276b9ef-3953-4dce-a89b-ed85f20b8b93" StencilVersion="1.0"/>
+</Control>
+</file>
+
+<file path=customXml/item41.xml><?xml version="1.0" encoding="utf-8"?>
+<Control xmlns="http://schemas.microsoft.com/VisualStudio/2011/storyboarding/control">
+  <Id Name="fb22c541-ded0-47fa-8877-83a4c2d16227" Revision="1" Stencil="7276b9ef-3953-4dce-a89b-ed85f20b8b93" StencilVersion="1.0"/>
+</Control>
+</file>
+
+<file path=customXml/item42.xml><?xml version="1.0" encoding="utf-8"?>
+<?mso-contentType ?>
+<FormTemplates xmlns="http://schemas.microsoft.com/sharepoint/v3/contenttype/forms">
+  <Display>DocumentLibraryForm</Display>
+  <Edit>DocumentLibraryForm</Edit>
+  <New>DocumentLibraryForm</New>
+</FormTemplates>
+</file>
+
+<file path=customXml/item43.xml><?xml version="1.0" encoding="utf-8"?>
+<Control xmlns="http://schemas.microsoft.com/VisualStudio/2011/storyboarding/control">
+  <Id Name="fb22c541-ded0-47fa-8877-83a4c2d16227" Revision="1" Stencil="7276b9ef-3953-4dce-a89b-ed85f20b8b93" StencilVersion="1.0"/>
+</Control>
+</file>
+
+<file path=customXml/item5.xml><?xml version="1.0" encoding="utf-8"?>
+<Control xmlns="http://schemas.microsoft.com/VisualStudio/2011/storyboarding/control">
+  <Id Name="d69996e1-3d61-4686-9b63-f1b855c596ab" Revision="1" Stencil="7276b9ef-3953-4dce-a89b-ed85f20b8b93" StencilVersion="1.0"/>
+</Control>
+</file>
+
 <file path=customXml/item6.xml><?xml version="1.0" encoding="utf-8"?>
+<p:properties xmlns:p="http://schemas.microsoft.com/office/2006/metadata/properties" xmlns:xsi="http://www.w3.org/2001/XMLSchema-instance" xmlns:pc="http://schemas.microsoft.com/office/infopath/2007/PartnerControls">
+  <documentManagement>
+    <SharedWithUsers xmlns="83cd2334-221a-48c3-9034-bfd1542dfe28">
+      <UserInfo>
+        <DisplayName>Gilad Turbahn</DisplayName>
+        <AccountId>511</AccountId>
+        <AccountType/>
+      </UserInfo>
+      <UserInfo>
+        <DisplayName>Keith Boyd</DisplayName>
+        <AccountId>993</AccountId>
+        <AccountType/>
+      </UserInfo>
+      <UserInfo>
+        <DisplayName>Christopher Harrison</DisplayName>
+        <AccountId>1176</AccountId>
+        <AccountType/>
+      </UserInfo>
+    </SharedWithUsers>
+  </documentManagement>
+</p:properties>
+</file>
+
+<file path=customXml/item7.xml><?xml version="1.0" encoding="utf-8"?>
+<Control xmlns="http://schemas.microsoft.com/VisualStudio/2011/storyboarding/control">
+  <Id Name="a53d73d2-368b-429e-b817-1324eec1382c" Revision="1" Stencil="7276b9ef-3953-4dce-a89b-ed85f20b8b93" StencilVersion="1.0"/>
+</Control>
+</file>
+
+<file path=customXml/item8.xml><?xml version="1.0" encoding="utf-8"?>
 <ct:contentTypeSchema xmlns:ct="http://schemas.microsoft.com/office/2006/metadata/contentType" xmlns:ma="http://schemas.microsoft.com/office/2006/metadata/properties/metaAttributes" ct:_="" ma:_="" ma:contentTypeName="Document" ma:contentTypeID="0x010100674EDBEC711BD14FBA6FF5C10FEFEAC7" ma:contentTypeVersion="2" ma:contentTypeDescription="Create a new document." ma:contentTypeScope="" ma:versionID="2439c5e21841780d4f192983b535a097">
   <xsd:schema xmlns:xsd="http://www.w3.org/2001/XMLSchema" xmlns:xs="http://www.w3.org/2001/XMLSchema" xmlns:p="http://schemas.microsoft.com/office/2006/metadata/properties" xmlns:ns2="83cd2334-221a-48c3-9034-bfd1542dfe28" targetNamespace="http://schemas.microsoft.com/office/2006/metadata/properties" ma:root="true" ma:fieldsID="2bca9163d8d0b233c3086236a9289b04" ns2:_="">
     <xsd:import namespace="83cd2334-221a-48c3-9034-bfd1542dfe28"/>
@@ -46765,70 +46813,14 @@
 </ct:contentTypeSchema>
 </file>
 
-<file path=customXml/item7.xml><?xml version="1.0" encoding="utf-8"?>
-<p:properties xmlns:p="http://schemas.microsoft.com/office/2006/metadata/properties" xmlns:xsi="http://www.w3.org/2001/XMLSchema-instance" xmlns:pc="http://schemas.microsoft.com/office/infopath/2007/PartnerControls">
-  <documentManagement>
-    <SharedWithUsers xmlns="83cd2334-221a-48c3-9034-bfd1542dfe28">
-      <UserInfo>
-        <DisplayName>Gilad Turbahn</DisplayName>
-        <AccountId>511</AccountId>
-        <AccountType/>
-      </UserInfo>
-      <UserInfo>
-        <DisplayName>Keith Boyd</DisplayName>
-        <AccountId>993</AccountId>
-        <AccountType/>
-      </UserInfo>
-      <UserInfo>
-        <DisplayName>Christopher Harrison</DisplayName>
-        <AccountId>1176</AccountId>
-        <AccountType/>
-      </UserInfo>
-    </SharedWithUsers>
-  </documentManagement>
-</p:properties>
-</file>
-
-<file path=customXml/item8.xml><?xml version="1.0" encoding="utf-8"?>
-<p:properties xmlns:p="http://schemas.microsoft.com/office/2006/metadata/properties" xmlns:xsi="http://www.w3.org/2001/XMLSchema-instance" xmlns:pc="http://schemas.microsoft.com/office/infopath/2007/PartnerControls">
-  <documentManagement>
-    <SharedWithUsers xmlns="83cd2334-221a-48c3-9034-bfd1542dfe28">
-      <UserInfo>
-        <DisplayName>Gilad Turbahn</DisplayName>
-        <AccountId>511</AccountId>
-        <AccountType/>
-      </UserInfo>
-      <UserInfo>
-        <DisplayName>Keith Boyd</DisplayName>
-        <AccountId>993</AccountId>
-        <AccountType/>
-      </UserInfo>
-      <UserInfo>
-        <DisplayName>Christopher Harrison</DisplayName>
-        <AccountId>1176</AccountId>
-        <AccountType/>
-      </UserInfo>
-    </SharedWithUsers>
-  </documentManagement>
-</p:properties>
-</file>
-
 <file path=customXml/item9.xml><?xml version="1.0" encoding="utf-8"?>
 <Control xmlns="http://schemas.microsoft.com/VisualStudio/2011/storyboarding/control">
-  <Id Name="fb22c541-ded0-47fa-8877-83a4c2d16227" Revision="1" Stencil="7276b9ef-3953-4dce-a89b-ed85f20b8b93" StencilVersion="1.0"/>
+  <Id Name="a2191c86-fc50-4add-948c-129f6b5a88d8" Revision="1" Stencil="7276b9ef-3953-4dce-a89b-ed85f20b8b93" StencilVersion="1.0"/>
 </Control>
 </file>
 
 <file path=customXml/itemProps1.xml><?xml version="1.0" encoding="utf-8"?>
-<ds:datastoreItem xmlns:ds="http://schemas.openxmlformats.org/officeDocument/2006/customXml" ds:itemID="{4E805D65-1532-4BB0-8F41-8013167C0009}">
-  <ds:schemaRefs>
-    <ds:schemaRef ds:uri="http://schemas.microsoft.com/VisualStudio/2011/storyboarding/control"/>
-  </ds:schemaRefs>
-</ds:datastoreItem>
-</file>
-
-<file path=customXml/itemProps10.xml><?xml version="1.0" encoding="utf-8"?>
-<ds:datastoreItem xmlns:ds="http://schemas.openxmlformats.org/officeDocument/2006/customXml" ds:itemID="{89F12441-1AE5-4DE5-9A31-72CE5A70E428}">
+<ds:datastoreItem xmlns:ds="http://schemas.openxmlformats.org/officeDocument/2006/customXml" ds:itemID="{F990F116-B58F-4255-B05B-DA3808E0E5C6}">
   <ds:schemaRefs>
     <ds:schemaRef ds:uri="http://schemas.microsoft.com/office/2006/metadata/properties"/>
     <ds:schemaRef ds:uri="http://schemas.microsoft.com/office/infopath/2007/PartnerControls"/>
@@ -46837,8 +46829,16 @@
 </ds:datastoreItem>
 </file>
 
+<file path=customXml/itemProps10.xml><?xml version="1.0" encoding="utf-8"?>
+<ds:datastoreItem xmlns:ds="http://schemas.openxmlformats.org/officeDocument/2006/customXml" ds:itemID="{08C4EE12-DF69-4FFC-9E40-C7991F3490A6}">
+  <ds:schemaRefs>
+    <ds:schemaRef ds:uri="http://schemas.microsoft.com/VisualStudio/2011/storyboarding/control"/>
+  </ds:schemaRefs>
+</ds:datastoreItem>
+</file>
+
 <file path=customXml/itemProps11.xml><?xml version="1.0" encoding="utf-8"?>
-<ds:datastoreItem xmlns:ds="http://schemas.openxmlformats.org/officeDocument/2006/customXml" ds:itemID="{D4B5F268-5930-44CD-BDF1-D0A04D4BBC1C}">
+<ds:datastoreItem xmlns:ds="http://schemas.openxmlformats.org/officeDocument/2006/customXml" ds:itemID="{3DC6CABD-46E1-4C27-A0B3-616DC56F8E5C}">
   <ds:schemaRefs>
     <ds:schemaRef ds:uri="http://schemas.microsoft.com/VisualStudio/2011/storyboarding/control"/>
   </ds:schemaRefs>
@@ -46846,27 +46846,27 @@
 </file>
 
 <file path=customXml/itemProps12.xml><?xml version="1.0" encoding="utf-8"?>
-<ds:datastoreItem xmlns:ds="http://schemas.openxmlformats.org/officeDocument/2006/customXml" ds:itemID="{ED350DFE-2319-4AB0-BC96-1D36D125365A}">
+<ds:datastoreItem xmlns:ds="http://schemas.openxmlformats.org/officeDocument/2006/customXml" ds:itemID="{473A6A21-7521-4B81-9336-9B587BA12275}">
   <ds:schemaRefs>
-    <ds:schemaRef ds:uri="http://schemas.microsoft.com/VisualStudio/2011/storyboarding/control"/>
+    <ds:schemaRef ds:uri="http://schemas.microsoft.com/office/2006/metadata/properties"/>
+    <ds:schemaRef ds:uri="http://schemas.microsoft.com/office/infopath/2007/PartnerControls"/>
+    <ds:schemaRef ds:uri="83cd2334-221a-48c3-9034-bfd1542dfe28"/>
   </ds:schemaRefs>
 </ds:datastoreItem>
 </file>
 
 <file path=customXml/itemProps13.xml><?xml version="1.0" encoding="utf-8"?>
-<ds:datastoreItem xmlns:ds="http://schemas.openxmlformats.org/officeDocument/2006/customXml" ds:itemID="{67213E6F-7B96-4222-888B-63710B06D885}">
+<ds:datastoreItem xmlns:ds="http://schemas.openxmlformats.org/officeDocument/2006/customXml" ds:itemID="{A68A9449-FA01-4226-9BF1-93D644A9D829}">
   <ds:schemaRefs>
-    <ds:schemaRef ds:uri="http://schemas.microsoft.com/VisualStudio/2011/storyboarding/control"/>
+    <ds:schemaRef ds:uri="http://schemas.microsoft.com/sharepoint/v3/contenttype/forms"/>
   </ds:schemaRefs>
 </ds:datastoreItem>
 </file>
 
 <file path=customXml/itemProps14.xml><?xml version="1.0" encoding="utf-8"?>
-<ds:datastoreItem xmlns:ds="http://schemas.openxmlformats.org/officeDocument/2006/customXml" ds:itemID="{DD228CD4-1C93-4EFE-9A88-31B415F02594}">
+<ds:datastoreItem xmlns:ds="http://schemas.openxmlformats.org/officeDocument/2006/customXml" ds:itemID="{3B5E259B-2631-4B7B-A028-7E89B051B64C}">
   <ds:schemaRefs>
-    <ds:schemaRef ds:uri="http://schemas.microsoft.com/office/2006/metadata/properties"/>
-    <ds:schemaRef ds:uri="http://schemas.microsoft.com/office/infopath/2007/PartnerControls"/>
-    <ds:schemaRef ds:uri="83cd2334-221a-48c3-9034-bfd1542dfe28"/>
+    <ds:schemaRef ds:uri="http://schemas.microsoft.com/sharepoint/v3/contenttype/forms"/>
   </ds:schemaRefs>
 </ds:datastoreItem>
 </file>
@@ -46880,7 +46880,7 @@
 </file>
 
 <file path=customXml/itemProps16.xml><?xml version="1.0" encoding="utf-8"?>
-<ds:datastoreItem xmlns:ds="http://schemas.openxmlformats.org/officeDocument/2006/customXml" ds:itemID="{FE651ABA-5DC1-4ABD-A06E-055AE54B337B}">
+<ds:datastoreItem xmlns:ds="http://schemas.openxmlformats.org/officeDocument/2006/customXml" ds:itemID="{4C1B3C27-4803-4D72-A3F8-6668A3F0A24B}">
   <ds:schemaRefs>
     <ds:schemaRef ds:uri="http://schemas.microsoft.com/VisualStudio/2011/storyboarding/control"/>
   </ds:schemaRefs>
@@ -46888,7 +46888,7 @@
 </file>
 
 <file path=customXml/itemProps17.xml><?xml version="1.0" encoding="utf-8"?>
-<ds:datastoreItem xmlns:ds="http://schemas.openxmlformats.org/officeDocument/2006/customXml" ds:itemID="{8893E80D-6D0C-4E0F-AA22-E5615BB87E5B}">
+<ds:datastoreItem xmlns:ds="http://schemas.openxmlformats.org/officeDocument/2006/customXml" ds:itemID="{38217AA1-CC95-49A9-B284-2ED4D347D7CA}">
   <ds:schemaRefs>
     <ds:schemaRef ds:uri="http://schemas.microsoft.com/VisualStudio/2011/storyboarding/control"/>
   </ds:schemaRefs>
@@ -46896,7 +46896,7 @@
 </file>
 
 <file path=customXml/itemProps18.xml><?xml version="1.0" encoding="utf-8"?>
-<ds:datastoreItem xmlns:ds="http://schemas.openxmlformats.org/officeDocument/2006/customXml" ds:itemID="{7959CC6A-F423-4783-B968-3BCC86A7394E}">
+<ds:datastoreItem xmlns:ds="http://schemas.openxmlformats.org/officeDocument/2006/customXml" ds:itemID="{21F6B647-976A-41D0-B760-9DF9DFC6AE3C}">
   <ds:schemaRefs>
     <ds:schemaRef ds:uri="http://schemas.microsoft.com/VisualStudio/2011/storyboarding/control"/>
   </ds:schemaRefs>
@@ -46904,9 +46904,11 @@
 </file>
 
 <file path=customXml/itemProps19.xml><?xml version="1.0" encoding="utf-8"?>
-<ds:datastoreItem xmlns:ds="http://schemas.openxmlformats.org/officeDocument/2006/customXml" ds:itemID="{366CA990-F93D-4100-9654-65D9E30F4E1C}">
+<ds:datastoreItem xmlns:ds="http://schemas.openxmlformats.org/officeDocument/2006/customXml" ds:itemID="{89F12441-1AE5-4DE5-9A31-72CE5A70E428}">
   <ds:schemaRefs>
-    <ds:schemaRef ds:uri="http://schemas.microsoft.com/VisualStudio/2011/storyboarding/control"/>
+    <ds:schemaRef ds:uri="http://schemas.microsoft.com/office/2006/metadata/properties"/>
+    <ds:schemaRef ds:uri="http://schemas.microsoft.com/office/infopath/2007/PartnerControls"/>
+    <ds:schemaRef ds:uri="83cd2334-221a-48c3-9034-bfd1542dfe28"/>
   </ds:schemaRefs>
 </ds:datastoreItem>
 </file>
@@ -46920,7 +46922,7 @@
 </file>
 
 <file path=customXml/itemProps20.xml><?xml version="1.0" encoding="utf-8"?>
-<ds:datastoreItem xmlns:ds="http://schemas.openxmlformats.org/officeDocument/2006/customXml" ds:itemID="{D6FEE829-2115-45B4-8110-670FD454542B}">
+<ds:datastoreItem xmlns:ds="http://schemas.openxmlformats.org/officeDocument/2006/customXml" ds:itemID="{366CA990-F93D-4100-9654-65D9E30F4E1C}">
   <ds:schemaRefs>
     <ds:schemaRef ds:uri="http://schemas.microsoft.com/VisualStudio/2011/storyboarding/control"/>
   </ds:schemaRefs>
@@ -46928,15 +46930,15 @@
 </file>
 
 <file path=customXml/itemProps21.xml><?xml version="1.0" encoding="utf-8"?>
-<ds:datastoreItem xmlns:ds="http://schemas.openxmlformats.org/officeDocument/2006/customXml" ds:itemID="{376216F9-AF6B-4844-AE8C-B9F953F916AB}">
+<ds:datastoreItem xmlns:ds="http://schemas.openxmlformats.org/officeDocument/2006/customXml" ds:itemID="{758FDAC0-319D-4A54-8D8E-1D42CB1F8004}">
   <ds:schemaRefs>
-    <ds:schemaRef ds:uri="http://schemas.microsoft.com/VisualStudio/2011/storyboarding/control"/>
+    <ds:schemaRef ds:uri="http://schemas.microsoft.com/sharepoint/v3/contenttype/forms"/>
   </ds:schemaRefs>
 </ds:datastoreItem>
 </file>
 
 <file path=customXml/itemProps22.xml><?xml version="1.0" encoding="utf-8"?>
-<ds:datastoreItem xmlns:ds="http://schemas.openxmlformats.org/officeDocument/2006/customXml" ds:itemID="{8BD595CA-AC5E-43B9-B966-E468A16E8322}">
+<ds:datastoreItem xmlns:ds="http://schemas.openxmlformats.org/officeDocument/2006/customXml" ds:itemID="{C63AC2F0-1DEB-4E91-A88A-7A014A172F4F}">
   <ds:schemaRefs>
     <ds:schemaRef ds:uri="http://schemas.microsoft.com/VisualStudio/2011/storyboarding/control"/>
   </ds:schemaRefs>
@@ -46944,7 +46946,7 @@
 </file>
 
 <file path=customXml/itemProps23.xml><?xml version="1.0" encoding="utf-8"?>
-<ds:datastoreItem xmlns:ds="http://schemas.openxmlformats.org/officeDocument/2006/customXml" ds:itemID="{4C1B3C27-4803-4D72-A3F8-6668A3F0A24B}">
+<ds:datastoreItem xmlns:ds="http://schemas.openxmlformats.org/officeDocument/2006/customXml" ds:itemID="{4E8278DB-3CDD-48A7-992E-A7596AD335B9}">
   <ds:schemaRefs>
     <ds:schemaRef ds:uri="http://schemas.microsoft.com/VisualStudio/2011/storyboarding/control"/>
   </ds:schemaRefs>
@@ -46952,119 +46954,7 @@
 </file>
 
 <file path=customXml/itemProps24.xml><?xml version="1.0" encoding="utf-8"?>
-<ds:datastoreItem xmlns:ds="http://schemas.openxmlformats.org/officeDocument/2006/customXml" ds:itemID="{08C4EE12-DF69-4FFC-9E40-C7991F3490A6}">
-  <ds:schemaRefs>
-    <ds:schemaRef ds:uri="http://schemas.microsoft.com/VisualStudio/2011/storyboarding/control"/>
-  </ds:schemaRefs>
-</ds:datastoreItem>
-</file>
-
-<file path=customXml/itemProps25.xml><?xml version="1.0" encoding="utf-8"?>
-<ds:datastoreItem xmlns:ds="http://schemas.openxmlformats.org/officeDocument/2006/customXml" ds:itemID="{0282FB20-2D4C-459D-8468-77D1D3C6925D}">
-  <ds:schemaRefs>
-    <ds:schemaRef ds:uri="http://schemas.microsoft.com/VisualStudio/2011/storyboarding/control"/>
-  </ds:schemaRefs>
-</ds:datastoreItem>
-</file>
-
-<file path=customXml/itemProps26.xml><?xml version="1.0" encoding="utf-8"?>
-<ds:datastoreItem xmlns:ds="http://schemas.openxmlformats.org/officeDocument/2006/customXml" ds:itemID="{9360AFB9-8F99-4E1B-878D-F2EBABEB164C}">
-  <ds:schemaRefs>
-    <ds:schemaRef ds:uri="http://schemas.microsoft.com/sharepoint/v3/contenttype/forms"/>
-  </ds:schemaRefs>
-</ds:datastoreItem>
-</file>
-
-<file path=customXml/itemProps27.xml><?xml version="1.0" encoding="utf-8"?>
-<ds:datastoreItem xmlns:ds="http://schemas.openxmlformats.org/officeDocument/2006/customXml" ds:itemID="{8257D6BC-B71E-4D95-81E4-A1D4A8174168}">
-  <ds:schemaRefs>
-    <ds:schemaRef ds:uri="http://schemas.microsoft.com/VisualStudio/2011/storyboarding/control"/>
-  </ds:schemaRefs>
-</ds:datastoreItem>
-</file>
-
-<file path=customXml/itemProps28.xml><?xml version="1.0" encoding="utf-8"?>
-<ds:datastoreItem xmlns:ds="http://schemas.openxmlformats.org/officeDocument/2006/customXml" ds:itemID="{38217AA1-CC95-49A9-B284-2ED4D347D7CA}">
-  <ds:schemaRefs>
-    <ds:schemaRef ds:uri="http://schemas.microsoft.com/VisualStudio/2011/storyboarding/control"/>
-  </ds:schemaRefs>
-</ds:datastoreItem>
-</file>
-
-<file path=customXml/itemProps29.xml><?xml version="1.0" encoding="utf-8"?>
-<ds:datastoreItem xmlns:ds="http://schemas.openxmlformats.org/officeDocument/2006/customXml" ds:itemID="{C0F92A87-A216-45A9-B9C0-0515663D35BF}">
-  <ds:schemaRefs>
-    <ds:schemaRef ds:uri="http://schemas.microsoft.com/VisualStudio/2011/storyboarding/control"/>
-  </ds:schemaRefs>
-</ds:datastoreItem>
-</file>
-
-<file path=customXml/itemProps3.xml><?xml version="1.0" encoding="utf-8"?>
-<ds:datastoreItem xmlns:ds="http://schemas.openxmlformats.org/officeDocument/2006/customXml" ds:itemID="{82DB428A-B8F8-483F-8276-095629A8ECDB}">
-  <ds:schemaRefs>
-    <ds:schemaRef ds:uri="http://schemas.microsoft.com/VisualStudio/2011/storyboarding/control"/>
-  </ds:schemaRefs>
-</ds:datastoreItem>
-</file>
-
-<file path=customXml/itemProps30.xml><?xml version="1.0" encoding="utf-8"?>
-<ds:datastoreItem xmlns:ds="http://schemas.openxmlformats.org/officeDocument/2006/customXml" ds:itemID="{4B16F4FE-7C26-4443-B426-81998D23ED87}">
-  <ds:schemaRefs>
-    <ds:schemaRef ds:uri="http://schemas.microsoft.com/VisualStudio/2011/storyboarding/control"/>
-  </ds:schemaRefs>
-</ds:datastoreItem>
-</file>
-
-<file path=customXml/itemProps31.xml><?xml version="1.0" encoding="utf-8"?>
-<ds:datastoreItem xmlns:ds="http://schemas.openxmlformats.org/officeDocument/2006/customXml" ds:itemID="{758FDAC0-319D-4A54-8D8E-1D42CB1F8004}">
-  <ds:schemaRefs>
-    <ds:schemaRef ds:uri="http://schemas.microsoft.com/sharepoint/v3/contenttype/forms"/>
-  </ds:schemaRefs>
-</ds:datastoreItem>
-</file>
-
-<file path=customXml/itemProps32.xml><?xml version="1.0" encoding="utf-8"?>
-<ds:datastoreItem xmlns:ds="http://schemas.openxmlformats.org/officeDocument/2006/customXml" ds:itemID="{3DC6CABD-46E1-4C27-A0B3-616DC56F8E5C}">
-  <ds:schemaRefs>
-    <ds:schemaRef ds:uri="http://schemas.microsoft.com/VisualStudio/2011/storyboarding/control"/>
-  </ds:schemaRefs>
-</ds:datastoreItem>
-</file>
-
-<file path=customXml/itemProps33.xml><?xml version="1.0" encoding="utf-8"?>
-<ds:datastoreItem xmlns:ds="http://schemas.openxmlformats.org/officeDocument/2006/customXml" ds:itemID="{0B54C583-7BAB-4080-8093-C5F84F5A225A}">
-  <ds:schemaRefs>
-    <ds:schemaRef ds:uri="http://schemas.microsoft.com/VisualStudio/2011/storyboarding/control"/>
-  </ds:schemaRefs>
-</ds:datastoreItem>
-</file>
-
-<file path=customXml/itemProps34.xml><?xml version="1.0" encoding="utf-8"?>
-<ds:datastoreItem xmlns:ds="http://schemas.openxmlformats.org/officeDocument/2006/customXml" ds:itemID="{1EF25EC2-965B-4491-9691-6B806C9E3B8B}">
-  <ds:schemaRefs>
-    <ds:schemaRef ds:uri="http://schemas.microsoft.com/sharepoint/v3/contenttype/forms"/>
-  </ds:schemaRefs>
-</ds:datastoreItem>
-</file>
-
-<file path=customXml/itemProps35.xml><?xml version="1.0" encoding="utf-8"?>
-<ds:datastoreItem xmlns:ds="http://schemas.openxmlformats.org/officeDocument/2006/customXml" ds:itemID="{42D603BF-B513-4201-A599-21BA0F4FFC40}">
-  <ds:schemaRefs>
-    <ds:schemaRef ds:uri="http://schemas.microsoft.com/VisualStudio/2011/storyboarding/control"/>
-  </ds:schemaRefs>
-</ds:datastoreItem>
-</file>
-
-<file path=customXml/itemProps36.xml><?xml version="1.0" encoding="utf-8"?>
-<ds:datastoreItem xmlns:ds="http://schemas.openxmlformats.org/officeDocument/2006/customXml" ds:itemID="{21F6B647-976A-41D0-B760-9DF9DFC6AE3C}">
-  <ds:schemaRefs>
-    <ds:schemaRef ds:uri="http://schemas.microsoft.com/VisualStudio/2011/storyboarding/control"/>
-  </ds:schemaRefs>
-</ds:datastoreItem>
-</file>
-
-<file path=customXml/itemProps37.xml><?xml version="1.0" encoding="utf-8"?>
-<ds:datastoreItem xmlns:ds="http://schemas.openxmlformats.org/officeDocument/2006/customXml" ds:itemID="{473A6A21-7521-4B81-9336-9B587BA12275}">
+<ds:datastoreItem xmlns:ds="http://schemas.openxmlformats.org/officeDocument/2006/customXml" ds:itemID="{DD228CD4-1C93-4EFE-9A88-31B415F02594}">
   <ds:schemaRefs>
     <ds:schemaRef ds:uri="http://schemas.microsoft.com/office/2006/metadata/properties"/>
     <ds:schemaRef ds:uri="http://schemas.microsoft.com/office/infopath/2007/PartnerControls"/>
@@ -47073,7 +46963,105 @@
 </ds:datastoreItem>
 </file>
 
-<file path=customXml/itemProps38.xml><?xml version="1.0" encoding="utf-8"?>
+<file path=customXml/itemProps25.xml><?xml version="1.0" encoding="utf-8"?>
+<ds:datastoreItem xmlns:ds="http://schemas.openxmlformats.org/officeDocument/2006/customXml" ds:itemID="{8BD595CA-AC5E-43B9-B966-E468A16E8322}">
+  <ds:schemaRefs>
+    <ds:schemaRef ds:uri="http://schemas.microsoft.com/VisualStudio/2011/storyboarding/control"/>
+  </ds:schemaRefs>
+</ds:datastoreItem>
+</file>
+
+<file path=customXml/itemProps26.xml><?xml version="1.0" encoding="utf-8"?>
+<ds:datastoreItem xmlns:ds="http://schemas.openxmlformats.org/officeDocument/2006/customXml" ds:itemID="{8257D6BC-B71E-4D95-81E4-A1D4A8174168}">
+  <ds:schemaRefs>
+    <ds:schemaRef ds:uri="http://schemas.microsoft.com/VisualStudio/2011/storyboarding/control"/>
+  </ds:schemaRefs>
+</ds:datastoreItem>
+</file>
+
+<file path=customXml/itemProps27.xml><?xml version="1.0" encoding="utf-8"?>
+<ds:datastoreItem xmlns:ds="http://schemas.openxmlformats.org/officeDocument/2006/customXml" ds:itemID="{4B16F4FE-7C26-4443-B426-81998D23ED87}">
+  <ds:schemaRefs>
+    <ds:schemaRef ds:uri="http://schemas.microsoft.com/VisualStudio/2011/storyboarding/control"/>
+  </ds:schemaRefs>
+</ds:datastoreItem>
+</file>
+
+<file path=customXml/itemProps28.xml><?xml version="1.0" encoding="utf-8"?>
+<ds:datastoreItem xmlns:ds="http://schemas.openxmlformats.org/officeDocument/2006/customXml" ds:itemID="{42D603BF-B513-4201-A599-21BA0F4FFC40}">
+  <ds:schemaRefs>
+    <ds:schemaRef ds:uri="http://schemas.microsoft.com/VisualStudio/2011/storyboarding/control"/>
+  </ds:schemaRefs>
+</ds:datastoreItem>
+</file>
+
+<file path=customXml/itemProps29.xml><?xml version="1.0" encoding="utf-8"?>
+<ds:datastoreItem xmlns:ds="http://schemas.openxmlformats.org/officeDocument/2006/customXml" ds:itemID="{6FB9D450-4C47-4A44-8C0D-C78D8A54C46F}">
+  <ds:schemaRefs>
+    <ds:schemaRef ds:uri="http://schemas.microsoft.com/VisualStudio/2011/storyboarding/control"/>
+  </ds:schemaRefs>
+</ds:datastoreItem>
+</file>
+
+<file path=customXml/itemProps3.xml><?xml version="1.0" encoding="utf-8"?>
+<ds:datastoreItem xmlns:ds="http://schemas.openxmlformats.org/officeDocument/2006/customXml" ds:itemID="{FE651ABA-5DC1-4ABD-A06E-055AE54B337B}">
+  <ds:schemaRefs>
+    <ds:schemaRef ds:uri="http://schemas.microsoft.com/VisualStudio/2011/storyboarding/control"/>
+  </ds:schemaRefs>
+</ds:datastoreItem>
+</file>
+
+<file path=customXml/itemProps30.xml><?xml version="1.0" encoding="utf-8"?>
+<ds:datastoreItem xmlns:ds="http://schemas.openxmlformats.org/officeDocument/2006/customXml" ds:itemID="{D2785389-C2C5-4270-958A-D22E6E646BAE}">
+  <ds:schemaRefs>
+    <ds:schemaRef ds:uri="http://schemas.microsoft.com/office/2006/metadata/properties"/>
+    <ds:schemaRef ds:uri="http://schemas.microsoft.com/office/infopath/2007/PartnerControls"/>
+    <ds:schemaRef ds:uri="83cd2334-221a-48c3-9034-bfd1542dfe28"/>
+  </ds:schemaRefs>
+</ds:datastoreItem>
+</file>
+
+<file path=customXml/itemProps31.xml><?xml version="1.0" encoding="utf-8"?>
+<ds:datastoreItem xmlns:ds="http://schemas.openxmlformats.org/officeDocument/2006/customXml" ds:itemID="{82DB428A-B8F8-483F-8276-095629A8ECDB}">
+  <ds:schemaRefs>
+    <ds:schemaRef ds:uri="http://schemas.microsoft.com/VisualStudio/2011/storyboarding/control"/>
+  </ds:schemaRefs>
+</ds:datastoreItem>
+</file>
+
+<file path=customXml/itemProps32.xml><?xml version="1.0" encoding="utf-8"?>
+<ds:datastoreItem xmlns:ds="http://schemas.openxmlformats.org/officeDocument/2006/customXml" ds:itemID="{ED350DFE-2319-4AB0-BC96-1D36D125365A}">
+  <ds:schemaRefs>
+    <ds:schemaRef ds:uri="http://schemas.microsoft.com/VisualStudio/2011/storyboarding/control"/>
+  </ds:schemaRefs>
+</ds:datastoreItem>
+</file>
+
+<file path=customXml/itemProps33.xml><?xml version="1.0" encoding="utf-8"?>
+<ds:datastoreItem xmlns:ds="http://schemas.openxmlformats.org/officeDocument/2006/customXml" ds:itemID="{8893E80D-6D0C-4E0F-AA22-E5615BB87E5B}">
+  <ds:schemaRefs>
+    <ds:schemaRef ds:uri="http://schemas.microsoft.com/VisualStudio/2011/storyboarding/control"/>
+  </ds:schemaRefs>
+</ds:datastoreItem>
+</file>
+
+<file path=customXml/itemProps34.xml><?xml version="1.0" encoding="utf-8"?>
+<ds:datastoreItem xmlns:ds="http://schemas.openxmlformats.org/officeDocument/2006/customXml" ds:itemID="{0282FB20-2D4C-459D-8468-77D1D3C6925D}">
+  <ds:schemaRefs>
+    <ds:schemaRef ds:uri="http://schemas.microsoft.com/VisualStudio/2011/storyboarding/control"/>
+  </ds:schemaRefs>
+</ds:datastoreItem>
+</file>
+
+<file path=customXml/itemProps35.xml><?xml version="1.0" encoding="utf-8"?>
+<ds:datastoreItem xmlns:ds="http://schemas.openxmlformats.org/officeDocument/2006/customXml" ds:itemID="{0B54C583-7BAB-4080-8093-C5F84F5A225A}">
+  <ds:schemaRefs>
+    <ds:schemaRef ds:uri="http://schemas.microsoft.com/VisualStudio/2011/storyboarding/control"/>
+  </ds:schemaRefs>
+</ds:datastoreItem>
+</file>
+
+<file path=customXml/itemProps36.xml><?xml version="1.0" encoding="utf-8"?>
 <ds:datastoreItem xmlns:ds="http://schemas.openxmlformats.org/officeDocument/2006/customXml" ds:itemID="{F68D8396-E21C-4AFF-8FDD-70D00673D0EE}">
   <ds:schemaRefs>
     <ds:schemaRef ds:uri="http://schemas.microsoft.com/VisualStudio/2011/storyboarding/control"/>
@@ -47081,7 +47069,39 @@
 </ds:datastoreItem>
 </file>
 
+<file path=customXml/itemProps37.xml><?xml version="1.0" encoding="utf-8"?>
+<ds:datastoreItem xmlns:ds="http://schemas.openxmlformats.org/officeDocument/2006/customXml" ds:itemID="{67213E6F-7B96-4222-888B-63710B06D885}">
+  <ds:schemaRefs>
+    <ds:schemaRef ds:uri="http://schemas.microsoft.com/VisualStudio/2011/storyboarding/control"/>
+  </ds:schemaRefs>
+</ds:datastoreItem>
+</file>
+
+<file path=customXml/itemProps38.xml><?xml version="1.0" encoding="utf-8"?>
+<ds:datastoreItem xmlns:ds="http://schemas.openxmlformats.org/officeDocument/2006/customXml" ds:itemID="{7959CC6A-F423-4783-B968-3BCC86A7394E}">
+  <ds:schemaRefs>
+    <ds:schemaRef ds:uri="http://schemas.microsoft.com/VisualStudio/2011/storyboarding/control"/>
+  </ds:schemaRefs>
+</ds:datastoreItem>
+</file>
+
 <file path=customXml/itemProps39.xml><?xml version="1.0" encoding="utf-8"?>
+<ds:datastoreItem xmlns:ds="http://schemas.openxmlformats.org/officeDocument/2006/customXml" ds:itemID="{9360AFB9-8F99-4E1B-878D-F2EBABEB164C}">
+  <ds:schemaRefs>
+    <ds:schemaRef ds:uri="http://schemas.microsoft.com/sharepoint/v3/contenttype/forms"/>
+  </ds:schemaRefs>
+</ds:datastoreItem>
+</file>
+
+<file path=customXml/itemProps4.xml><?xml version="1.0" encoding="utf-8"?>
+<ds:datastoreItem xmlns:ds="http://schemas.openxmlformats.org/officeDocument/2006/customXml" ds:itemID="{D6FEE829-2115-45B4-8110-670FD454542B}">
+  <ds:schemaRefs>
+    <ds:schemaRef ds:uri="http://schemas.microsoft.com/VisualStudio/2011/storyboarding/control"/>
+  </ds:schemaRefs>
+</ds:datastoreItem>
+</file>
+
+<file path=customXml/itemProps40.xml><?xml version="1.0" encoding="utf-8"?>
 <ds:datastoreItem xmlns:ds="http://schemas.openxmlformats.org/officeDocument/2006/customXml" ds:itemID="{B5105A87-47B6-44F6-97FD-4619C0556604}">
   <ds:schemaRefs>
     <ds:schemaRef ds:uri="http://schemas.microsoft.com/VisualStudio/2011/storyboarding/control"/>
@@ -47089,23 +47109,39 @@
 </ds:datastoreItem>
 </file>
 
-<file path=customXml/itemProps4.xml><?xml version="1.0" encoding="utf-8"?>
-<ds:datastoreItem xmlns:ds="http://schemas.openxmlformats.org/officeDocument/2006/customXml" ds:itemID="{C63AC2F0-1DEB-4E91-A88A-7A014A172F4F}">
+<file path=customXml/itemProps41.xml><?xml version="1.0" encoding="utf-8"?>
+<ds:datastoreItem xmlns:ds="http://schemas.openxmlformats.org/officeDocument/2006/customXml" ds:itemID="{376216F9-AF6B-4844-AE8C-B9F953F916AB}">
   <ds:schemaRefs>
     <ds:schemaRef ds:uri="http://schemas.microsoft.com/VisualStudio/2011/storyboarding/control"/>
   </ds:schemaRefs>
 </ds:datastoreItem>
 </file>
 
-<file path=customXml/itemProps40.xml><?xml version="1.0" encoding="utf-8"?>
-<ds:datastoreItem xmlns:ds="http://schemas.openxmlformats.org/officeDocument/2006/customXml" ds:itemID="{A68A9449-FA01-4226-9BF1-93D644A9D829}">
+<file path=customXml/itemProps42.xml><?xml version="1.0" encoding="utf-8"?>
+<ds:datastoreItem xmlns:ds="http://schemas.openxmlformats.org/officeDocument/2006/customXml" ds:itemID="{1EF25EC2-965B-4491-9691-6B806C9E3B8B}">
   <ds:schemaRefs>
     <ds:schemaRef ds:uri="http://schemas.microsoft.com/sharepoint/v3/contenttype/forms"/>
   </ds:schemaRefs>
 </ds:datastoreItem>
 </file>
 
-<file path=customXml/itemProps41.xml><?xml version="1.0" encoding="utf-8"?>
+<file path=customXml/itemProps43.xml><?xml version="1.0" encoding="utf-8"?>
+<ds:datastoreItem xmlns:ds="http://schemas.openxmlformats.org/officeDocument/2006/customXml" ds:itemID="{432851C6-BC05-4673-B853-6D08AB80CDC4}">
+  <ds:schemaRefs>
+    <ds:schemaRef ds:uri="http://schemas.microsoft.com/VisualStudio/2011/storyboarding/control"/>
+  </ds:schemaRefs>
+</ds:datastoreItem>
+</file>
+
+<file path=customXml/itemProps5.xml><?xml version="1.0" encoding="utf-8"?>
+<ds:datastoreItem xmlns:ds="http://schemas.openxmlformats.org/officeDocument/2006/customXml" ds:itemID="{C0F92A87-A216-45A9-B9C0-0515663D35BF}">
+  <ds:schemaRefs>
+    <ds:schemaRef ds:uri="http://schemas.microsoft.com/VisualStudio/2011/storyboarding/control"/>
+  </ds:schemaRefs>
+</ds:datastoreItem>
+</file>
+
+<file path=customXml/itemProps6.xml><?xml version="1.0" encoding="utf-8"?>
 <ds:datastoreItem xmlns:ds="http://schemas.openxmlformats.org/officeDocument/2006/customXml" ds:itemID="{E692D73E-1478-4790-BEEC-C5C534998F40}">
   <ds:schemaRefs>
     <ds:schemaRef ds:uri="http://schemas.microsoft.com/office/2006/metadata/properties"/>
@@ -47115,31 +47151,15 @@
 </ds:datastoreItem>
 </file>
 
-<file path=customXml/itemProps42.xml><?xml version="1.0" encoding="utf-8"?>
-<ds:datastoreItem xmlns:ds="http://schemas.openxmlformats.org/officeDocument/2006/customXml" ds:itemID="{432851C6-BC05-4673-B853-6D08AB80CDC4}">
+<file path=customXml/itemProps7.xml><?xml version="1.0" encoding="utf-8"?>
+<ds:datastoreItem xmlns:ds="http://schemas.openxmlformats.org/officeDocument/2006/customXml" ds:itemID="{4E805D65-1532-4BB0-8F41-8013167C0009}">
   <ds:schemaRefs>
     <ds:schemaRef ds:uri="http://schemas.microsoft.com/VisualStudio/2011/storyboarding/control"/>
   </ds:schemaRefs>
 </ds:datastoreItem>
 </file>
 
-<file path=customXml/itemProps43.xml><?xml version="1.0" encoding="utf-8"?>
-<ds:datastoreItem xmlns:ds="http://schemas.openxmlformats.org/officeDocument/2006/customXml" ds:itemID="{6FB9D450-4C47-4A44-8C0D-C78D8A54C46F}">
-  <ds:schemaRefs>
-    <ds:schemaRef ds:uri="http://schemas.microsoft.com/VisualStudio/2011/storyboarding/control"/>
-  </ds:schemaRefs>
-</ds:datastoreItem>
-</file>
-
-<file path=customXml/itemProps5.xml><?xml version="1.0" encoding="utf-8"?>
-<ds:datastoreItem xmlns:ds="http://schemas.openxmlformats.org/officeDocument/2006/customXml" ds:itemID="{3B5E259B-2631-4B7B-A028-7E89B051B64C}">
-  <ds:schemaRefs>
-    <ds:schemaRef ds:uri="http://schemas.microsoft.com/sharepoint/v3/contenttype/forms"/>
-  </ds:schemaRefs>
-</ds:datastoreItem>
-</file>
-
-<file path=customXml/itemProps6.xml><?xml version="1.0" encoding="utf-8"?>
+<file path=customXml/itemProps8.xml><?xml version="1.0" encoding="utf-8"?>
 <ds:datastoreItem xmlns:ds="http://schemas.openxmlformats.org/officeDocument/2006/customXml" ds:itemID="{11F98F69-7518-4AE2-AE7B-E037DC9DDC97}">
   <ds:schemaRefs>
     <ds:schemaRef ds:uri="http://schemas.microsoft.com/office/2006/metadata/contentType"/>
@@ -47157,28 +47177,8 @@
 </ds:datastoreItem>
 </file>
 
-<file path=customXml/itemProps7.xml><?xml version="1.0" encoding="utf-8"?>
-<ds:datastoreItem xmlns:ds="http://schemas.openxmlformats.org/officeDocument/2006/customXml" ds:itemID="{F990F116-B58F-4255-B05B-DA3808E0E5C6}">
-  <ds:schemaRefs>
-    <ds:schemaRef ds:uri="http://schemas.microsoft.com/office/2006/metadata/properties"/>
-    <ds:schemaRef ds:uri="http://schemas.microsoft.com/office/infopath/2007/PartnerControls"/>
-    <ds:schemaRef ds:uri="83cd2334-221a-48c3-9034-bfd1542dfe28"/>
-  </ds:schemaRefs>
-</ds:datastoreItem>
-</file>
-
-<file path=customXml/itemProps8.xml><?xml version="1.0" encoding="utf-8"?>
-<ds:datastoreItem xmlns:ds="http://schemas.openxmlformats.org/officeDocument/2006/customXml" ds:itemID="{D2785389-C2C5-4270-958A-D22E6E646BAE}">
-  <ds:schemaRefs>
-    <ds:schemaRef ds:uri="http://schemas.microsoft.com/office/2006/metadata/properties"/>
-    <ds:schemaRef ds:uri="http://schemas.microsoft.com/office/infopath/2007/PartnerControls"/>
-    <ds:schemaRef ds:uri="83cd2334-221a-48c3-9034-bfd1542dfe28"/>
-  </ds:schemaRefs>
-</ds:datastoreItem>
-</file>
-
 <file path=customXml/itemProps9.xml><?xml version="1.0" encoding="utf-8"?>
-<ds:datastoreItem xmlns:ds="http://schemas.openxmlformats.org/officeDocument/2006/customXml" ds:itemID="{4E8278DB-3CDD-48A7-992E-A7596AD335B9}">
+<ds:datastoreItem xmlns:ds="http://schemas.openxmlformats.org/officeDocument/2006/customXml" ds:itemID="{D4B5F268-5930-44CD-BDF1-D0A04D4BBC1C}">
   <ds:schemaRefs>
     <ds:schemaRef ds:uri="http://schemas.microsoft.com/VisualStudio/2011/storyboarding/control"/>
   </ds:schemaRefs>
